--- a/Presentations/3. Next Step with Arduino.pptx
+++ b/Presentations/3. Next Step with Arduino.pptx
@@ -5,7 +5,7 @@
     <p:sldMasterId id="2147483648" r:id="rId1"/>
   </p:sldMasterIdLst>
   <p:notesMasterIdLst>
-    <p:notesMasterId r:id="rId32"/>
+    <p:notesMasterId r:id="rId31"/>
   </p:notesMasterIdLst>
   <p:sldIdLst>
     <p:sldId id="256" r:id="rId2"/>
@@ -24,20 +24,19 @@
     <p:sldId id="335" r:id="rId15"/>
     <p:sldId id="336" r:id="rId16"/>
     <p:sldId id="337" r:id="rId17"/>
-    <p:sldId id="341" r:id="rId18"/>
-    <p:sldId id="344" r:id="rId19"/>
-    <p:sldId id="330" r:id="rId20"/>
+    <p:sldId id="344" r:id="rId18"/>
+    <p:sldId id="345" r:id="rId19"/>
+    <p:sldId id="346" r:id="rId20"/>
     <p:sldId id="311" r:id="rId21"/>
     <p:sldId id="316" r:id="rId22"/>
     <p:sldId id="312" r:id="rId23"/>
     <p:sldId id="314" r:id="rId24"/>
-    <p:sldId id="315" r:id="rId25"/>
-    <p:sldId id="300" r:id="rId26"/>
-    <p:sldId id="338" r:id="rId27"/>
-    <p:sldId id="339" r:id="rId28"/>
-    <p:sldId id="340" r:id="rId29"/>
-    <p:sldId id="342" r:id="rId30"/>
-    <p:sldId id="343" r:id="rId31"/>
+    <p:sldId id="338" r:id="rId25"/>
+    <p:sldId id="339" r:id="rId26"/>
+    <p:sldId id="340" r:id="rId27"/>
+    <p:sldId id="330" r:id="rId28"/>
+    <p:sldId id="342" r:id="rId29"/>
+    <p:sldId id="343" r:id="rId30"/>
   </p:sldIdLst>
   <p:sldSz cx="9144000" cy="6858000" type="screen4x3"/>
   <p:notesSz cx="6858000" cy="9144000"/>
@@ -1086,7 +1085,7 @@
                   <a:spcPct val="0"/>
                 </a:spcBef>
               </a:pPr>
-              <a:t>19</a:t>
+              <a:t>27</a:t>
             </a:fld>
             <a:endParaRPr lang="en-US" altLang="en-US"/>
           </a:p>
@@ -9592,7 +9591,7 @@
 </file>
 
 <file path=ppt/slides/slide16.xml><?xml version="1.0" encoding="utf-8"?>
-<p:sld xmlns:a="http://schemas.openxmlformats.org/drawingml/2006/main" xmlns:r="http://schemas.openxmlformats.org/officeDocument/2006/relationships" xmlns:p="http://schemas.openxmlformats.org/presentationml/2006/main">
+<p:sld xmlns:a="http://schemas.openxmlformats.org/drawingml/2006/main" xmlns:r="http://schemas.openxmlformats.org/officeDocument/2006/relationships" xmlns:p="http://schemas.openxmlformats.org/presentationml/2006/main" show="0">
   <p:cSld>
     <p:spTree>
       <p:nvGrpSpPr>
@@ -9652,8 +9651,16 @@
           <a:p>
             <a:pPr algn="l" rtl="0"/>
             <a:r>
-              <a:rPr lang="en-GB" altLang="en-US" smtClean="0"/>
-              <a:t>Install the Megunolink library </a:t>
+              <a:rPr lang="en-GB" altLang="en-US" dirty="0" smtClean="0"/>
+              <a:t>Install the </a:t>
+            </a:r>
+            <a:r>
+              <a:rPr lang="en-GB" altLang="en-US" dirty="0" err="1" smtClean="0"/>
+              <a:t>Megunolink</a:t>
+            </a:r>
+            <a:r>
+              <a:rPr lang="en-GB" altLang="en-US" dirty="0" smtClean="0"/>
+              <a:t> library </a:t>
             </a:r>
           </a:p>
           <a:p>
@@ -9662,33 +9669,33 @@
               <a:buNone/>
             </a:pPr>
             <a:r>
-              <a:rPr lang="en-GB" altLang="en-US" sz="2400" b="1" smtClean="0">
+              <a:rPr lang="en-GB" altLang="en-US" sz="2400" b="1" dirty="0" smtClean="0">
                 <a:hlinkClick r:id="rId2"/>
               </a:rPr>
               <a:t>http://www.megunolink.com/download/GraphSeries.zip</a:t>
             </a:r>
             <a:r>
-              <a:rPr lang="en-GB" altLang="en-US" sz="2400" b="1" smtClean="0"/>
+              <a:rPr lang="en-GB" altLang="en-US" sz="2400" b="1" dirty="0" smtClean="0"/>
               <a:t> </a:t>
             </a:r>
           </a:p>
           <a:p>
             <a:pPr algn="l" rtl="0"/>
             <a:r>
-              <a:rPr lang="en-GB" altLang="en-US" smtClean="0"/>
+              <a:rPr lang="en-GB" altLang="en-US" dirty="0" smtClean="0"/>
               <a:t>Plot the measured temperature </a:t>
             </a:r>
           </a:p>
           <a:p>
             <a:pPr algn="l" rtl="0"/>
             <a:r>
-              <a:rPr lang="en-GB" altLang="en-US" smtClean="0"/>
+              <a:rPr lang="en-GB" altLang="en-US" dirty="0" smtClean="0"/>
               <a:t>Save the data to text file</a:t>
             </a:r>
           </a:p>
           <a:p>
             <a:pPr algn="l" rtl="0"/>
-            <a:endParaRPr lang="en-GB" altLang="en-US" smtClean="0"/>
+            <a:endParaRPr lang="en-GB" altLang="en-US" dirty="0" smtClean="0"/>
           </a:p>
         </p:txBody>
       </p:sp>
@@ -9697,6 +9704,14 @@
   <p:clrMapOvr>
     <a:masterClrMapping/>
   </p:clrMapOvr>
+  <mc:AlternateContent xmlns:mc="http://schemas.openxmlformats.org/markup-compatibility/2006">
+    <mc:Choice xmlns:p14="http://schemas.microsoft.com/office/powerpoint/2010/main" Requires="p14">
+      <p:transition spd="slow" p14:dur="2000"/>
+    </mc:Choice>
+    <mc:Fallback>
+      <p:transition spd="slow"/>
+    </mc:Fallback>
+  </mc:AlternateContent>
   <p:timing>
     <p:tnLst>
       <p:par>
@@ -9708,110 +9723,6 @@
 </file>
 
 <file path=ppt/slides/slide17.xml><?xml version="1.0" encoding="utf-8"?>
-<p:sld xmlns:a="http://schemas.openxmlformats.org/drawingml/2006/main" xmlns:r="http://schemas.openxmlformats.org/officeDocument/2006/relationships" xmlns:p="http://schemas.openxmlformats.org/presentationml/2006/main">
-  <p:cSld>
-    <p:spTree>
-      <p:nvGrpSpPr>
-        <p:cNvPr id="1" name=""/>
-        <p:cNvGrpSpPr/>
-        <p:nvPr/>
-      </p:nvGrpSpPr>
-      <p:grpSpPr>
-        <a:xfrm>
-          <a:off x="0" y="0"/>
-          <a:ext cx="0" cy="0"/>
-          <a:chOff x="0" y="0"/>
-          <a:chExt cx="0" cy="0"/>
-        </a:xfrm>
-      </p:grpSpPr>
-      <p:sp>
-        <p:nvSpPr>
-          <p:cNvPr id="29698" name="Title 1"/>
-          <p:cNvSpPr>
-            <a:spLocks noGrp="1"/>
-          </p:cNvSpPr>
-          <p:nvPr>
-            <p:ph type="title"/>
-          </p:nvPr>
-        </p:nvSpPr>
-        <p:spPr>
-          <a:xfrm>
-            <a:off x="250825" y="188913"/>
-            <a:ext cx="6718300" cy="509587"/>
-          </a:xfrm>
-        </p:spPr>
-        <p:txBody>
-          <a:bodyPr/>
-          <a:lstStyle/>
-          <a:p>
-            <a:pPr rtl="0" eaLnBrk="1" hangingPunct="1"/>
-            <a:r>
-              <a:rPr lang="en-US" altLang="en-US" sz="4800" smtClean="0">
-                <a:solidFill>
-                  <a:srgbClr val="0066FF"/>
-                </a:solidFill>
-                <a:latin typeface="Calibri" panose="020F0502020204030204" pitchFamily="34" charset="0"/>
-              </a:rPr>
-              <a:t>Blink without delay</a:t>
-            </a:r>
-            <a:endParaRPr lang="en-US" altLang="en-US" sz="4800" smtClean="0">
-              <a:solidFill>
-                <a:srgbClr val="0066FF"/>
-              </a:solidFill>
-            </a:endParaRPr>
-          </a:p>
-        </p:txBody>
-      </p:sp>
-      <p:sp>
-        <p:nvSpPr>
-          <p:cNvPr id="29699" name="Content Placeholder 2"/>
-          <p:cNvSpPr>
-            <a:spLocks noGrp="1"/>
-          </p:cNvSpPr>
-          <p:nvPr>
-            <p:ph idx="1"/>
-          </p:nvPr>
-        </p:nvSpPr>
-        <p:spPr>
-          <a:xfrm>
-            <a:off x="71438" y="1196975"/>
-            <a:ext cx="9037637" cy="4464050"/>
-          </a:xfrm>
-        </p:spPr>
-        <p:txBody>
-          <a:bodyPr/>
-          <a:lstStyle/>
-          <a:p>
-            <a:pPr marL="342900" lvl="2" indent="-342900" algn="l" rtl="0" eaLnBrk="1" hangingPunct="1">
-              <a:buSzPct val="80000"/>
-              <a:buFontTx/>
-              <a:buBlip>
-                <a:blip r:embed="rId2"/>
-              </a:buBlip>
-            </a:pPr>
-            <a:endParaRPr lang="en-US" altLang="en-US" smtClean="0">
-              <a:latin typeface="Calibri" panose="020F0502020204030204" pitchFamily="34" charset="0"/>
-              <a:cs typeface="Courier New" panose="02070309020205020404" pitchFamily="49" charset="0"/>
-            </a:endParaRPr>
-          </a:p>
-        </p:txBody>
-      </p:sp>
-    </p:spTree>
-  </p:cSld>
-  <p:clrMapOvr>
-    <a:masterClrMapping/>
-  </p:clrMapOvr>
-  <p:timing>
-    <p:tnLst>
-      <p:par>
-        <p:cTn id="1" dur="indefinite" restart="never" nodeType="tmRoot"/>
-      </p:par>
-    </p:tnLst>
-  </p:timing>
-</p:sld>
-</file>
-
-<file path=ppt/slides/slide18.xml><?xml version="1.0" encoding="utf-8"?>
 <p:sld xmlns:a="http://schemas.openxmlformats.org/drawingml/2006/main" xmlns:r="http://schemas.openxmlformats.org/officeDocument/2006/relationships" xmlns:p="http://schemas.openxmlformats.org/presentationml/2006/main">
   <p:cSld>
     <p:spTree>
@@ -10039,7 +9950,7 @@
 </p:sld>
 </file>
 
-<file path=ppt/slides/slide19.xml><?xml version="1.0" encoding="utf-8"?>
+<file path=ppt/slides/slide18.xml><?xml version="1.0" encoding="utf-8"?>
 <p:sld xmlns:a="http://schemas.openxmlformats.org/drawingml/2006/main" xmlns:r="http://schemas.openxmlformats.org/officeDocument/2006/relationships" xmlns:p="http://schemas.openxmlformats.org/presentationml/2006/main">
   <p:cSld>
     <p:spTree>
@@ -10058,1137 +9969,167 @@
       </p:grpSpPr>
       <p:sp>
         <p:nvSpPr>
-          <p:cNvPr id="31746" name="AutoShape 5" descr="9k="/>
+          <p:cNvPr id="2" name="Title 1"/>
           <p:cNvSpPr>
-            <a:spLocks noChangeAspect="1" noChangeArrowheads="1"/>
+            <a:spLocks noGrp="1"/>
           </p:cNvSpPr>
+          <p:nvPr>
+            <p:ph type="ctrTitle"/>
+          </p:nvPr>
+        </p:nvSpPr>
+        <p:spPr>
+          <a:xfrm>
+            <a:off x="685800" y="548680"/>
+            <a:ext cx="7772400" cy="1008112"/>
+          </a:xfrm>
+        </p:spPr>
+        <p:txBody>
+          <a:bodyPr/>
+          <a:lstStyle/>
+          <a:p>
+            <a:r>
+              <a:rPr lang="en-GB" dirty="0" smtClean="0"/>
+              <a:t>Interrupts</a:t>
+            </a:r>
+            <a:endParaRPr lang="en-US" dirty="0"/>
+          </a:p>
+        </p:txBody>
+      </p:sp>
+      <p:sp>
+        <p:nvSpPr>
+          <p:cNvPr id="3" name="Subtitle 2"/>
+          <p:cNvSpPr>
+            <a:spLocks noGrp="1"/>
+          </p:cNvSpPr>
+          <p:nvPr>
+            <p:ph type="subTitle" idx="1"/>
+          </p:nvPr>
+        </p:nvSpPr>
+        <p:spPr>
+          <a:xfrm>
+            <a:off x="395536" y="1556792"/>
+            <a:ext cx="8424936" cy="4082008"/>
+          </a:xfrm>
+        </p:spPr>
+        <p:txBody>
+          <a:bodyPr/>
+          <a:lstStyle/>
+          <a:p>
+            <a:pPr algn="l" rtl="0"/>
+            <a:r>
+              <a:rPr lang="en-GB" dirty="0" smtClean="0"/>
+              <a:t>Pins 2 and 3 can be set to ‘continually listen’ for a change in state</a:t>
+            </a:r>
+          </a:p>
+          <a:p>
+            <a:pPr algn="l" rtl="0"/>
+            <a:endParaRPr lang="en-GB" sz="2400" dirty="0"/>
+          </a:p>
+          <a:p>
+            <a:pPr algn="l" rtl="0"/>
+            <a:r>
+              <a:rPr lang="en-US" sz="2400" dirty="0">
+                <a:hlinkClick r:id="rId2"/>
+              </a:rPr>
+              <a:t>https://gonium.net/md/2006/12/20/handling-external-interrupts-with-arduino</a:t>
+            </a:r>
+            <a:r>
+              <a:rPr lang="en-US" sz="2400" dirty="0" smtClean="0">
+                <a:hlinkClick r:id="rId2"/>
+              </a:rPr>
+              <a:t>/</a:t>
+            </a:r>
+            <a:r>
+              <a:rPr lang="en-US" sz="2400" dirty="0" smtClean="0"/>
+              <a:t> </a:t>
+            </a:r>
+          </a:p>
+          <a:p>
+            <a:pPr algn="l" rtl="0"/>
+            <a:r>
+              <a:rPr lang="en-US" sz="2400" dirty="0">
+                <a:hlinkClick r:id="rId3"/>
+              </a:rPr>
+              <a:t>https://</a:t>
+            </a:r>
+            <a:r>
+              <a:rPr lang="en-US" sz="2400" dirty="0" smtClean="0">
+                <a:hlinkClick r:id="rId3"/>
+              </a:rPr>
+              <a:t>www.arduino.cc/en/Reference/attachInterrupt</a:t>
+            </a:r>
+            <a:r>
+              <a:rPr lang="en-US" sz="2400" dirty="0" smtClean="0"/>
+              <a:t> </a:t>
+            </a:r>
+            <a:endParaRPr lang="en-US" sz="2400" dirty="0"/>
+          </a:p>
+        </p:txBody>
+      </p:sp>
+    </p:spTree>
+    <p:extLst>
+      <p:ext uri="{BB962C8B-B14F-4D97-AF65-F5344CB8AC3E}">
+        <p14:creationId xmlns:p14="http://schemas.microsoft.com/office/powerpoint/2010/main" val="2829120562"/>
+      </p:ext>
+    </p:extLst>
+  </p:cSld>
+  <p:clrMapOvr>
+    <a:masterClrMapping/>
+  </p:clrMapOvr>
+</p:sld>
+</file>
+
+<file path=ppt/slides/slide19.xml><?xml version="1.0" encoding="utf-8"?>
+<p:sld xmlns:a="http://schemas.openxmlformats.org/drawingml/2006/main" xmlns:r="http://schemas.openxmlformats.org/officeDocument/2006/relationships" xmlns:p="http://schemas.openxmlformats.org/presentationml/2006/main">
+  <p:cSld>
+    <p:spTree>
+      <p:nvGrpSpPr>
+        <p:cNvPr id="1" name=""/>
+        <p:cNvGrpSpPr/>
+        <p:nvPr/>
+      </p:nvGrpSpPr>
+      <p:grpSpPr>
+        <a:xfrm>
+          <a:off x="0" y="0"/>
+          <a:ext cx="0" cy="0"/>
+          <a:chOff x="0" y="0"/>
+          <a:chExt cx="0" cy="0"/>
+        </a:xfrm>
+      </p:grpSpPr>
+      <p:pic>
+        <p:nvPicPr>
+          <p:cNvPr id="4" name="Picture 3"/>
+          <p:cNvPicPr>
+            <a:picLocks noChangeAspect="1"/>
+          </p:cNvPicPr>
           <p:nvPr/>
-        </p:nvSpPr>
-        <p:spPr bwMode="auto">
+        </p:nvPicPr>
+        <p:blipFill>
+          <a:blip r:embed="rId2"/>
+          <a:stretch>
+            <a:fillRect/>
+          </a:stretch>
+        </p:blipFill>
+        <p:spPr>
           <a:xfrm>
-            <a:off x="4419600" y="3276600"/>
-            <a:ext cx="304800" cy="304800"/>
+            <a:off x="269201" y="0"/>
+            <a:ext cx="7646028" cy="6093296"/>
           </a:xfrm>
           <a:prstGeom prst="rect">
             <a:avLst/>
           </a:prstGeom>
-          <a:noFill/>
-          <a:ln>
-            <a:noFill/>
-          </a:ln>
-          <a:extLst>
-            <a:ext uri="{909E8E84-426E-40DD-AFC4-6F175D3DCCD1}">
-              <a14:hiddenFill xmlns:a14="http://schemas.microsoft.com/office/drawing/2010/main">
-                <a:solidFill>
-                  <a:srgbClr val="FFFFFF"/>
-                </a:solidFill>
-              </a14:hiddenFill>
-            </a:ext>
-            <a:ext uri="{91240B29-F687-4F45-9708-019B960494DF}">
-              <a14:hiddenLine xmlns:a14="http://schemas.microsoft.com/office/drawing/2010/main" w="9525">
-                <a:solidFill>
-                  <a:srgbClr val="000000"/>
-                </a:solidFill>
-                <a:miter lim="800000"/>
-                <a:headEnd/>
-                <a:tailEnd/>
-              </a14:hiddenLine>
-            </a:ext>
-          </a:extLst>
-        </p:spPr>
-        <p:txBody>
-          <a:bodyPr/>
-          <a:lstStyle>
-            <a:lvl1pPr algn="r" rtl="1">
-              <a:spcBef>
-                <a:spcPct val="20000"/>
-              </a:spcBef>
-              <a:buChar char="•"/>
-              <a:defRPr sz="3200">
-                <a:solidFill>
-                  <a:schemeClr val="tx1"/>
-                </a:solidFill>
-                <a:latin typeface="Arial" panose="020B0604020202020204" pitchFamily="34" charset="0"/>
-                <a:cs typeface="Arial" panose="020B0604020202020204" pitchFamily="34" charset="0"/>
-              </a:defRPr>
-            </a:lvl1pPr>
-            <a:lvl2pPr marL="742950" indent="-285750" algn="r" rtl="1">
-              <a:spcBef>
-                <a:spcPct val="20000"/>
-              </a:spcBef>
-              <a:buChar char="–"/>
-              <a:defRPr sz="2800">
-                <a:solidFill>
-                  <a:schemeClr val="tx1"/>
-                </a:solidFill>
-                <a:latin typeface="Arial" panose="020B0604020202020204" pitchFamily="34" charset="0"/>
-                <a:cs typeface="Arial" panose="020B0604020202020204" pitchFamily="34" charset="0"/>
-              </a:defRPr>
-            </a:lvl2pPr>
-            <a:lvl3pPr marL="1143000" indent="-228600" algn="r" rtl="1">
-              <a:spcBef>
-                <a:spcPct val="20000"/>
-              </a:spcBef>
-              <a:buChar char="•"/>
-              <a:defRPr sz="2400">
-                <a:solidFill>
-                  <a:schemeClr val="tx1"/>
-                </a:solidFill>
-                <a:latin typeface="Arial" panose="020B0604020202020204" pitchFamily="34" charset="0"/>
-                <a:cs typeface="Arial" panose="020B0604020202020204" pitchFamily="34" charset="0"/>
-              </a:defRPr>
-            </a:lvl3pPr>
-            <a:lvl4pPr marL="1600200" indent="-228600" algn="r" rtl="1">
-              <a:spcBef>
-                <a:spcPct val="20000"/>
-              </a:spcBef>
-              <a:buChar char="–"/>
-              <a:defRPr sz="2000">
-                <a:solidFill>
-                  <a:schemeClr val="tx1"/>
-                </a:solidFill>
-                <a:latin typeface="Arial" panose="020B0604020202020204" pitchFamily="34" charset="0"/>
-                <a:cs typeface="Arial" panose="020B0604020202020204" pitchFamily="34" charset="0"/>
-              </a:defRPr>
-            </a:lvl4pPr>
-            <a:lvl5pPr marL="2057400" indent="-228600" algn="r" rtl="1">
-              <a:spcBef>
-                <a:spcPct val="20000"/>
-              </a:spcBef>
-              <a:buChar char="»"/>
-              <a:defRPr sz="2000">
-                <a:solidFill>
-                  <a:schemeClr val="tx1"/>
-                </a:solidFill>
-                <a:latin typeface="Arial" panose="020B0604020202020204" pitchFamily="34" charset="0"/>
-                <a:cs typeface="Arial" panose="020B0604020202020204" pitchFamily="34" charset="0"/>
-              </a:defRPr>
-            </a:lvl5pPr>
-            <a:lvl6pPr marL="2514600" indent="-228600" algn="r" rtl="1" eaLnBrk="0" fontAlgn="base" hangingPunct="0">
-              <a:spcBef>
-                <a:spcPct val="20000"/>
-              </a:spcBef>
-              <a:spcAft>
-                <a:spcPct val="0"/>
-              </a:spcAft>
-              <a:buChar char="»"/>
-              <a:defRPr sz="2000">
-                <a:solidFill>
-                  <a:schemeClr val="tx1"/>
-                </a:solidFill>
-                <a:latin typeface="Arial" panose="020B0604020202020204" pitchFamily="34" charset="0"/>
-                <a:cs typeface="Arial" panose="020B0604020202020204" pitchFamily="34" charset="0"/>
-              </a:defRPr>
-            </a:lvl6pPr>
-            <a:lvl7pPr marL="2971800" indent="-228600" algn="r" rtl="1" eaLnBrk="0" fontAlgn="base" hangingPunct="0">
-              <a:spcBef>
-                <a:spcPct val="20000"/>
-              </a:spcBef>
-              <a:spcAft>
-                <a:spcPct val="0"/>
-              </a:spcAft>
-              <a:buChar char="»"/>
-              <a:defRPr sz="2000">
-                <a:solidFill>
-                  <a:schemeClr val="tx1"/>
-                </a:solidFill>
-                <a:latin typeface="Arial" panose="020B0604020202020204" pitchFamily="34" charset="0"/>
-                <a:cs typeface="Arial" panose="020B0604020202020204" pitchFamily="34" charset="0"/>
-              </a:defRPr>
-            </a:lvl7pPr>
-            <a:lvl8pPr marL="3429000" indent="-228600" algn="r" rtl="1" eaLnBrk="0" fontAlgn="base" hangingPunct="0">
-              <a:spcBef>
-                <a:spcPct val="20000"/>
-              </a:spcBef>
-              <a:spcAft>
-                <a:spcPct val="0"/>
-              </a:spcAft>
-              <a:buChar char="»"/>
-              <a:defRPr sz="2000">
-                <a:solidFill>
-                  <a:schemeClr val="tx1"/>
-                </a:solidFill>
-                <a:latin typeface="Arial" panose="020B0604020202020204" pitchFamily="34" charset="0"/>
-                <a:cs typeface="Arial" panose="020B0604020202020204" pitchFamily="34" charset="0"/>
-              </a:defRPr>
-            </a:lvl8pPr>
-            <a:lvl9pPr marL="3886200" indent="-228600" algn="r" rtl="1" eaLnBrk="0" fontAlgn="base" hangingPunct="0">
-              <a:spcBef>
-                <a:spcPct val="20000"/>
-              </a:spcBef>
-              <a:spcAft>
-                <a:spcPct val="0"/>
-              </a:spcAft>
-              <a:buChar char="»"/>
-              <a:defRPr sz="2000">
-                <a:solidFill>
-                  <a:schemeClr val="tx1"/>
-                </a:solidFill>
-                <a:latin typeface="Arial" panose="020B0604020202020204" pitchFamily="34" charset="0"/>
-                <a:cs typeface="Arial" panose="020B0604020202020204" pitchFamily="34" charset="0"/>
-              </a:defRPr>
-            </a:lvl9pPr>
-          </a:lstStyle>
-          <a:p>
-            <a:pPr algn="l" rtl="0" eaLnBrk="1" hangingPunct="1">
-              <a:spcBef>
-                <a:spcPct val="0"/>
-              </a:spcBef>
-              <a:buFontTx/>
-              <a:buNone/>
-            </a:pPr>
-            <a:endParaRPr lang="en-US" altLang="en-US" sz="16600"/>
-          </a:p>
-        </p:txBody>
-      </p:sp>
-      <p:sp>
-        <p:nvSpPr>
-          <p:cNvPr id="31747" name="AutoShape 7" descr="9k="/>
-          <p:cNvSpPr>
-            <a:spLocks noChangeAspect="1" noChangeArrowheads="1"/>
-          </p:cNvSpPr>
-          <p:nvPr/>
-        </p:nvSpPr>
-        <p:spPr bwMode="auto">
-          <a:xfrm>
-            <a:off x="4419600" y="3276600"/>
-            <a:ext cx="304800" cy="304800"/>
-          </a:xfrm>
-          <a:prstGeom prst="rect">
-            <a:avLst/>
-          </a:prstGeom>
-          <a:noFill/>
-          <a:ln>
-            <a:noFill/>
-          </a:ln>
-          <a:extLst>
-            <a:ext uri="{909E8E84-426E-40DD-AFC4-6F175D3DCCD1}">
-              <a14:hiddenFill xmlns:a14="http://schemas.microsoft.com/office/drawing/2010/main">
-                <a:solidFill>
-                  <a:srgbClr val="FFFFFF"/>
-                </a:solidFill>
-              </a14:hiddenFill>
-            </a:ext>
-            <a:ext uri="{91240B29-F687-4F45-9708-019B960494DF}">
-              <a14:hiddenLine xmlns:a14="http://schemas.microsoft.com/office/drawing/2010/main" w="9525">
-                <a:solidFill>
-                  <a:srgbClr val="000000"/>
-                </a:solidFill>
-                <a:miter lim="800000"/>
-                <a:headEnd/>
-                <a:tailEnd/>
-              </a14:hiddenLine>
-            </a:ext>
-          </a:extLst>
-        </p:spPr>
-        <p:txBody>
-          <a:bodyPr/>
-          <a:lstStyle>
-            <a:lvl1pPr algn="r" rtl="1">
-              <a:spcBef>
-                <a:spcPct val="20000"/>
-              </a:spcBef>
-              <a:buChar char="•"/>
-              <a:defRPr sz="3200">
-                <a:solidFill>
-                  <a:schemeClr val="tx1"/>
-                </a:solidFill>
-                <a:latin typeface="Arial" panose="020B0604020202020204" pitchFamily="34" charset="0"/>
-                <a:cs typeface="Arial" panose="020B0604020202020204" pitchFamily="34" charset="0"/>
-              </a:defRPr>
-            </a:lvl1pPr>
-            <a:lvl2pPr marL="742950" indent="-285750" algn="r" rtl="1">
-              <a:spcBef>
-                <a:spcPct val="20000"/>
-              </a:spcBef>
-              <a:buChar char="–"/>
-              <a:defRPr sz="2800">
-                <a:solidFill>
-                  <a:schemeClr val="tx1"/>
-                </a:solidFill>
-                <a:latin typeface="Arial" panose="020B0604020202020204" pitchFamily="34" charset="0"/>
-                <a:cs typeface="Arial" panose="020B0604020202020204" pitchFamily="34" charset="0"/>
-              </a:defRPr>
-            </a:lvl2pPr>
-            <a:lvl3pPr marL="1143000" indent="-228600" algn="r" rtl="1">
-              <a:spcBef>
-                <a:spcPct val="20000"/>
-              </a:spcBef>
-              <a:buChar char="•"/>
-              <a:defRPr sz="2400">
-                <a:solidFill>
-                  <a:schemeClr val="tx1"/>
-                </a:solidFill>
-                <a:latin typeface="Arial" panose="020B0604020202020204" pitchFamily="34" charset="0"/>
-                <a:cs typeface="Arial" panose="020B0604020202020204" pitchFamily="34" charset="0"/>
-              </a:defRPr>
-            </a:lvl3pPr>
-            <a:lvl4pPr marL="1600200" indent="-228600" algn="r" rtl="1">
-              <a:spcBef>
-                <a:spcPct val="20000"/>
-              </a:spcBef>
-              <a:buChar char="–"/>
-              <a:defRPr sz="2000">
-                <a:solidFill>
-                  <a:schemeClr val="tx1"/>
-                </a:solidFill>
-                <a:latin typeface="Arial" panose="020B0604020202020204" pitchFamily="34" charset="0"/>
-                <a:cs typeface="Arial" panose="020B0604020202020204" pitchFamily="34" charset="0"/>
-              </a:defRPr>
-            </a:lvl4pPr>
-            <a:lvl5pPr marL="2057400" indent="-228600" algn="r" rtl="1">
-              <a:spcBef>
-                <a:spcPct val="20000"/>
-              </a:spcBef>
-              <a:buChar char="»"/>
-              <a:defRPr sz="2000">
-                <a:solidFill>
-                  <a:schemeClr val="tx1"/>
-                </a:solidFill>
-                <a:latin typeface="Arial" panose="020B0604020202020204" pitchFamily="34" charset="0"/>
-                <a:cs typeface="Arial" panose="020B0604020202020204" pitchFamily="34" charset="0"/>
-              </a:defRPr>
-            </a:lvl5pPr>
-            <a:lvl6pPr marL="2514600" indent="-228600" algn="r" rtl="1" eaLnBrk="0" fontAlgn="base" hangingPunct="0">
-              <a:spcBef>
-                <a:spcPct val="20000"/>
-              </a:spcBef>
-              <a:spcAft>
-                <a:spcPct val="0"/>
-              </a:spcAft>
-              <a:buChar char="»"/>
-              <a:defRPr sz="2000">
-                <a:solidFill>
-                  <a:schemeClr val="tx1"/>
-                </a:solidFill>
-                <a:latin typeface="Arial" panose="020B0604020202020204" pitchFamily="34" charset="0"/>
-                <a:cs typeface="Arial" panose="020B0604020202020204" pitchFamily="34" charset="0"/>
-              </a:defRPr>
-            </a:lvl6pPr>
-            <a:lvl7pPr marL="2971800" indent="-228600" algn="r" rtl="1" eaLnBrk="0" fontAlgn="base" hangingPunct="0">
-              <a:spcBef>
-                <a:spcPct val="20000"/>
-              </a:spcBef>
-              <a:spcAft>
-                <a:spcPct val="0"/>
-              </a:spcAft>
-              <a:buChar char="»"/>
-              <a:defRPr sz="2000">
-                <a:solidFill>
-                  <a:schemeClr val="tx1"/>
-                </a:solidFill>
-                <a:latin typeface="Arial" panose="020B0604020202020204" pitchFamily="34" charset="0"/>
-                <a:cs typeface="Arial" panose="020B0604020202020204" pitchFamily="34" charset="0"/>
-              </a:defRPr>
-            </a:lvl7pPr>
-            <a:lvl8pPr marL="3429000" indent="-228600" algn="r" rtl="1" eaLnBrk="0" fontAlgn="base" hangingPunct="0">
-              <a:spcBef>
-                <a:spcPct val="20000"/>
-              </a:spcBef>
-              <a:spcAft>
-                <a:spcPct val="0"/>
-              </a:spcAft>
-              <a:buChar char="»"/>
-              <a:defRPr sz="2000">
-                <a:solidFill>
-                  <a:schemeClr val="tx1"/>
-                </a:solidFill>
-                <a:latin typeface="Arial" panose="020B0604020202020204" pitchFamily="34" charset="0"/>
-                <a:cs typeface="Arial" panose="020B0604020202020204" pitchFamily="34" charset="0"/>
-              </a:defRPr>
-            </a:lvl8pPr>
-            <a:lvl9pPr marL="3886200" indent="-228600" algn="r" rtl="1" eaLnBrk="0" fontAlgn="base" hangingPunct="0">
-              <a:spcBef>
-                <a:spcPct val="20000"/>
-              </a:spcBef>
-              <a:spcAft>
-                <a:spcPct val="0"/>
-              </a:spcAft>
-              <a:buChar char="»"/>
-              <a:defRPr sz="2000">
-                <a:solidFill>
-                  <a:schemeClr val="tx1"/>
-                </a:solidFill>
-                <a:latin typeface="Arial" panose="020B0604020202020204" pitchFamily="34" charset="0"/>
-                <a:cs typeface="Arial" panose="020B0604020202020204" pitchFamily="34" charset="0"/>
-              </a:defRPr>
-            </a:lvl9pPr>
-          </a:lstStyle>
-          <a:p>
-            <a:pPr algn="l" rtl="0" eaLnBrk="1" hangingPunct="1">
-              <a:spcBef>
-                <a:spcPct val="0"/>
-              </a:spcBef>
-              <a:buFontTx/>
-              <a:buNone/>
-            </a:pPr>
-            <a:endParaRPr lang="en-US" altLang="en-US" sz="1800"/>
-          </a:p>
-        </p:txBody>
-      </p:sp>
-      <p:sp>
-        <p:nvSpPr>
-          <p:cNvPr id="31748" name="AutoShape 9" descr="9k="/>
-          <p:cNvSpPr>
-            <a:spLocks noChangeAspect="1" noChangeArrowheads="1"/>
-          </p:cNvSpPr>
-          <p:nvPr/>
-        </p:nvSpPr>
-        <p:spPr bwMode="auto">
-          <a:xfrm>
-            <a:off x="4419600" y="3276600"/>
-            <a:ext cx="304800" cy="304800"/>
-          </a:xfrm>
-          <a:prstGeom prst="rect">
-            <a:avLst/>
-          </a:prstGeom>
-          <a:noFill/>
-          <a:ln>
-            <a:noFill/>
-          </a:ln>
-          <a:extLst>
-            <a:ext uri="{909E8E84-426E-40DD-AFC4-6F175D3DCCD1}">
-              <a14:hiddenFill xmlns:a14="http://schemas.microsoft.com/office/drawing/2010/main">
-                <a:solidFill>
-                  <a:srgbClr val="FFFFFF"/>
-                </a:solidFill>
-              </a14:hiddenFill>
-            </a:ext>
-            <a:ext uri="{91240B29-F687-4F45-9708-019B960494DF}">
-              <a14:hiddenLine xmlns:a14="http://schemas.microsoft.com/office/drawing/2010/main" w="9525">
-                <a:solidFill>
-                  <a:srgbClr val="000000"/>
-                </a:solidFill>
-                <a:miter lim="800000"/>
-                <a:headEnd/>
-                <a:tailEnd/>
-              </a14:hiddenLine>
-            </a:ext>
-          </a:extLst>
-        </p:spPr>
-        <p:txBody>
-          <a:bodyPr/>
-          <a:lstStyle>
-            <a:lvl1pPr algn="r" rtl="1">
-              <a:spcBef>
-                <a:spcPct val="20000"/>
-              </a:spcBef>
-              <a:buChar char="•"/>
-              <a:defRPr sz="3200">
-                <a:solidFill>
-                  <a:schemeClr val="tx1"/>
-                </a:solidFill>
-                <a:latin typeface="Arial" panose="020B0604020202020204" pitchFamily="34" charset="0"/>
-                <a:cs typeface="Arial" panose="020B0604020202020204" pitchFamily="34" charset="0"/>
-              </a:defRPr>
-            </a:lvl1pPr>
-            <a:lvl2pPr marL="742950" indent="-285750" algn="r" rtl="1">
-              <a:spcBef>
-                <a:spcPct val="20000"/>
-              </a:spcBef>
-              <a:buChar char="–"/>
-              <a:defRPr sz="2800">
-                <a:solidFill>
-                  <a:schemeClr val="tx1"/>
-                </a:solidFill>
-                <a:latin typeface="Arial" panose="020B0604020202020204" pitchFamily="34" charset="0"/>
-                <a:cs typeface="Arial" panose="020B0604020202020204" pitchFamily="34" charset="0"/>
-              </a:defRPr>
-            </a:lvl2pPr>
-            <a:lvl3pPr marL="1143000" indent="-228600" algn="r" rtl="1">
-              <a:spcBef>
-                <a:spcPct val="20000"/>
-              </a:spcBef>
-              <a:buChar char="•"/>
-              <a:defRPr sz="2400">
-                <a:solidFill>
-                  <a:schemeClr val="tx1"/>
-                </a:solidFill>
-                <a:latin typeface="Arial" panose="020B0604020202020204" pitchFamily="34" charset="0"/>
-                <a:cs typeface="Arial" panose="020B0604020202020204" pitchFamily="34" charset="0"/>
-              </a:defRPr>
-            </a:lvl3pPr>
-            <a:lvl4pPr marL="1600200" indent="-228600" algn="r" rtl="1">
-              <a:spcBef>
-                <a:spcPct val="20000"/>
-              </a:spcBef>
-              <a:buChar char="–"/>
-              <a:defRPr sz="2000">
-                <a:solidFill>
-                  <a:schemeClr val="tx1"/>
-                </a:solidFill>
-                <a:latin typeface="Arial" panose="020B0604020202020204" pitchFamily="34" charset="0"/>
-                <a:cs typeface="Arial" panose="020B0604020202020204" pitchFamily="34" charset="0"/>
-              </a:defRPr>
-            </a:lvl4pPr>
-            <a:lvl5pPr marL="2057400" indent="-228600" algn="r" rtl="1">
-              <a:spcBef>
-                <a:spcPct val="20000"/>
-              </a:spcBef>
-              <a:buChar char="»"/>
-              <a:defRPr sz="2000">
-                <a:solidFill>
-                  <a:schemeClr val="tx1"/>
-                </a:solidFill>
-                <a:latin typeface="Arial" panose="020B0604020202020204" pitchFamily="34" charset="0"/>
-                <a:cs typeface="Arial" panose="020B0604020202020204" pitchFamily="34" charset="0"/>
-              </a:defRPr>
-            </a:lvl5pPr>
-            <a:lvl6pPr marL="2514600" indent="-228600" algn="r" rtl="1" eaLnBrk="0" fontAlgn="base" hangingPunct="0">
-              <a:spcBef>
-                <a:spcPct val="20000"/>
-              </a:spcBef>
-              <a:spcAft>
-                <a:spcPct val="0"/>
-              </a:spcAft>
-              <a:buChar char="»"/>
-              <a:defRPr sz="2000">
-                <a:solidFill>
-                  <a:schemeClr val="tx1"/>
-                </a:solidFill>
-                <a:latin typeface="Arial" panose="020B0604020202020204" pitchFamily="34" charset="0"/>
-                <a:cs typeface="Arial" panose="020B0604020202020204" pitchFamily="34" charset="0"/>
-              </a:defRPr>
-            </a:lvl6pPr>
-            <a:lvl7pPr marL="2971800" indent="-228600" algn="r" rtl="1" eaLnBrk="0" fontAlgn="base" hangingPunct="0">
-              <a:spcBef>
-                <a:spcPct val="20000"/>
-              </a:spcBef>
-              <a:spcAft>
-                <a:spcPct val="0"/>
-              </a:spcAft>
-              <a:buChar char="»"/>
-              <a:defRPr sz="2000">
-                <a:solidFill>
-                  <a:schemeClr val="tx1"/>
-                </a:solidFill>
-                <a:latin typeface="Arial" panose="020B0604020202020204" pitchFamily="34" charset="0"/>
-                <a:cs typeface="Arial" panose="020B0604020202020204" pitchFamily="34" charset="0"/>
-              </a:defRPr>
-            </a:lvl7pPr>
-            <a:lvl8pPr marL="3429000" indent="-228600" algn="r" rtl="1" eaLnBrk="0" fontAlgn="base" hangingPunct="0">
-              <a:spcBef>
-                <a:spcPct val="20000"/>
-              </a:spcBef>
-              <a:spcAft>
-                <a:spcPct val="0"/>
-              </a:spcAft>
-              <a:buChar char="»"/>
-              <a:defRPr sz="2000">
-                <a:solidFill>
-                  <a:schemeClr val="tx1"/>
-                </a:solidFill>
-                <a:latin typeface="Arial" panose="020B0604020202020204" pitchFamily="34" charset="0"/>
-                <a:cs typeface="Arial" panose="020B0604020202020204" pitchFamily="34" charset="0"/>
-              </a:defRPr>
-            </a:lvl8pPr>
-            <a:lvl9pPr marL="3886200" indent="-228600" algn="r" rtl="1" eaLnBrk="0" fontAlgn="base" hangingPunct="0">
-              <a:spcBef>
-                <a:spcPct val="20000"/>
-              </a:spcBef>
-              <a:spcAft>
-                <a:spcPct val="0"/>
-              </a:spcAft>
-              <a:buChar char="»"/>
-              <a:defRPr sz="2000">
-                <a:solidFill>
-                  <a:schemeClr val="tx1"/>
-                </a:solidFill>
-                <a:latin typeface="Arial" panose="020B0604020202020204" pitchFamily="34" charset="0"/>
-                <a:cs typeface="Arial" panose="020B0604020202020204" pitchFamily="34" charset="0"/>
-              </a:defRPr>
-            </a:lvl9pPr>
-          </a:lstStyle>
-          <a:p>
-            <a:pPr algn="l" rtl="0" eaLnBrk="1" hangingPunct="1">
-              <a:spcBef>
-                <a:spcPct val="0"/>
-              </a:spcBef>
-              <a:buFontTx/>
-              <a:buNone/>
-            </a:pPr>
-            <a:endParaRPr lang="en-US" altLang="en-US" sz="1800"/>
-          </a:p>
-        </p:txBody>
-      </p:sp>
-      <p:sp>
-        <p:nvSpPr>
-          <p:cNvPr id="31749" name="Rectangle 24"/>
-          <p:cNvSpPr>
-            <a:spLocks noChangeArrowheads="1"/>
-          </p:cNvSpPr>
-          <p:nvPr/>
-        </p:nvSpPr>
-        <p:spPr bwMode="auto">
-          <a:xfrm>
-            <a:off x="-107950" y="431800"/>
-            <a:ext cx="7123113" cy="1125538"/>
-          </a:xfrm>
-          <a:prstGeom prst="rect">
-            <a:avLst/>
-          </a:prstGeom>
-          <a:noFill/>
-          <a:ln>
-            <a:noFill/>
-          </a:ln>
-          <a:extLst>
-            <a:ext uri="{909E8E84-426E-40DD-AFC4-6F175D3DCCD1}">
-              <a14:hiddenFill xmlns:a14="http://schemas.microsoft.com/office/drawing/2010/main">
-                <a:solidFill>
-                  <a:srgbClr val="FFFFFF"/>
-                </a:solidFill>
-              </a14:hiddenFill>
-            </a:ext>
-            <a:ext uri="{91240B29-F687-4F45-9708-019B960494DF}">
-              <a14:hiddenLine xmlns:a14="http://schemas.microsoft.com/office/drawing/2010/main" w="9525">
-                <a:solidFill>
-                  <a:srgbClr val="000000"/>
-                </a:solidFill>
-                <a:miter lim="800000"/>
-                <a:headEnd/>
-                <a:tailEnd/>
-              </a14:hiddenLine>
-            </a:ext>
-          </a:extLst>
-        </p:spPr>
-        <p:txBody>
-          <a:bodyPr anchor="ctr"/>
-          <a:lstStyle>
-            <a:lvl1pPr algn="r" rtl="1">
-              <a:spcBef>
-                <a:spcPct val="20000"/>
-              </a:spcBef>
-              <a:buChar char="•"/>
-              <a:defRPr sz="3200">
-                <a:solidFill>
-                  <a:schemeClr val="tx1"/>
-                </a:solidFill>
-                <a:latin typeface="Arial" panose="020B0604020202020204" pitchFamily="34" charset="0"/>
-                <a:cs typeface="Arial" panose="020B0604020202020204" pitchFamily="34" charset="0"/>
-              </a:defRPr>
-            </a:lvl1pPr>
-            <a:lvl2pPr marL="742950" indent="-285750" algn="r" rtl="1">
-              <a:spcBef>
-                <a:spcPct val="20000"/>
-              </a:spcBef>
-              <a:buChar char="–"/>
-              <a:defRPr sz="2800">
-                <a:solidFill>
-                  <a:schemeClr val="tx1"/>
-                </a:solidFill>
-                <a:latin typeface="Arial" panose="020B0604020202020204" pitchFamily="34" charset="0"/>
-                <a:cs typeface="Arial" panose="020B0604020202020204" pitchFamily="34" charset="0"/>
-              </a:defRPr>
-            </a:lvl2pPr>
-            <a:lvl3pPr marL="1143000" indent="-228600" algn="r" rtl="1">
-              <a:spcBef>
-                <a:spcPct val="20000"/>
-              </a:spcBef>
-              <a:buChar char="•"/>
-              <a:defRPr sz="2400">
-                <a:solidFill>
-                  <a:schemeClr val="tx1"/>
-                </a:solidFill>
-                <a:latin typeface="Arial" panose="020B0604020202020204" pitchFamily="34" charset="0"/>
-                <a:cs typeface="Arial" panose="020B0604020202020204" pitchFamily="34" charset="0"/>
-              </a:defRPr>
-            </a:lvl3pPr>
-            <a:lvl4pPr marL="1600200" indent="-228600" algn="r" rtl="1">
-              <a:spcBef>
-                <a:spcPct val="20000"/>
-              </a:spcBef>
-              <a:buChar char="–"/>
-              <a:defRPr sz="2000">
-                <a:solidFill>
-                  <a:schemeClr val="tx1"/>
-                </a:solidFill>
-                <a:latin typeface="Arial" panose="020B0604020202020204" pitchFamily="34" charset="0"/>
-                <a:cs typeface="Arial" panose="020B0604020202020204" pitchFamily="34" charset="0"/>
-              </a:defRPr>
-            </a:lvl4pPr>
-            <a:lvl5pPr marL="2057400" indent="-228600" algn="r" rtl="1">
-              <a:spcBef>
-                <a:spcPct val="20000"/>
-              </a:spcBef>
-              <a:buChar char="»"/>
-              <a:defRPr sz="2000">
-                <a:solidFill>
-                  <a:schemeClr val="tx1"/>
-                </a:solidFill>
-                <a:latin typeface="Arial" panose="020B0604020202020204" pitchFamily="34" charset="0"/>
-                <a:cs typeface="Arial" panose="020B0604020202020204" pitchFamily="34" charset="0"/>
-              </a:defRPr>
-            </a:lvl5pPr>
-            <a:lvl6pPr marL="2514600" indent="-228600" algn="r" rtl="1" eaLnBrk="0" fontAlgn="base" hangingPunct="0">
-              <a:spcBef>
-                <a:spcPct val="20000"/>
-              </a:spcBef>
-              <a:spcAft>
-                <a:spcPct val="0"/>
-              </a:spcAft>
-              <a:buChar char="»"/>
-              <a:defRPr sz="2000">
-                <a:solidFill>
-                  <a:schemeClr val="tx1"/>
-                </a:solidFill>
-                <a:latin typeface="Arial" panose="020B0604020202020204" pitchFamily="34" charset="0"/>
-                <a:cs typeface="Arial" panose="020B0604020202020204" pitchFamily="34" charset="0"/>
-              </a:defRPr>
-            </a:lvl6pPr>
-            <a:lvl7pPr marL="2971800" indent="-228600" algn="r" rtl="1" eaLnBrk="0" fontAlgn="base" hangingPunct="0">
-              <a:spcBef>
-                <a:spcPct val="20000"/>
-              </a:spcBef>
-              <a:spcAft>
-                <a:spcPct val="0"/>
-              </a:spcAft>
-              <a:buChar char="»"/>
-              <a:defRPr sz="2000">
-                <a:solidFill>
-                  <a:schemeClr val="tx1"/>
-                </a:solidFill>
-                <a:latin typeface="Arial" panose="020B0604020202020204" pitchFamily="34" charset="0"/>
-                <a:cs typeface="Arial" panose="020B0604020202020204" pitchFamily="34" charset="0"/>
-              </a:defRPr>
-            </a:lvl7pPr>
-            <a:lvl8pPr marL="3429000" indent="-228600" algn="r" rtl="1" eaLnBrk="0" fontAlgn="base" hangingPunct="0">
-              <a:spcBef>
-                <a:spcPct val="20000"/>
-              </a:spcBef>
-              <a:spcAft>
-                <a:spcPct val="0"/>
-              </a:spcAft>
-              <a:buChar char="»"/>
-              <a:defRPr sz="2000">
-                <a:solidFill>
-                  <a:schemeClr val="tx1"/>
-                </a:solidFill>
-                <a:latin typeface="Arial" panose="020B0604020202020204" pitchFamily="34" charset="0"/>
-                <a:cs typeface="Arial" panose="020B0604020202020204" pitchFamily="34" charset="0"/>
-              </a:defRPr>
-            </a:lvl8pPr>
-            <a:lvl9pPr marL="3886200" indent="-228600" algn="r" rtl="1" eaLnBrk="0" fontAlgn="base" hangingPunct="0">
-              <a:spcBef>
-                <a:spcPct val="20000"/>
-              </a:spcBef>
-              <a:spcAft>
-                <a:spcPct val="0"/>
-              </a:spcAft>
-              <a:buChar char="»"/>
-              <a:defRPr sz="2000">
-                <a:solidFill>
-                  <a:schemeClr val="tx1"/>
-                </a:solidFill>
-                <a:latin typeface="Arial" panose="020B0604020202020204" pitchFamily="34" charset="0"/>
-                <a:cs typeface="Arial" panose="020B0604020202020204" pitchFamily="34" charset="0"/>
-              </a:defRPr>
-            </a:lvl9pPr>
-          </a:lstStyle>
-          <a:p>
-            <a:pPr algn="ctr" rtl="0" eaLnBrk="1" hangingPunct="1">
-              <a:spcBef>
-                <a:spcPct val="0"/>
-              </a:spcBef>
-              <a:buFontTx/>
-              <a:buNone/>
-            </a:pPr>
-            <a:r>
-              <a:rPr lang="en-US" altLang="en-US" sz="4800">
-                <a:solidFill>
-                  <a:srgbClr val="0066FF"/>
-                </a:solidFill>
-                <a:latin typeface="Calibri" panose="020F0502020204030204" pitchFamily="34" charset="0"/>
-              </a:rPr>
-              <a:t>Next steps with Arduino – </a:t>
-            </a:r>
-          </a:p>
-          <a:p>
-            <a:pPr algn="ctr" rtl="0" eaLnBrk="1" hangingPunct="1">
-              <a:spcBef>
-                <a:spcPct val="0"/>
-              </a:spcBef>
-              <a:buFontTx/>
-              <a:buNone/>
-            </a:pPr>
-            <a:r>
-              <a:rPr lang="en-US" altLang="en-US" sz="4000">
-                <a:latin typeface="Calibri" panose="020F0502020204030204" pitchFamily="34" charset="0"/>
-              </a:rPr>
-              <a:t>Using Arduino for lab work</a:t>
-            </a:r>
-            <a:endParaRPr lang="en-US" altLang="en-US" sz="4000">
-              <a:solidFill>
-                <a:srgbClr val="0066FF"/>
-              </a:solidFill>
-              <a:latin typeface="Calibri" panose="020F0502020204030204" pitchFamily="34" charset="0"/>
-            </a:endParaRPr>
-          </a:p>
-        </p:txBody>
-      </p:sp>
-      <p:pic>
-        <p:nvPicPr>
-          <p:cNvPr id="31750" name="Picture 8" descr="ArduinoBoard"/>
-          <p:cNvPicPr>
-            <a:picLocks noChangeAspect="1" noChangeArrowheads="1"/>
-          </p:cNvPicPr>
-          <p:nvPr/>
-        </p:nvPicPr>
-        <p:blipFill>
-          <a:blip r:embed="rId3" cstate="print">
-            <a:extLst>
-              <a:ext uri="{28A0092B-C50C-407E-A947-70E740481C1C}">
-                <a14:useLocalDpi xmlns:a14="http://schemas.microsoft.com/office/drawing/2010/main" val="0"/>
-              </a:ext>
-            </a:extLst>
-          </a:blip>
-          <a:srcRect l="1242" r="-110" b="3995"/>
-          <a:stretch>
-            <a:fillRect/>
-          </a:stretch>
-        </p:blipFill>
-        <p:spPr bwMode="auto">
-          <a:xfrm>
-            <a:off x="6473825" y="1628775"/>
-            <a:ext cx="2346325" cy="1619250"/>
-          </a:xfrm>
-          <a:prstGeom prst="rect">
-            <a:avLst/>
-          </a:prstGeom>
-          <a:noFill/>
-          <a:ln>
-            <a:noFill/>
-          </a:ln>
-          <a:extLst>
-            <a:ext uri="{909E8E84-426E-40DD-AFC4-6F175D3DCCD1}">
-              <a14:hiddenFill xmlns:a14="http://schemas.microsoft.com/office/drawing/2010/main">
-                <a:solidFill>
-                  <a:srgbClr val="FFFFFF"/>
-                </a:solidFill>
-              </a14:hiddenFill>
-            </a:ext>
-            <a:ext uri="{91240B29-F687-4F45-9708-019B960494DF}">
-              <a14:hiddenLine xmlns:a14="http://schemas.microsoft.com/office/drawing/2010/main" w="9525">
-                <a:solidFill>
-                  <a:srgbClr val="000000"/>
-                </a:solidFill>
-                <a:miter lim="800000"/>
-                <a:headEnd/>
-                <a:tailEnd/>
-              </a14:hiddenLine>
-            </a:ext>
-          </a:extLst>
         </p:spPr>
       </p:pic>
-      <p:pic>
-        <p:nvPicPr>
-          <p:cNvPr id="31751" name="Picture 44"/>
-          <p:cNvPicPr>
-            <a:picLocks noChangeAspect="1" noChangeArrowheads="1"/>
-          </p:cNvPicPr>
-          <p:nvPr/>
-        </p:nvPicPr>
-        <p:blipFill>
-          <a:blip r:embed="rId4">
-            <a:extLst>
-              <a:ext uri="{28A0092B-C50C-407E-A947-70E740481C1C}">
-                <a14:useLocalDpi xmlns:a14="http://schemas.microsoft.com/office/drawing/2010/main" val="0"/>
-              </a:ext>
-            </a:extLst>
-          </a:blip>
-          <a:srcRect/>
-          <a:stretch>
-            <a:fillRect/>
-          </a:stretch>
-        </p:blipFill>
-        <p:spPr bwMode="auto">
-          <a:xfrm>
-            <a:off x="250825" y="3276600"/>
-            <a:ext cx="3635375" cy="2425700"/>
-          </a:xfrm>
-          <a:prstGeom prst="rect">
-            <a:avLst/>
-          </a:prstGeom>
-          <a:noFill/>
-          <a:ln>
-            <a:noFill/>
-          </a:ln>
-          <a:extLst>
-            <a:ext uri="{909E8E84-426E-40DD-AFC4-6F175D3DCCD1}">
-              <a14:hiddenFill xmlns:a14="http://schemas.microsoft.com/office/drawing/2010/main">
-                <a:solidFill>
-                  <a:srgbClr val="FFFFFF"/>
-                </a:solidFill>
-              </a14:hiddenFill>
-            </a:ext>
-            <a:ext uri="{91240B29-F687-4F45-9708-019B960494DF}">
-              <a14:hiddenLine xmlns:a14="http://schemas.microsoft.com/office/drawing/2010/main" w="9525">
-                <a:solidFill>
-                  <a:srgbClr val="000000"/>
-                </a:solidFill>
-                <a:miter lim="800000"/>
-                <a:headEnd/>
-                <a:tailEnd/>
-              </a14:hiddenLine>
-            </a:ext>
-          </a:extLst>
-        </p:spPr>
-      </p:pic>
-      <p:pic>
-        <p:nvPicPr>
-          <p:cNvPr id="31752" name="Picture 3" descr="C:\Documents and Settings\user\My Documents\My Dropbox\Arduino\WorkShop\photos\DSCN2641.JPG"/>
-          <p:cNvPicPr>
-            <a:picLocks noChangeAspect="1" noChangeArrowheads="1"/>
-          </p:cNvPicPr>
-          <p:nvPr/>
-        </p:nvPicPr>
-        <p:blipFill>
-          <a:blip r:embed="rId5">
-            <a:extLst>
-              <a:ext uri="{28A0092B-C50C-407E-A947-70E740481C1C}">
-                <a14:useLocalDpi xmlns:a14="http://schemas.microsoft.com/office/drawing/2010/main" val="0"/>
-              </a:ext>
-            </a:extLst>
-          </a:blip>
-          <a:srcRect l="8092" t="15176" b="8350"/>
-          <a:stretch>
-            <a:fillRect/>
-          </a:stretch>
-        </p:blipFill>
-        <p:spPr bwMode="auto">
-          <a:xfrm>
-            <a:off x="5143500" y="3581400"/>
-            <a:ext cx="3676650" cy="2295525"/>
-          </a:xfrm>
-          <a:prstGeom prst="rect">
-            <a:avLst/>
-          </a:prstGeom>
-          <a:noFill/>
-          <a:ln>
-            <a:noFill/>
-          </a:ln>
-          <a:extLst>
-            <a:ext uri="{909E8E84-426E-40DD-AFC4-6F175D3DCCD1}">
-              <a14:hiddenFill xmlns:a14="http://schemas.microsoft.com/office/drawing/2010/main">
-                <a:solidFill>
-                  <a:srgbClr val="FFFFFF"/>
-                </a:solidFill>
-              </a14:hiddenFill>
-            </a:ext>
-            <a:ext uri="{91240B29-F687-4F45-9708-019B960494DF}">
-              <a14:hiddenLine xmlns:a14="http://schemas.microsoft.com/office/drawing/2010/main" w="9525">
-                <a:solidFill>
-                  <a:srgbClr val="000000"/>
-                </a:solidFill>
-                <a:miter lim="800000"/>
-                <a:headEnd/>
-                <a:tailEnd/>
-              </a14:hiddenLine>
-            </a:ext>
-          </a:extLst>
-        </p:spPr>
-      </p:pic>
-      <p:sp>
-        <p:nvSpPr>
-          <p:cNvPr id="31753" name="Rectangle 1"/>
-          <p:cNvSpPr>
-            <a:spLocks noChangeArrowheads="1"/>
-          </p:cNvSpPr>
-          <p:nvPr/>
-        </p:nvSpPr>
-        <p:spPr bwMode="auto">
-          <a:xfrm>
-            <a:off x="3708400" y="1196975"/>
-            <a:ext cx="1887538" cy="3770313"/>
-          </a:xfrm>
-          <a:prstGeom prst="rect">
-            <a:avLst/>
-          </a:prstGeom>
-          <a:noFill/>
-          <a:ln>
-            <a:noFill/>
-          </a:ln>
-          <a:extLst>
-            <a:ext uri="{909E8E84-426E-40DD-AFC4-6F175D3DCCD1}">
-              <a14:hiddenFill xmlns:a14="http://schemas.microsoft.com/office/drawing/2010/main">
-                <a:solidFill>
-                  <a:srgbClr val="FFFFFF"/>
-                </a:solidFill>
-              </a14:hiddenFill>
-            </a:ext>
-            <a:ext uri="{91240B29-F687-4F45-9708-019B960494DF}">
-              <a14:hiddenLine xmlns:a14="http://schemas.microsoft.com/office/drawing/2010/main" w="9525">
-                <a:solidFill>
-                  <a:srgbClr val="000000"/>
-                </a:solidFill>
-                <a:miter lim="800000"/>
-                <a:headEnd/>
-                <a:tailEnd/>
-              </a14:hiddenLine>
-            </a:ext>
-          </a:extLst>
-        </p:spPr>
-        <p:txBody>
-          <a:bodyPr wrap="none">
-            <a:spAutoFit/>
-          </a:bodyPr>
-          <a:lstStyle>
-            <a:lvl1pPr algn="r" rtl="1">
-              <a:spcBef>
-                <a:spcPct val="20000"/>
-              </a:spcBef>
-              <a:buChar char="•"/>
-              <a:defRPr sz="3200">
-                <a:solidFill>
-                  <a:schemeClr val="tx1"/>
-                </a:solidFill>
-                <a:latin typeface="Arial" panose="020B0604020202020204" pitchFamily="34" charset="0"/>
-                <a:cs typeface="Arial" panose="020B0604020202020204" pitchFamily="34" charset="0"/>
-              </a:defRPr>
-            </a:lvl1pPr>
-            <a:lvl2pPr marL="742950" indent="-285750" algn="r" rtl="1">
-              <a:spcBef>
-                <a:spcPct val="20000"/>
-              </a:spcBef>
-              <a:buChar char="–"/>
-              <a:defRPr sz="2800">
-                <a:solidFill>
-                  <a:schemeClr val="tx1"/>
-                </a:solidFill>
-                <a:latin typeface="Arial" panose="020B0604020202020204" pitchFamily="34" charset="0"/>
-                <a:cs typeface="Arial" panose="020B0604020202020204" pitchFamily="34" charset="0"/>
-              </a:defRPr>
-            </a:lvl2pPr>
-            <a:lvl3pPr marL="1143000" indent="-228600" algn="r" rtl="1">
-              <a:spcBef>
-                <a:spcPct val="20000"/>
-              </a:spcBef>
-              <a:buChar char="•"/>
-              <a:defRPr sz="2400">
-                <a:solidFill>
-                  <a:schemeClr val="tx1"/>
-                </a:solidFill>
-                <a:latin typeface="Arial" panose="020B0604020202020204" pitchFamily="34" charset="0"/>
-                <a:cs typeface="Arial" panose="020B0604020202020204" pitchFamily="34" charset="0"/>
-              </a:defRPr>
-            </a:lvl3pPr>
-            <a:lvl4pPr marL="1600200" indent="-228600" algn="r" rtl="1">
-              <a:spcBef>
-                <a:spcPct val="20000"/>
-              </a:spcBef>
-              <a:buChar char="–"/>
-              <a:defRPr sz="2000">
-                <a:solidFill>
-                  <a:schemeClr val="tx1"/>
-                </a:solidFill>
-                <a:latin typeface="Arial" panose="020B0604020202020204" pitchFamily="34" charset="0"/>
-                <a:cs typeface="Arial" panose="020B0604020202020204" pitchFamily="34" charset="0"/>
-              </a:defRPr>
-            </a:lvl4pPr>
-            <a:lvl5pPr marL="2057400" indent="-228600" algn="r" rtl="1">
-              <a:spcBef>
-                <a:spcPct val="20000"/>
-              </a:spcBef>
-              <a:buChar char="»"/>
-              <a:defRPr sz="2000">
-                <a:solidFill>
-                  <a:schemeClr val="tx1"/>
-                </a:solidFill>
-                <a:latin typeface="Arial" panose="020B0604020202020204" pitchFamily="34" charset="0"/>
-                <a:cs typeface="Arial" panose="020B0604020202020204" pitchFamily="34" charset="0"/>
-              </a:defRPr>
-            </a:lvl5pPr>
-            <a:lvl6pPr marL="2514600" indent="-228600" algn="r" rtl="1" eaLnBrk="0" fontAlgn="base" hangingPunct="0">
-              <a:spcBef>
-                <a:spcPct val="20000"/>
-              </a:spcBef>
-              <a:spcAft>
-                <a:spcPct val="0"/>
-              </a:spcAft>
-              <a:buChar char="»"/>
-              <a:defRPr sz="2000">
-                <a:solidFill>
-                  <a:schemeClr val="tx1"/>
-                </a:solidFill>
-                <a:latin typeface="Arial" panose="020B0604020202020204" pitchFamily="34" charset="0"/>
-                <a:cs typeface="Arial" panose="020B0604020202020204" pitchFamily="34" charset="0"/>
-              </a:defRPr>
-            </a:lvl6pPr>
-            <a:lvl7pPr marL="2971800" indent="-228600" algn="r" rtl="1" eaLnBrk="0" fontAlgn="base" hangingPunct="0">
-              <a:spcBef>
-                <a:spcPct val="20000"/>
-              </a:spcBef>
-              <a:spcAft>
-                <a:spcPct val="0"/>
-              </a:spcAft>
-              <a:buChar char="»"/>
-              <a:defRPr sz="2000">
-                <a:solidFill>
-                  <a:schemeClr val="tx1"/>
-                </a:solidFill>
-                <a:latin typeface="Arial" panose="020B0604020202020204" pitchFamily="34" charset="0"/>
-                <a:cs typeface="Arial" panose="020B0604020202020204" pitchFamily="34" charset="0"/>
-              </a:defRPr>
-            </a:lvl7pPr>
-            <a:lvl8pPr marL="3429000" indent="-228600" algn="r" rtl="1" eaLnBrk="0" fontAlgn="base" hangingPunct="0">
-              <a:spcBef>
-                <a:spcPct val="20000"/>
-              </a:spcBef>
-              <a:spcAft>
-                <a:spcPct val="0"/>
-              </a:spcAft>
-              <a:buChar char="»"/>
-              <a:defRPr sz="2000">
-                <a:solidFill>
-                  <a:schemeClr val="tx1"/>
-                </a:solidFill>
-                <a:latin typeface="Arial" panose="020B0604020202020204" pitchFamily="34" charset="0"/>
-                <a:cs typeface="Arial" panose="020B0604020202020204" pitchFamily="34" charset="0"/>
-              </a:defRPr>
-            </a:lvl8pPr>
-            <a:lvl9pPr marL="3886200" indent="-228600" algn="r" rtl="1" eaLnBrk="0" fontAlgn="base" hangingPunct="0">
-              <a:spcBef>
-                <a:spcPct val="20000"/>
-              </a:spcBef>
-              <a:spcAft>
-                <a:spcPct val="0"/>
-              </a:spcAft>
-              <a:buChar char="»"/>
-              <a:defRPr sz="2000">
-                <a:solidFill>
-                  <a:schemeClr val="tx1"/>
-                </a:solidFill>
-                <a:latin typeface="Arial" panose="020B0604020202020204" pitchFamily="34" charset="0"/>
-                <a:cs typeface="Arial" panose="020B0604020202020204" pitchFamily="34" charset="0"/>
-              </a:defRPr>
-            </a:lvl9pPr>
-          </a:lstStyle>
-          <a:p>
-            <a:pPr algn="l" rtl="0" eaLnBrk="1" hangingPunct="1">
-              <a:spcBef>
-                <a:spcPct val="0"/>
-              </a:spcBef>
-              <a:buFontTx/>
-              <a:buNone/>
-            </a:pPr>
-            <a:r>
-              <a:rPr lang="en-US" altLang="en-US" sz="23900"/>
-              <a:t>?</a:t>
-            </a:r>
-          </a:p>
-        </p:txBody>
-      </p:sp>
     </p:spTree>
+    <p:extLst>
+      <p:ext uri="{BB962C8B-B14F-4D97-AF65-F5344CB8AC3E}">
+        <p14:creationId xmlns:p14="http://schemas.microsoft.com/office/powerpoint/2010/main" val="274280900"/>
+      </p:ext>
+    </p:extLst>
   </p:cSld>
   <p:clrMapOvr>
     <a:masterClrMapping/>
   </p:clrMapOvr>
-  <p:timing>
-    <p:tnLst>
-      <p:par>
-        <p:cTn id="1" dur="indefinite" restart="never" nodeType="tmRoot"/>
-      </p:par>
-    </p:tnLst>
-  </p:timing>
 </p:sld>
 </file>
 
@@ -11580,8 +10521,8 @@
         </p:nvSpPr>
         <p:spPr bwMode="auto">
           <a:xfrm>
-            <a:off x="1331913" y="765175"/>
-            <a:ext cx="4227512" cy="400050"/>
+            <a:off x="4927016" y="704890"/>
+            <a:ext cx="4156907" cy="707886"/>
           </a:xfrm>
           <a:prstGeom prst="rect">
             <a:avLst/>
@@ -11754,22 +10695,68 @@
               <a:buNone/>
             </a:pPr>
             <a:r>
-              <a:rPr lang="en-US" altLang="en-US" sz="2000">
+              <a:rPr lang="en-US" altLang="en-US" sz="2000" dirty="0">
                 <a:solidFill>
                   <a:srgbClr val="FF0000"/>
                 </a:solidFill>
                 <a:hlinkClick r:id="rId2"/>
               </a:rPr>
-              <a:t>http://arduino.cc/en/Reference/wire</a:t>
-            </a:r>
-            <a:r>
-              <a:rPr lang="en-US" altLang="en-US" sz="2000">
+              <a:t>http://</a:t>
+            </a:r>
+            <a:r>
+              <a:rPr lang="en-US" altLang="en-US" sz="2000" dirty="0" smtClean="0">
                 <a:solidFill>
                   <a:srgbClr val="FF0000"/>
                 </a:solidFill>
-              </a:rPr>
-              <a:t> </a:t>
-            </a:r>
+                <a:hlinkClick r:id="rId2"/>
+              </a:rPr>
+              <a:t>arduino.cc/en/Reference/wire</a:t>
+            </a:r>
+            <a:endParaRPr lang="en-US" altLang="en-US" sz="2000" dirty="0" smtClean="0">
+              <a:solidFill>
+                <a:srgbClr val="FF0000"/>
+              </a:solidFill>
+            </a:endParaRPr>
+          </a:p>
+          <a:p>
+            <a:pPr algn="l" rtl="0" eaLnBrk="1" hangingPunct="1">
+              <a:spcBef>
+                <a:spcPct val="0"/>
+              </a:spcBef>
+              <a:buFontTx/>
+              <a:buNone/>
+            </a:pPr>
+            <a:r>
+              <a:rPr lang="en-US" altLang="en-US" sz="2000" dirty="0">
+                <a:solidFill>
+                  <a:srgbClr val="FF0000"/>
+                </a:solidFill>
+                <a:hlinkClick r:id="rId3"/>
+              </a:rPr>
+              <a:t>http://tronixstuff.com/tutorials</a:t>
+            </a:r>
+            <a:r>
+              <a:rPr lang="en-US" altLang="en-US" sz="2000" dirty="0" smtClean="0">
+                <a:solidFill>
+                  <a:srgbClr val="FF0000"/>
+                </a:solidFill>
+                <a:hlinkClick r:id="rId3"/>
+              </a:rPr>
+              <a:t>/</a:t>
+            </a:r>
+            <a:r>
+              <a:rPr lang="en-US" altLang="en-US" sz="2000" dirty="0" smtClean="0">
+                <a:solidFill>
+                  <a:srgbClr val="FF0000"/>
+                </a:solidFill>
+              </a:rPr>
+              <a:t>  </a:t>
+            </a:r>
+            <a:endParaRPr lang="en-US" altLang="en-US" sz="2000" dirty="0">
+              <a:solidFill>
+                <a:srgbClr val="FF0000"/>
+              </a:solidFill>
+            </a:endParaRPr>
           </a:p>
         </p:txBody>
       </p:sp>
@@ -11797,7 +10784,7 @@
               <a:buSzPct val="80000"/>
               <a:buFontTx/>
               <a:buBlip>
-                <a:blip r:embed="rId3"/>
+                <a:blip r:embed="rId4"/>
               </a:buBlip>
             </a:pPr>
             <a:r>
@@ -11812,7 +10799,7 @@
               <a:buSzPct val="80000"/>
               <a:buFontTx/>
               <a:buBlip>
-                <a:blip r:embed="rId3"/>
+                <a:blip r:embed="rId4"/>
               </a:buBlip>
             </a:pPr>
             <a:r>
@@ -11827,7 +10814,7 @@
               <a:buSzPct val="80000"/>
               <a:buFontTx/>
               <a:buBlip>
-                <a:blip r:embed="rId3"/>
+                <a:blip r:embed="rId4"/>
               </a:buBlip>
             </a:pPr>
             <a:r>
@@ -11869,7 +10856,7 @@
               <a:buSzPct val="80000"/>
               <a:buFontTx/>
               <a:buBlip>
-                <a:blip r:embed="rId3"/>
+                <a:blip r:embed="rId4"/>
               </a:buBlip>
             </a:pPr>
             <a:r>
@@ -11884,7 +10871,7 @@
               <a:buSzPct val="80000"/>
               <a:buFontTx/>
               <a:buBlip>
-                <a:blip r:embed="rId3"/>
+                <a:blip r:embed="rId4"/>
               </a:buBlip>
             </a:pPr>
             <a:r>
@@ -11914,7 +10901,7 @@
               <a:buSzPct val="80000"/>
               <a:buFontTx/>
               <a:buBlip>
-                <a:blip r:embed="rId3"/>
+                <a:blip r:embed="rId4"/>
               </a:buBlip>
             </a:pPr>
             <a:r>
@@ -11929,7 +10916,7 @@
               <a:buSzPct val="80000"/>
               <a:buFontTx/>
               <a:buBlip>
-                <a:blip r:embed="rId3"/>
+                <a:blip r:embed="rId4"/>
               </a:buBlip>
             </a:pPr>
             <a:endParaRPr lang="en-US" altLang="en-US" sz="2800" smtClean="0">
@@ -11958,7 +10945,7 @@
           <p:nvPr/>
         </p:nvPicPr>
         <p:blipFill>
-          <a:blip r:embed="rId4">
+          <a:blip r:embed="rId5">
             <a:extLst>
               <a:ext uri="{28A0092B-C50C-407E-A947-70E740481C1C}">
                 <a14:useLocalDpi xmlns:a14="http://schemas.microsoft.com/office/drawing/2010/main" val="0"/>
@@ -14713,1475 +13700,6 @@
       </p:grpSpPr>
       <p:sp>
         <p:nvSpPr>
-          <p:cNvPr id="37890" name="Title 1"/>
-          <p:cNvSpPr>
-            <a:spLocks noGrp="1"/>
-          </p:cNvSpPr>
-          <p:nvPr>
-            <p:ph type="title"/>
-          </p:nvPr>
-        </p:nvSpPr>
-        <p:spPr>
-          <a:xfrm>
-            <a:off x="250825" y="255588"/>
-            <a:ext cx="8229600" cy="509587"/>
-          </a:xfrm>
-        </p:spPr>
-        <p:txBody>
-          <a:bodyPr/>
-          <a:lstStyle/>
-          <a:p>
-            <a:pPr rtl="0" eaLnBrk="1" hangingPunct="1"/>
-            <a:r>
-              <a:rPr lang="en-US" altLang="en-US" sz="4800" smtClean="0">
-                <a:solidFill>
-                  <a:srgbClr val="0066FF"/>
-                </a:solidFill>
-                <a:latin typeface="Calibri" panose="020F0502020204030204" pitchFamily="34" charset="0"/>
-              </a:rPr>
-              <a:t>BIDR’s ArduLogger</a:t>
-            </a:r>
-            <a:endParaRPr lang="en-US" altLang="en-US" sz="4800" smtClean="0">
-              <a:solidFill>
-                <a:srgbClr val="0066FF"/>
-              </a:solidFill>
-            </a:endParaRPr>
-          </a:p>
-        </p:txBody>
-      </p:sp>
-      <p:pic>
-        <p:nvPicPr>
-          <p:cNvPr id="37891" name="Picture 3" descr="C:\Documents and Settings\user\My Documents\My Dropbox\Arduino\WorkShop\photos\DSCN2641.JPG"/>
-          <p:cNvPicPr>
-            <a:picLocks noChangeAspect="1" noChangeArrowheads="1"/>
-          </p:cNvPicPr>
-          <p:nvPr/>
-        </p:nvPicPr>
-        <p:blipFill>
-          <a:blip r:embed="rId2">
-            <a:extLst>
-              <a:ext uri="{28A0092B-C50C-407E-A947-70E740481C1C}">
-                <a14:useLocalDpi xmlns:a14="http://schemas.microsoft.com/office/drawing/2010/main" val="0"/>
-              </a:ext>
-            </a:extLst>
-          </a:blip>
-          <a:srcRect l="8092" t="15176" b="8350"/>
-          <a:stretch>
-            <a:fillRect/>
-          </a:stretch>
-        </p:blipFill>
-        <p:spPr bwMode="auto">
-          <a:xfrm>
-            <a:off x="827088" y="1022350"/>
-            <a:ext cx="7777162" cy="4854575"/>
-          </a:xfrm>
-          <a:prstGeom prst="rect">
-            <a:avLst/>
-          </a:prstGeom>
-          <a:noFill/>
-          <a:ln>
-            <a:noFill/>
-          </a:ln>
-          <a:extLst>
-            <a:ext uri="{909E8E84-426E-40DD-AFC4-6F175D3DCCD1}">
-              <a14:hiddenFill xmlns:a14="http://schemas.microsoft.com/office/drawing/2010/main">
-                <a:solidFill>
-                  <a:srgbClr val="FFFFFF"/>
-                </a:solidFill>
-              </a14:hiddenFill>
-            </a:ext>
-            <a:ext uri="{91240B29-F687-4F45-9708-019B960494DF}">
-              <a14:hiddenLine xmlns:a14="http://schemas.microsoft.com/office/drawing/2010/main" w="9525">
-                <a:solidFill>
-                  <a:srgbClr val="000000"/>
-                </a:solidFill>
-                <a:miter lim="800000"/>
-                <a:headEnd/>
-                <a:tailEnd/>
-              </a14:hiddenLine>
-            </a:ext>
-          </a:extLst>
-        </p:spPr>
-      </p:pic>
-    </p:spTree>
-  </p:cSld>
-  <p:clrMapOvr>
-    <a:masterClrMapping/>
-  </p:clrMapOvr>
-  <p:timing>
-    <p:tnLst>
-      <p:par>
-        <p:cTn id="1" dur="indefinite" restart="never" nodeType="tmRoot"/>
-      </p:par>
-    </p:tnLst>
-  </p:timing>
-</p:sld>
-</file>
-
-<file path=ppt/slides/slide25.xml><?xml version="1.0" encoding="utf-8"?>
-<p:sld xmlns:a="http://schemas.openxmlformats.org/drawingml/2006/main" xmlns:r="http://schemas.openxmlformats.org/officeDocument/2006/relationships" xmlns:p="http://schemas.openxmlformats.org/presentationml/2006/main">
-  <p:cSld>
-    <p:spTree>
-      <p:nvGrpSpPr>
-        <p:cNvPr id="1" name=""/>
-        <p:cNvGrpSpPr/>
-        <p:nvPr/>
-      </p:nvGrpSpPr>
-      <p:grpSpPr>
-        <a:xfrm>
-          <a:off x="0" y="0"/>
-          <a:ext cx="0" cy="0"/>
-          <a:chOff x="0" y="0"/>
-          <a:chExt cx="0" cy="0"/>
-        </a:xfrm>
-      </p:grpSpPr>
-      <p:sp>
-        <p:nvSpPr>
-          <p:cNvPr id="38914" name="Rectangle 2"/>
-          <p:cNvSpPr>
-            <a:spLocks noGrp="1" noChangeArrowheads="1"/>
-          </p:cNvSpPr>
-          <p:nvPr>
-            <p:ph type="title"/>
-          </p:nvPr>
-        </p:nvSpPr>
-        <p:spPr>
-          <a:xfrm>
-            <a:off x="-252413" y="115888"/>
-            <a:ext cx="8229601" cy="1143000"/>
-          </a:xfrm>
-        </p:spPr>
-        <p:txBody>
-          <a:bodyPr/>
-          <a:lstStyle/>
-          <a:p>
-            <a:pPr eaLnBrk="1" hangingPunct="1"/>
-            <a:r>
-              <a:rPr lang="en-US" altLang="en-US" smtClean="0">
-                <a:solidFill>
-                  <a:srgbClr val="0099FF"/>
-                </a:solidFill>
-                <a:latin typeface="Calibri" panose="020F0502020204030204" pitchFamily="34" charset="0"/>
-              </a:rPr>
-              <a:t>Rx and Tx LEDs</a:t>
-            </a:r>
-          </a:p>
-        </p:txBody>
-      </p:sp>
-      <p:pic>
-        <p:nvPicPr>
-          <p:cNvPr id="38915" name="Picture 5" descr="Arduino-callouts1"/>
-          <p:cNvPicPr>
-            <a:picLocks noChangeAspect="1" noChangeArrowheads="1"/>
-          </p:cNvPicPr>
-          <p:nvPr/>
-        </p:nvPicPr>
-        <p:blipFill>
-          <a:blip r:embed="rId2">
-            <a:extLst>
-              <a:ext uri="{28A0092B-C50C-407E-A947-70E740481C1C}">
-                <a14:useLocalDpi xmlns:a14="http://schemas.microsoft.com/office/drawing/2010/main" val="0"/>
-              </a:ext>
-            </a:extLst>
-          </a:blip>
-          <a:srcRect/>
-          <a:stretch>
-            <a:fillRect/>
-          </a:stretch>
-        </p:blipFill>
-        <p:spPr bwMode="auto">
-          <a:xfrm>
-            <a:off x="611188" y="1035050"/>
-            <a:ext cx="7343775" cy="4625975"/>
-          </a:xfrm>
-          <a:prstGeom prst="rect">
-            <a:avLst/>
-          </a:prstGeom>
-          <a:noFill/>
-          <a:ln>
-            <a:noFill/>
-          </a:ln>
-          <a:extLst>
-            <a:ext uri="{909E8E84-426E-40DD-AFC4-6F175D3DCCD1}">
-              <a14:hiddenFill xmlns:a14="http://schemas.microsoft.com/office/drawing/2010/main">
-                <a:solidFill>
-                  <a:srgbClr val="FFFFFF"/>
-                </a:solidFill>
-              </a14:hiddenFill>
-            </a:ext>
-            <a:ext uri="{91240B29-F687-4F45-9708-019B960494DF}">
-              <a14:hiddenLine xmlns:a14="http://schemas.microsoft.com/office/drawing/2010/main" w="9525">
-                <a:solidFill>
-                  <a:srgbClr val="000000"/>
-                </a:solidFill>
-                <a:miter lim="800000"/>
-                <a:headEnd/>
-                <a:tailEnd/>
-              </a14:hiddenLine>
-            </a:ext>
-          </a:extLst>
-        </p:spPr>
-      </p:pic>
-      <p:sp>
-        <p:nvSpPr>
-          <p:cNvPr id="38916" name="Text Box 7"/>
-          <p:cNvSpPr txBox="1">
-            <a:spLocks noChangeArrowheads="1"/>
-          </p:cNvSpPr>
-          <p:nvPr/>
-        </p:nvSpPr>
-        <p:spPr bwMode="auto">
-          <a:xfrm>
-            <a:off x="6372225" y="5078413"/>
-            <a:ext cx="908050" cy="366712"/>
-          </a:xfrm>
-          <a:prstGeom prst="rect">
-            <a:avLst/>
-          </a:prstGeom>
-          <a:noFill/>
-          <a:ln>
-            <a:noFill/>
-          </a:ln>
-          <a:extLst>
-            <a:ext uri="{909E8E84-426E-40DD-AFC4-6F175D3DCCD1}">
-              <a14:hiddenFill xmlns:a14="http://schemas.microsoft.com/office/drawing/2010/main">
-                <a:solidFill>
-                  <a:srgbClr val="FFFFFF"/>
-                </a:solidFill>
-              </a14:hiddenFill>
-            </a:ext>
-            <a:ext uri="{91240B29-F687-4F45-9708-019B960494DF}">
-              <a14:hiddenLine xmlns:a14="http://schemas.microsoft.com/office/drawing/2010/main" w="9525">
-                <a:solidFill>
-                  <a:srgbClr val="000000"/>
-                </a:solidFill>
-                <a:miter lim="800000"/>
-                <a:headEnd/>
-                <a:tailEnd/>
-              </a14:hiddenLine>
-            </a:ext>
-          </a:extLst>
-        </p:spPr>
-        <p:txBody>
-          <a:bodyPr wrap="none">
-            <a:spAutoFit/>
-          </a:bodyPr>
-          <a:lstStyle>
-            <a:lvl1pPr algn="r" rtl="1">
-              <a:spcBef>
-                <a:spcPct val="20000"/>
-              </a:spcBef>
-              <a:buChar char="•"/>
-              <a:defRPr sz="3200">
-                <a:solidFill>
-                  <a:schemeClr val="tx1"/>
-                </a:solidFill>
-                <a:latin typeface="Arial" panose="020B0604020202020204" pitchFamily="34" charset="0"/>
-                <a:cs typeface="Arial" panose="020B0604020202020204" pitchFamily="34" charset="0"/>
-              </a:defRPr>
-            </a:lvl1pPr>
-            <a:lvl2pPr marL="742950" indent="-285750" algn="r" rtl="1">
-              <a:spcBef>
-                <a:spcPct val="20000"/>
-              </a:spcBef>
-              <a:buChar char="–"/>
-              <a:defRPr sz="2800">
-                <a:solidFill>
-                  <a:schemeClr val="tx1"/>
-                </a:solidFill>
-                <a:latin typeface="Arial" panose="020B0604020202020204" pitchFamily="34" charset="0"/>
-                <a:cs typeface="Arial" panose="020B0604020202020204" pitchFamily="34" charset="0"/>
-              </a:defRPr>
-            </a:lvl2pPr>
-            <a:lvl3pPr marL="1143000" indent="-228600" algn="r" rtl="1">
-              <a:spcBef>
-                <a:spcPct val="20000"/>
-              </a:spcBef>
-              <a:buChar char="•"/>
-              <a:defRPr sz="2400">
-                <a:solidFill>
-                  <a:schemeClr val="tx1"/>
-                </a:solidFill>
-                <a:latin typeface="Arial" panose="020B0604020202020204" pitchFamily="34" charset="0"/>
-                <a:cs typeface="Arial" panose="020B0604020202020204" pitchFamily="34" charset="0"/>
-              </a:defRPr>
-            </a:lvl3pPr>
-            <a:lvl4pPr marL="1600200" indent="-228600" algn="r" rtl="1">
-              <a:spcBef>
-                <a:spcPct val="20000"/>
-              </a:spcBef>
-              <a:buChar char="–"/>
-              <a:defRPr sz="2000">
-                <a:solidFill>
-                  <a:schemeClr val="tx1"/>
-                </a:solidFill>
-                <a:latin typeface="Arial" panose="020B0604020202020204" pitchFamily="34" charset="0"/>
-                <a:cs typeface="Arial" panose="020B0604020202020204" pitchFamily="34" charset="0"/>
-              </a:defRPr>
-            </a:lvl4pPr>
-            <a:lvl5pPr marL="2057400" indent="-228600" algn="r" rtl="1">
-              <a:spcBef>
-                <a:spcPct val="20000"/>
-              </a:spcBef>
-              <a:buChar char="»"/>
-              <a:defRPr sz="2000">
-                <a:solidFill>
-                  <a:schemeClr val="tx1"/>
-                </a:solidFill>
-                <a:latin typeface="Arial" panose="020B0604020202020204" pitchFamily="34" charset="0"/>
-                <a:cs typeface="Arial" panose="020B0604020202020204" pitchFamily="34" charset="0"/>
-              </a:defRPr>
-            </a:lvl5pPr>
-            <a:lvl6pPr marL="2514600" indent="-228600" algn="r" rtl="1" eaLnBrk="0" fontAlgn="base" hangingPunct="0">
-              <a:spcBef>
-                <a:spcPct val="20000"/>
-              </a:spcBef>
-              <a:spcAft>
-                <a:spcPct val="0"/>
-              </a:spcAft>
-              <a:buChar char="»"/>
-              <a:defRPr sz="2000">
-                <a:solidFill>
-                  <a:schemeClr val="tx1"/>
-                </a:solidFill>
-                <a:latin typeface="Arial" panose="020B0604020202020204" pitchFamily="34" charset="0"/>
-                <a:cs typeface="Arial" panose="020B0604020202020204" pitchFamily="34" charset="0"/>
-              </a:defRPr>
-            </a:lvl6pPr>
-            <a:lvl7pPr marL="2971800" indent="-228600" algn="r" rtl="1" eaLnBrk="0" fontAlgn="base" hangingPunct="0">
-              <a:spcBef>
-                <a:spcPct val="20000"/>
-              </a:spcBef>
-              <a:spcAft>
-                <a:spcPct val="0"/>
-              </a:spcAft>
-              <a:buChar char="»"/>
-              <a:defRPr sz="2000">
-                <a:solidFill>
-                  <a:schemeClr val="tx1"/>
-                </a:solidFill>
-                <a:latin typeface="Arial" panose="020B0604020202020204" pitchFamily="34" charset="0"/>
-                <a:cs typeface="Arial" panose="020B0604020202020204" pitchFamily="34" charset="0"/>
-              </a:defRPr>
-            </a:lvl7pPr>
-            <a:lvl8pPr marL="3429000" indent="-228600" algn="r" rtl="1" eaLnBrk="0" fontAlgn="base" hangingPunct="0">
-              <a:spcBef>
-                <a:spcPct val="20000"/>
-              </a:spcBef>
-              <a:spcAft>
-                <a:spcPct val="0"/>
-              </a:spcAft>
-              <a:buChar char="»"/>
-              <a:defRPr sz="2000">
-                <a:solidFill>
-                  <a:schemeClr val="tx1"/>
-                </a:solidFill>
-                <a:latin typeface="Arial" panose="020B0604020202020204" pitchFamily="34" charset="0"/>
-                <a:cs typeface="Arial" panose="020B0604020202020204" pitchFamily="34" charset="0"/>
-              </a:defRPr>
-            </a:lvl8pPr>
-            <a:lvl9pPr marL="3886200" indent="-228600" algn="r" rtl="1" eaLnBrk="0" fontAlgn="base" hangingPunct="0">
-              <a:spcBef>
-                <a:spcPct val="20000"/>
-              </a:spcBef>
-              <a:spcAft>
-                <a:spcPct val="0"/>
-              </a:spcAft>
-              <a:buChar char="»"/>
-              <a:defRPr sz="2000">
-                <a:solidFill>
-                  <a:schemeClr val="tx1"/>
-                </a:solidFill>
-                <a:latin typeface="Arial" panose="020B0604020202020204" pitchFamily="34" charset="0"/>
-                <a:cs typeface="Arial" panose="020B0604020202020204" pitchFamily="34" charset="0"/>
-              </a:defRPr>
-            </a:lvl9pPr>
-          </a:lstStyle>
-          <a:p>
-            <a:pPr algn="l" rtl="0" eaLnBrk="1" hangingPunct="1">
-              <a:spcBef>
-                <a:spcPct val="0"/>
-              </a:spcBef>
-              <a:buFontTx/>
-              <a:buNone/>
-            </a:pPr>
-            <a:r>
-              <a:rPr lang="en-US" altLang="en-US" sz="1800" b="1">
-                <a:solidFill>
-                  <a:srgbClr val="FF0000"/>
-                </a:solidFill>
-              </a:rPr>
-              <a:t>10 bits</a:t>
-            </a:r>
-          </a:p>
-        </p:txBody>
-      </p:sp>
-      <p:sp>
-        <p:nvSpPr>
-          <p:cNvPr id="38917" name="Text Box 8"/>
-          <p:cNvSpPr txBox="1">
-            <a:spLocks noChangeArrowheads="1"/>
-          </p:cNvSpPr>
-          <p:nvPr/>
-        </p:nvSpPr>
-        <p:spPr bwMode="auto">
-          <a:xfrm>
-            <a:off x="1042988" y="4292600"/>
-            <a:ext cx="657225" cy="304800"/>
-          </a:xfrm>
-          <a:prstGeom prst="rect">
-            <a:avLst/>
-          </a:prstGeom>
-          <a:noFill/>
-          <a:ln>
-            <a:noFill/>
-          </a:ln>
-          <a:extLst>
-            <a:ext uri="{909E8E84-426E-40DD-AFC4-6F175D3DCCD1}">
-              <a14:hiddenFill xmlns:a14="http://schemas.microsoft.com/office/drawing/2010/main">
-                <a:solidFill>
-                  <a:srgbClr val="FFFFFF"/>
-                </a:solidFill>
-              </a14:hiddenFill>
-            </a:ext>
-            <a:ext uri="{91240B29-F687-4F45-9708-019B960494DF}">
-              <a14:hiddenLine xmlns:a14="http://schemas.microsoft.com/office/drawing/2010/main" w="9525">
-                <a:solidFill>
-                  <a:srgbClr val="000000"/>
-                </a:solidFill>
-                <a:miter lim="800000"/>
-                <a:headEnd/>
-                <a:tailEnd/>
-              </a14:hiddenLine>
-            </a:ext>
-          </a:extLst>
-        </p:spPr>
-        <p:txBody>
-          <a:bodyPr wrap="none">
-            <a:spAutoFit/>
-          </a:bodyPr>
-          <a:lstStyle>
-            <a:lvl1pPr algn="r" rtl="1">
-              <a:spcBef>
-                <a:spcPct val="20000"/>
-              </a:spcBef>
-              <a:buChar char="•"/>
-              <a:defRPr sz="3200">
-                <a:solidFill>
-                  <a:schemeClr val="tx1"/>
-                </a:solidFill>
-                <a:latin typeface="Arial" panose="020B0604020202020204" pitchFamily="34" charset="0"/>
-                <a:cs typeface="Arial" panose="020B0604020202020204" pitchFamily="34" charset="0"/>
-              </a:defRPr>
-            </a:lvl1pPr>
-            <a:lvl2pPr marL="742950" indent="-285750" algn="r" rtl="1">
-              <a:spcBef>
-                <a:spcPct val="20000"/>
-              </a:spcBef>
-              <a:buChar char="–"/>
-              <a:defRPr sz="2800">
-                <a:solidFill>
-                  <a:schemeClr val="tx1"/>
-                </a:solidFill>
-                <a:latin typeface="Arial" panose="020B0604020202020204" pitchFamily="34" charset="0"/>
-                <a:cs typeface="Arial" panose="020B0604020202020204" pitchFamily="34" charset="0"/>
-              </a:defRPr>
-            </a:lvl2pPr>
-            <a:lvl3pPr marL="1143000" indent="-228600" algn="r" rtl="1">
-              <a:spcBef>
-                <a:spcPct val="20000"/>
-              </a:spcBef>
-              <a:buChar char="•"/>
-              <a:defRPr sz="2400">
-                <a:solidFill>
-                  <a:schemeClr val="tx1"/>
-                </a:solidFill>
-                <a:latin typeface="Arial" panose="020B0604020202020204" pitchFamily="34" charset="0"/>
-                <a:cs typeface="Arial" panose="020B0604020202020204" pitchFamily="34" charset="0"/>
-              </a:defRPr>
-            </a:lvl3pPr>
-            <a:lvl4pPr marL="1600200" indent="-228600" algn="r" rtl="1">
-              <a:spcBef>
-                <a:spcPct val="20000"/>
-              </a:spcBef>
-              <a:buChar char="–"/>
-              <a:defRPr sz="2000">
-                <a:solidFill>
-                  <a:schemeClr val="tx1"/>
-                </a:solidFill>
-                <a:latin typeface="Arial" panose="020B0604020202020204" pitchFamily="34" charset="0"/>
-                <a:cs typeface="Arial" panose="020B0604020202020204" pitchFamily="34" charset="0"/>
-              </a:defRPr>
-            </a:lvl4pPr>
-            <a:lvl5pPr marL="2057400" indent="-228600" algn="r" rtl="1">
-              <a:spcBef>
-                <a:spcPct val="20000"/>
-              </a:spcBef>
-              <a:buChar char="»"/>
-              <a:defRPr sz="2000">
-                <a:solidFill>
-                  <a:schemeClr val="tx1"/>
-                </a:solidFill>
-                <a:latin typeface="Arial" panose="020B0604020202020204" pitchFamily="34" charset="0"/>
-                <a:cs typeface="Arial" panose="020B0604020202020204" pitchFamily="34" charset="0"/>
-              </a:defRPr>
-            </a:lvl5pPr>
-            <a:lvl6pPr marL="2514600" indent="-228600" algn="r" rtl="1" eaLnBrk="0" fontAlgn="base" hangingPunct="0">
-              <a:spcBef>
-                <a:spcPct val="20000"/>
-              </a:spcBef>
-              <a:spcAft>
-                <a:spcPct val="0"/>
-              </a:spcAft>
-              <a:buChar char="»"/>
-              <a:defRPr sz="2000">
-                <a:solidFill>
-                  <a:schemeClr val="tx1"/>
-                </a:solidFill>
-                <a:latin typeface="Arial" panose="020B0604020202020204" pitchFamily="34" charset="0"/>
-                <a:cs typeface="Arial" panose="020B0604020202020204" pitchFamily="34" charset="0"/>
-              </a:defRPr>
-            </a:lvl6pPr>
-            <a:lvl7pPr marL="2971800" indent="-228600" algn="r" rtl="1" eaLnBrk="0" fontAlgn="base" hangingPunct="0">
-              <a:spcBef>
-                <a:spcPct val="20000"/>
-              </a:spcBef>
-              <a:spcAft>
-                <a:spcPct val="0"/>
-              </a:spcAft>
-              <a:buChar char="»"/>
-              <a:defRPr sz="2000">
-                <a:solidFill>
-                  <a:schemeClr val="tx1"/>
-                </a:solidFill>
-                <a:latin typeface="Arial" panose="020B0604020202020204" pitchFamily="34" charset="0"/>
-                <a:cs typeface="Arial" panose="020B0604020202020204" pitchFamily="34" charset="0"/>
-              </a:defRPr>
-            </a:lvl7pPr>
-            <a:lvl8pPr marL="3429000" indent="-228600" algn="r" rtl="1" eaLnBrk="0" fontAlgn="base" hangingPunct="0">
-              <a:spcBef>
-                <a:spcPct val="20000"/>
-              </a:spcBef>
-              <a:spcAft>
-                <a:spcPct val="0"/>
-              </a:spcAft>
-              <a:buChar char="»"/>
-              <a:defRPr sz="2000">
-                <a:solidFill>
-                  <a:schemeClr val="tx1"/>
-                </a:solidFill>
-                <a:latin typeface="Arial" panose="020B0604020202020204" pitchFamily="34" charset="0"/>
-                <a:cs typeface="Arial" panose="020B0604020202020204" pitchFamily="34" charset="0"/>
-              </a:defRPr>
-            </a:lvl8pPr>
-            <a:lvl9pPr marL="3886200" indent="-228600" algn="r" rtl="1" eaLnBrk="0" fontAlgn="base" hangingPunct="0">
-              <a:spcBef>
-                <a:spcPct val="20000"/>
-              </a:spcBef>
-              <a:spcAft>
-                <a:spcPct val="0"/>
-              </a:spcAft>
-              <a:buChar char="»"/>
-              <a:defRPr sz="2000">
-                <a:solidFill>
-                  <a:schemeClr val="tx1"/>
-                </a:solidFill>
-                <a:latin typeface="Arial" panose="020B0604020202020204" pitchFamily="34" charset="0"/>
-                <a:cs typeface="Arial" panose="020B0604020202020204" pitchFamily="34" charset="0"/>
-              </a:defRPr>
-            </a:lvl9pPr>
-          </a:lstStyle>
-          <a:p>
-            <a:pPr algn="l" rtl="0" eaLnBrk="1" hangingPunct="1">
-              <a:spcBef>
-                <a:spcPct val="0"/>
-              </a:spcBef>
-              <a:buFontTx/>
-              <a:buNone/>
-            </a:pPr>
-            <a:r>
-              <a:rPr lang="en-US" altLang="en-US" sz="1400" b="1">
-                <a:solidFill>
-                  <a:srgbClr val="FF0000"/>
-                </a:solidFill>
-              </a:rPr>
-              <a:t>7-12V</a:t>
-            </a:r>
-          </a:p>
-        </p:txBody>
-      </p:sp>
-      <p:sp>
-        <p:nvSpPr>
-          <p:cNvPr id="38918" name="Text Box 9"/>
-          <p:cNvSpPr txBox="1">
-            <a:spLocks noChangeArrowheads="1"/>
-          </p:cNvSpPr>
-          <p:nvPr/>
-        </p:nvSpPr>
-        <p:spPr bwMode="auto">
-          <a:xfrm>
-            <a:off x="144463" y="5654675"/>
-            <a:ext cx="6372225" cy="366713"/>
-          </a:xfrm>
-          <a:prstGeom prst="rect">
-            <a:avLst/>
-          </a:prstGeom>
-          <a:noFill/>
-          <a:ln>
-            <a:noFill/>
-          </a:ln>
-          <a:extLst>
-            <a:ext uri="{909E8E84-426E-40DD-AFC4-6F175D3DCCD1}">
-              <a14:hiddenFill xmlns:a14="http://schemas.microsoft.com/office/drawing/2010/main">
-                <a:solidFill>
-                  <a:srgbClr val="FFFFFF"/>
-                </a:solidFill>
-              </a14:hiddenFill>
-            </a:ext>
-            <a:ext uri="{91240B29-F687-4F45-9708-019B960494DF}">
-              <a14:hiddenLine xmlns:a14="http://schemas.microsoft.com/office/drawing/2010/main" w="9525">
-                <a:solidFill>
-                  <a:srgbClr val="000000"/>
-                </a:solidFill>
-                <a:miter lim="800000"/>
-                <a:headEnd/>
-                <a:tailEnd/>
-              </a14:hiddenLine>
-            </a:ext>
-          </a:extLst>
-        </p:spPr>
-        <p:txBody>
-          <a:bodyPr>
-            <a:spAutoFit/>
-          </a:bodyPr>
-          <a:lstStyle>
-            <a:lvl1pPr algn="r" rtl="1">
-              <a:spcBef>
-                <a:spcPct val="20000"/>
-              </a:spcBef>
-              <a:buChar char="•"/>
-              <a:defRPr sz="3200">
-                <a:solidFill>
-                  <a:schemeClr val="tx1"/>
-                </a:solidFill>
-                <a:latin typeface="Arial" panose="020B0604020202020204" pitchFamily="34" charset="0"/>
-                <a:cs typeface="Arial" panose="020B0604020202020204" pitchFamily="34" charset="0"/>
-              </a:defRPr>
-            </a:lvl1pPr>
-            <a:lvl2pPr marL="742950" indent="-285750" algn="r" rtl="1">
-              <a:spcBef>
-                <a:spcPct val="20000"/>
-              </a:spcBef>
-              <a:buChar char="–"/>
-              <a:defRPr sz="2800">
-                <a:solidFill>
-                  <a:schemeClr val="tx1"/>
-                </a:solidFill>
-                <a:latin typeface="Arial" panose="020B0604020202020204" pitchFamily="34" charset="0"/>
-                <a:cs typeface="Arial" panose="020B0604020202020204" pitchFamily="34" charset="0"/>
-              </a:defRPr>
-            </a:lvl2pPr>
-            <a:lvl3pPr marL="1143000" indent="-228600" algn="r" rtl="1">
-              <a:spcBef>
-                <a:spcPct val="20000"/>
-              </a:spcBef>
-              <a:buChar char="•"/>
-              <a:defRPr sz="2400">
-                <a:solidFill>
-                  <a:schemeClr val="tx1"/>
-                </a:solidFill>
-                <a:latin typeface="Arial" panose="020B0604020202020204" pitchFamily="34" charset="0"/>
-                <a:cs typeface="Arial" panose="020B0604020202020204" pitchFamily="34" charset="0"/>
-              </a:defRPr>
-            </a:lvl3pPr>
-            <a:lvl4pPr marL="1600200" indent="-228600" algn="r" rtl="1">
-              <a:spcBef>
-                <a:spcPct val="20000"/>
-              </a:spcBef>
-              <a:buChar char="–"/>
-              <a:defRPr sz="2000">
-                <a:solidFill>
-                  <a:schemeClr val="tx1"/>
-                </a:solidFill>
-                <a:latin typeface="Arial" panose="020B0604020202020204" pitchFamily="34" charset="0"/>
-                <a:cs typeface="Arial" panose="020B0604020202020204" pitchFamily="34" charset="0"/>
-              </a:defRPr>
-            </a:lvl4pPr>
-            <a:lvl5pPr marL="2057400" indent="-228600" algn="r" rtl="1">
-              <a:spcBef>
-                <a:spcPct val="20000"/>
-              </a:spcBef>
-              <a:buChar char="»"/>
-              <a:defRPr sz="2000">
-                <a:solidFill>
-                  <a:schemeClr val="tx1"/>
-                </a:solidFill>
-                <a:latin typeface="Arial" panose="020B0604020202020204" pitchFamily="34" charset="0"/>
-                <a:cs typeface="Arial" panose="020B0604020202020204" pitchFamily="34" charset="0"/>
-              </a:defRPr>
-            </a:lvl5pPr>
-            <a:lvl6pPr marL="2514600" indent="-228600" algn="r" rtl="1" eaLnBrk="0" fontAlgn="base" hangingPunct="0">
-              <a:spcBef>
-                <a:spcPct val="20000"/>
-              </a:spcBef>
-              <a:spcAft>
-                <a:spcPct val="0"/>
-              </a:spcAft>
-              <a:buChar char="»"/>
-              <a:defRPr sz="2000">
-                <a:solidFill>
-                  <a:schemeClr val="tx1"/>
-                </a:solidFill>
-                <a:latin typeface="Arial" panose="020B0604020202020204" pitchFamily="34" charset="0"/>
-                <a:cs typeface="Arial" panose="020B0604020202020204" pitchFamily="34" charset="0"/>
-              </a:defRPr>
-            </a:lvl6pPr>
-            <a:lvl7pPr marL="2971800" indent="-228600" algn="r" rtl="1" eaLnBrk="0" fontAlgn="base" hangingPunct="0">
-              <a:spcBef>
-                <a:spcPct val="20000"/>
-              </a:spcBef>
-              <a:spcAft>
-                <a:spcPct val="0"/>
-              </a:spcAft>
-              <a:buChar char="»"/>
-              <a:defRPr sz="2000">
-                <a:solidFill>
-                  <a:schemeClr val="tx1"/>
-                </a:solidFill>
-                <a:latin typeface="Arial" panose="020B0604020202020204" pitchFamily="34" charset="0"/>
-                <a:cs typeface="Arial" panose="020B0604020202020204" pitchFamily="34" charset="0"/>
-              </a:defRPr>
-            </a:lvl7pPr>
-            <a:lvl8pPr marL="3429000" indent="-228600" algn="r" rtl="1" eaLnBrk="0" fontAlgn="base" hangingPunct="0">
-              <a:spcBef>
-                <a:spcPct val="20000"/>
-              </a:spcBef>
-              <a:spcAft>
-                <a:spcPct val="0"/>
-              </a:spcAft>
-              <a:buChar char="»"/>
-              <a:defRPr sz="2000">
-                <a:solidFill>
-                  <a:schemeClr val="tx1"/>
-                </a:solidFill>
-                <a:latin typeface="Arial" panose="020B0604020202020204" pitchFamily="34" charset="0"/>
-                <a:cs typeface="Arial" panose="020B0604020202020204" pitchFamily="34" charset="0"/>
-              </a:defRPr>
-            </a:lvl8pPr>
-            <a:lvl9pPr marL="3886200" indent="-228600" algn="r" rtl="1" eaLnBrk="0" fontAlgn="base" hangingPunct="0">
-              <a:spcBef>
-                <a:spcPct val="20000"/>
-              </a:spcBef>
-              <a:spcAft>
-                <a:spcPct val="0"/>
-              </a:spcAft>
-              <a:buChar char="»"/>
-              <a:defRPr sz="2000">
-                <a:solidFill>
-                  <a:schemeClr val="tx1"/>
-                </a:solidFill>
-                <a:latin typeface="Arial" panose="020B0604020202020204" pitchFamily="34" charset="0"/>
-                <a:cs typeface="Arial" panose="020B0604020202020204" pitchFamily="34" charset="0"/>
-              </a:defRPr>
-            </a:lvl9pPr>
-          </a:lstStyle>
-          <a:p>
-            <a:pPr algn="l" rtl="0" eaLnBrk="1" hangingPunct="1">
-              <a:spcBef>
-                <a:spcPct val="0"/>
-              </a:spcBef>
-              <a:buFontTx/>
-              <a:buNone/>
-            </a:pPr>
-            <a:r>
-              <a:rPr lang="en-US" altLang="en-US" sz="1800">
-                <a:solidFill>
-                  <a:srgbClr val="FF0000"/>
-                </a:solidFill>
-                <a:latin typeface="Calibri" panose="020F0502020204030204" pitchFamily="34" charset="0"/>
-              </a:rPr>
-              <a:t>I2C (Inter-Integrated Circuit) and SPI (Serial Peripheral Interface) </a:t>
-            </a:r>
-          </a:p>
-        </p:txBody>
-      </p:sp>
-      <p:sp>
-        <p:nvSpPr>
-          <p:cNvPr id="38919" name="Text Box 10"/>
-          <p:cNvSpPr txBox="1">
-            <a:spLocks noChangeArrowheads="1"/>
-          </p:cNvSpPr>
-          <p:nvPr/>
-        </p:nvSpPr>
-        <p:spPr bwMode="auto">
-          <a:xfrm>
-            <a:off x="87313" y="2873375"/>
-            <a:ext cx="2432050" cy="366713"/>
-          </a:xfrm>
-          <a:prstGeom prst="rect">
-            <a:avLst/>
-          </a:prstGeom>
-          <a:noFill/>
-          <a:ln>
-            <a:noFill/>
-          </a:ln>
-          <a:extLst>
-            <a:ext uri="{909E8E84-426E-40DD-AFC4-6F175D3DCCD1}">
-              <a14:hiddenFill xmlns:a14="http://schemas.microsoft.com/office/drawing/2010/main">
-                <a:solidFill>
-                  <a:srgbClr val="FFFFFF"/>
-                </a:solidFill>
-              </a14:hiddenFill>
-            </a:ext>
-            <a:ext uri="{91240B29-F687-4F45-9708-019B960494DF}">
-              <a14:hiddenLine xmlns:a14="http://schemas.microsoft.com/office/drawing/2010/main" w="9525">
-                <a:solidFill>
-                  <a:srgbClr val="000000"/>
-                </a:solidFill>
-                <a:miter lim="800000"/>
-                <a:headEnd/>
-                <a:tailEnd/>
-              </a14:hiddenLine>
-            </a:ext>
-          </a:extLst>
-        </p:spPr>
-        <p:txBody>
-          <a:bodyPr wrap="none">
-            <a:spAutoFit/>
-          </a:bodyPr>
-          <a:lstStyle>
-            <a:lvl1pPr algn="r" rtl="1">
-              <a:spcBef>
-                <a:spcPct val="20000"/>
-              </a:spcBef>
-              <a:buChar char="•"/>
-              <a:defRPr sz="3200">
-                <a:solidFill>
-                  <a:schemeClr val="tx1"/>
-                </a:solidFill>
-                <a:latin typeface="Arial" panose="020B0604020202020204" pitchFamily="34" charset="0"/>
-                <a:cs typeface="Arial" panose="020B0604020202020204" pitchFamily="34" charset="0"/>
-              </a:defRPr>
-            </a:lvl1pPr>
-            <a:lvl2pPr marL="742950" indent="-285750" algn="r" rtl="1">
-              <a:spcBef>
-                <a:spcPct val="20000"/>
-              </a:spcBef>
-              <a:buChar char="–"/>
-              <a:defRPr sz="2800">
-                <a:solidFill>
-                  <a:schemeClr val="tx1"/>
-                </a:solidFill>
-                <a:latin typeface="Arial" panose="020B0604020202020204" pitchFamily="34" charset="0"/>
-                <a:cs typeface="Arial" panose="020B0604020202020204" pitchFamily="34" charset="0"/>
-              </a:defRPr>
-            </a:lvl2pPr>
-            <a:lvl3pPr marL="1143000" indent="-228600" algn="r" rtl="1">
-              <a:spcBef>
-                <a:spcPct val="20000"/>
-              </a:spcBef>
-              <a:buChar char="•"/>
-              <a:defRPr sz="2400">
-                <a:solidFill>
-                  <a:schemeClr val="tx1"/>
-                </a:solidFill>
-                <a:latin typeface="Arial" panose="020B0604020202020204" pitchFamily="34" charset="0"/>
-                <a:cs typeface="Arial" panose="020B0604020202020204" pitchFamily="34" charset="0"/>
-              </a:defRPr>
-            </a:lvl3pPr>
-            <a:lvl4pPr marL="1600200" indent="-228600" algn="r" rtl="1">
-              <a:spcBef>
-                <a:spcPct val="20000"/>
-              </a:spcBef>
-              <a:buChar char="–"/>
-              <a:defRPr sz="2000">
-                <a:solidFill>
-                  <a:schemeClr val="tx1"/>
-                </a:solidFill>
-                <a:latin typeface="Arial" panose="020B0604020202020204" pitchFamily="34" charset="0"/>
-                <a:cs typeface="Arial" panose="020B0604020202020204" pitchFamily="34" charset="0"/>
-              </a:defRPr>
-            </a:lvl4pPr>
-            <a:lvl5pPr marL="2057400" indent="-228600" algn="r" rtl="1">
-              <a:spcBef>
-                <a:spcPct val="20000"/>
-              </a:spcBef>
-              <a:buChar char="»"/>
-              <a:defRPr sz="2000">
-                <a:solidFill>
-                  <a:schemeClr val="tx1"/>
-                </a:solidFill>
-                <a:latin typeface="Arial" panose="020B0604020202020204" pitchFamily="34" charset="0"/>
-                <a:cs typeface="Arial" panose="020B0604020202020204" pitchFamily="34" charset="0"/>
-              </a:defRPr>
-            </a:lvl5pPr>
-            <a:lvl6pPr marL="2514600" indent="-228600" algn="r" rtl="1" eaLnBrk="0" fontAlgn="base" hangingPunct="0">
-              <a:spcBef>
-                <a:spcPct val="20000"/>
-              </a:spcBef>
-              <a:spcAft>
-                <a:spcPct val="0"/>
-              </a:spcAft>
-              <a:buChar char="»"/>
-              <a:defRPr sz="2000">
-                <a:solidFill>
-                  <a:schemeClr val="tx1"/>
-                </a:solidFill>
-                <a:latin typeface="Arial" panose="020B0604020202020204" pitchFamily="34" charset="0"/>
-                <a:cs typeface="Arial" panose="020B0604020202020204" pitchFamily="34" charset="0"/>
-              </a:defRPr>
-            </a:lvl6pPr>
-            <a:lvl7pPr marL="2971800" indent="-228600" algn="r" rtl="1" eaLnBrk="0" fontAlgn="base" hangingPunct="0">
-              <a:spcBef>
-                <a:spcPct val="20000"/>
-              </a:spcBef>
-              <a:spcAft>
-                <a:spcPct val="0"/>
-              </a:spcAft>
-              <a:buChar char="»"/>
-              <a:defRPr sz="2000">
-                <a:solidFill>
-                  <a:schemeClr val="tx1"/>
-                </a:solidFill>
-                <a:latin typeface="Arial" panose="020B0604020202020204" pitchFamily="34" charset="0"/>
-                <a:cs typeface="Arial" panose="020B0604020202020204" pitchFamily="34" charset="0"/>
-              </a:defRPr>
-            </a:lvl7pPr>
-            <a:lvl8pPr marL="3429000" indent="-228600" algn="r" rtl="1" eaLnBrk="0" fontAlgn="base" hangingPunct="0">
-              <a:spcBef>
-                <a:spcPct val="20000"/>
-              </a:spcBef>
-              <a:spcAft>
-                <a:spcPct val="0"/>
-              </a:spcAft>
-              <a:buChar char="»"/>
-              <a:defRPr sz="2000">
-                <a:solidFill>
-                  <a:schemeClr val="tx1"/>
-                </a:solidFill>
-                <a:latin typeface="Arial" panose="020B0604020202020204" pitchFamily="34" charset="0"/>
-                <a:cs typeface="Arial" panose="020B0604020202020204" pitchFamily="34" charset="0"/>
-              </a:defRPr>
-            </a:lvl8pPr>
-            <a:lvl9pPr marL="3886200" indent="-228600" algn="r" rtl="1" eaLnBrk="0" fontAlgn="base" hangingPunct="0">
-              <a:spcBef>
-                <a:spcPct val="20000"/>
-              </a:spcBef>
-              <a:spcAft>
-                <a:spcPct val="0"/>
-              </a:spcAft>
-              <a:buChar char="»"/>
-              <a:defRPr sz="2000">
-                <a:solidFill>
-                  <a:schemeClr val="tx1"/>
-                </a:solidFill>
-                <a:latin typeface="Arial" panose="020B0604020202020204" pitchFamily="34" charset="0"/>
-                <a:cs typeface="Arial" panose="020B0604020202020204" pitchFamily="34" charset="0"/>
-              </a:defRPr>
-            </a:lvl9pPr>
-          </a:lstStyle>
-          <a:p>
-            <a:pPr algn="l" rtl="0" eaLnBrk="1" hangingPunct="1">
-              <a:spcBef>
-                <a:spcPct val="0"/>
-              </a:spcBef>
-              <a:buFontTx/>
-              <a:buNone/>
-            </a:pPr>
-            <a:r>
-              <a:rPr lang="en-US" altLang="en-US" sz="1800">
-                <a:solidFill>
-                  <a:srgbClr val="FF0000"/>
-                </a:solidFill>
-              </a:rPr>
-              <a:t>Serial communication </a:t>
-            </a:r>
-          </a:p>
-        </p:txBody>
-      </p:sp>
-      <p:sp>
-        <p:nvSpPr>
-          <p:cNvPr id="38920" name="Rectangle 1"/>
-          <p:cNvSpPr>
-            <a:spLocks noChangeArrowheads="1"/>
-          </p:cNvSpPr>
-          <p:nvPr/>
-        </p:nvSpPr>
-        <p:spPr bwMode="auto">
-          <a:xfrm>
-            <a:off x="3986213" y="2420938"/>
-            <a:ext cx="431800" cy="503237"/>
-          </a:xfrm>
-          <a:prstGeom prst="rect">
-            <a:avLst/>
-          </a:prstGeom>
-          <a:noFill/>
-          <a:ln w="38100" algn="ctr">
-            <a:solidFill>
-              <a:srgbClr val="FF0000"/>
-            </a:solidFill>
-            <a:round/>
-            <a:headEnd/>
-            <a:tailEnd/>
-          </a:ln>
-          <a:extLst>
-            <a:ext uri="{909E8E84-426E-40DD-AFC4-6F175D3DCCD1}">
-              <a14:hiddenFill xmlns:a14="http://schemas.microsoft.com/office/drawing/2010/main">
-                <a:solidFill>
-                  <a:srgbClr val="FFFFFF"/>
-                </a:solidFill>
-              </a14:hiddenFill>
-            </a:ext>
-          </a:extLst>
-        </p:spPr>
-        <p:txBody>
-          <a:bodyPr wrap="none" anchor="ctr">
-            <a:spAutoFit/>
-          </a:bodyPr>
-          <a:lstStyle>
-            <a:lvl1pPr algn="r" rtl="1">
-              <a:spcBef>
-                <a:spcPct val="20000"/>
-              </a:spcBef>
-              <a:buChar char="•"/>
-              <a:defRPr sz="3200">
-                <a:solidFill>
-                  <a:schemeClr val="tx1"/>
-                </a:solidFill>
-                <a:latin typeface="Arial" panose="020B0604020202020204" pitchFamily="34" charset="0"/>
-                <a:cs typeface="Arial" panose="020B0604020202020204" pitchFamily="34" charset="0"/>
-              </a:defRPr>
-            </a:lvl1pPr>
-            <a:lvl2pPr marL="742950" indent="-285750" algn="r" rtl="1">
-              <a:spcBef>
-                <a:spcPct val="20000"/>
-              </a:spcBef>
-              <a:buChar char="–"/>
-              <a:defRPr sz="2800">
-                <a:solidFill>
-                  <a:schemeClr val="tx1"/>
-                </a:solidFill>
-                <a:latin typeface="Arial" panose="020B0604020202020204" pitchFamily="34" charset="0"/>
-                <a:cs typeface="Arial" panose="020B0604020202020204" pitchFamily="34" charset="0"/>
-              </a:defRPr>
-            </a:lvl2pPr>
-            <a:lvl3pPr marL="1143000" indent="-228600" algn="r" rtl="1">
-              <a:spcBef>
-                <a:spcPct val="20000"/>
-              </a:spcBef>
-              <a:buChar char="•"/>
-              <a:defRPr sz="2400">
-                <a:solidFill>
-                  <a:schemeClr val="tx1"/>
-                </a:solidFill>
-                <a:latin typeface="Arial" panose="020B0604020202020204" pitchFamily="34" charset="0"/>
-                <a:cs typeface="Arial" panose="020B0604020202020204" pitchFamily="34" charset="0"/>
-              </a:defRPr>
-            </a:lvl3pPr>
-            <a:lvl4pPr marL="1600200" indent="-228600" algn="r" rtl="1">
-              <a:spcBef>
-                <a:spcPct val="20000"/>
-              </a:spcBef>
-              <a:buChar char="–"/>
-              <a:defRPr sz="2000">
-                <a:solidFill>
-                  <a:schemeClr val="tx1"/>
-                </a:solidFill>
-                <a:latin typeface="Arial" panose="020B0604020202020204" pitchFamily="34" charset="0"/>
-                <a:cs typeface="Arial" panose="020B0604020202020204" pitchFamily="34" charset="0"/>
-              </a:defRPr>
-            </a:lvl4pPr>
-            <a:lvl5pPr marL="2057400" indent="-228600" algn="r" rtl="1">
-              <a:spcBef>
-                <a:spcPct val="20000"/>
-              </a:spcBef>
-              <a:buChar char="»"/>
-              <a:defRPr sz="2000">
-                <a:solidFill>
-                  <a:schemeClr val="tx1"/>
-                </a:solidFill>
-                <a:latin typeface="Arial" panose="020B0604020202020204" pitchFamily="34" charset="0"/>
-                <a:cs typeface="Arial" panose="020B0604020202020204" pitchFamily="34" charset="0"/>
-              </a:defRPr>
-            </a:lvl5pPr>
-            <a:lvl6pPr marL="2514600" indent="-228600" algn="r" rtl="1" eaLnBrk="0" fontAlgn="base" hangingPunct="0">
-              <a:spcBef>
-                <a:spcPct val="20000"/>
-              </a:spcBef>
-              <a:spcAft>
-                <a:spcPct val="0"/>
-              </a:spcAft>
-              <a:buChar char="»"/>
-              <a:defRPr sz="2000">
-                <a:solidFill>
-                  <a:schemeClr val="tx1"/>
-                </a:solidFill>
-                <a:latin typeface="Arial" panose="020B0604020202020204" pitchFamily="34" charset="0"/>
-                <a:cs typeface="Arial" panose="020B0604020202020204" pitchFamily="34" charset="0"/>
-              </a:defRPr>
-            </a:lvl6pPr>
-            <a:lvl7pPr marL="2971800" indent="-228600" algn="r" rtl="1" eaLnBrk="0" fontAlgn="base" hangingPunct="0">
-              <a:spcBef>
-                <a:spcPct val="20000"/>
-              </a:spcBef>
-              <a:spcAft>
-                <a:spcPct val="0"/>
-              </a:spcAft>
-              <a:buChar char="»"/>
-              <a:defRPr sz="2000">
-                <a:solidFill>
-                  <a:schemeClr val="tx1"/>
-                </a:solidFill>
-                <a:latin typeface="Arial" panose="020B0604020202020204" pitchFamily="34" charset="0"/>
-                <a:cs typeface="Arial" panose="020B0604020202020204" pitchFamily="34" charset="0"/>
-              </a:defRPr>
-            </a:lvl7pPr>
-            <a:lvl8pPr marL="3429000" indent="-228600" algn="r" rtl="1" eaLnBrk="0" fontAlgn="base" hangingPunct="0">
-              <a:spcBef>
-                <a:spcPct val="20000"/>
-              </a:spcBef>
-              <a:spcAft>
-                <a:spcPct val="0"/>
-              </a:spcAft>
-              <a:buChar char="»"/>
-              <a:defRPr sz="2000">
-                <a:solidFill>
-                  <a:schemeClr val="tx1"/>
-                </a:solidFill>
-                <a:latin typeface="Arial" panose="020B0604020202020204" pitchFamily="34" charset="0"/>
-                <a:cs typeface="Arial" panose="020B0604020202020204" pitchFamily="34" charset="0"/>
-              </a:defRPr>
-            </a:lvl8pPr>
-            <a:lvl9pPr marL="3886200" indent="-228600" algn="r" rtl="1" eaLnBrk="0" fontAlgn="base" hangingPunct="0">
-              <a:spcBef>
-                <a:spcPct val="20000"/>
-              </a:spcBef>
-              <a:spcAft>
-                <a:spcPct val="0"/>
-              </a:spcAft>
-              <a:buChar char="»"/>
-              <a:defRPr sz="2000">
-                <a:solidFill>
-                  <a:schemeClr val="tx1"/>
-                </a:solidFill>
-                <a:latin typeface="Arial" panose="020B0604020202020204" pitchFamily="34" charset="0"/>
-                <a:cs typeface="Arial" panose="020B0604020202020204" pitchFamily="34" charset="0"/>
-              </a:defRPr>
-            </a:lvl9pPr>
-          </a:lstStyle>
-          <a:p>
-            <a:pPr algn="l" rtl="0" eaLnBrk="1" hangingPunct="1">
-              <a:spcBef>
-                <a:spcPct val="0"/>
-              </a:spcBef>
-              <a:buFontTx/>
-              <a:buNone/>
-            </a:pPr>
-            <a:endParaRPr lang="en-US" altLang="en-US" sz="1800"/>
-          </a:p>
-        </p:txBody>
-      </p:sp>
-      <p:cxnSp>
-        <p:nvCxnSpPr>
-          <p:cNvPr id="38921" name="Straight Connector 3"/>
-          <p:cNvCxnSpPr>
-            <a:cxnSpLocks noChangeShapeType="1"/>
-          </p:cNvCxnSpPr>
-          <p:nvPr/>
-        </p:nvCxnSpPr>
-        <p:spPr bwMode="auto">
-          <a:xfrm>
-            <a:off x="4418013" y="2492375"/>
-            <a:ext cx="3106737" cy="0"/>
-          </a:xfrm>
-          <a:prstGeom prst="line">
-            <a:avLst/>
-          </a:prstGeom>
-          <a:noFill/>
-          <a:ln w="38100" algn="ctr">
-            <a:solidFill>
-              <a:srgbClr val="FF0000"/>
-            </a:solidFill>
-            <a:round/>
-            <a:headEnd/>
-            <a:tailEnd/>
-          </a:ln>
-          <a:extLst>
-            <a:ext uri="{909E8E84-426E-40DD-AFC4-6F175D3DCCD1}">
-              <a14:hiddenFill xmlns:a14="http://schemas.microsoft.com/office/drawing/2010/main">
-                <a:noFill/>
-              </a14:hiddenFill>
-            </a:ext>
-          </a:extLst>
-        </p:spPr>
-      </p:cxnSp>
-      <p:sp>
-        <p:nvSpPr>
-          <p:cNvPr id="38922" name="TextBox 5"/>
-          <p:cNvSpPr txBox="1">
-            <a:spLocks noChangeArrowheads="1"/>
-          </p:cNvSpPr>
-          <p:nvPr/>
-        </p:nvSpPr>
-        <p:spPr bwMode="auto">
-          <a:xfrm>
-            <a:off x="6732588" y="1939925"/>
-            <a:ext cx="2030412" cy="1201738"/>
-          </a:xfrm>
-          <a:prstGeom prst="rect">
-            <a:avLst/>
-          </a:prstGeom>
-          <a:solidFill>
-            <a:schemeClr val="bg1"/>
-          </a:solidFill>
-          <a:ln w="9525">
-            <a:solidFill>
-              <a:srgbClr val="FF0000"/>
-            </a:solidFill>
-            <a:miter lim="800000"/>
-            <a:headEnd/>
-            <a:tailEnd/>
-          </a:ln>
-        </p:spPr>
-        <p:txBody>
-          <a:bodyPr wrap="none">
-            <a:spAutoFit/>
-          </a:bodyPr>
-          <a:lstStyle>
-            <a:lvl1pPr algn="r" rtl="1">
-              <a:spcBef>
-                <a:spcPct val="20000"/>
-              </a:spcBef>
-              <a:buChar char="•"/>
-              <a:defRPr sz="3200">
-                <a:solidFill>
-                  <a:schemeClr val="tx1"/>
-                </a:solidFill>
-                <a:latin typeface="Arial" panose="020B0604020202020204" pitchFamily="34" charset="0"/>
-                <a:cs typeface="Arial" panose="020B0604020202020204" pitchFamily="34" charset="0"/>
-              </a:defRPr>
-            </a:lvl1pPr>
-            <a:lvl2pPr marL="742950" indent="-285750" algn="r" rtl="1">
-              <a:spcBef>
-                <a:spcPct val="20000"/>
-              </a:spcBef>
-              <a:buChar char="–"/>
-              <a:defRPr sz="2800">
-                <a:solidFill>
-                  <a:schemeClr val="tx1"/>
-                </a:solidFill>
-                <a:latin typeface="Arial" panose="020B0604020202020204" pitchFamily="34" charset="0"/>
-                <a:cs typeface="Arial" panose="020B0604020202020204" pitchFamily="34" charset="0"/>
-              </a:defRPr>
-            </a:lvl2pPr>
-            <a:lvl3pPr marL="1143000" indent="-228600" algn="r" rtl="1">
-              <a:spcBef>
-                <a:spcPct val="20000"/>
-              </a:spcBef>
-              <a:buChar char="•"/>
-              <a:defRPr sz="2400">
-                <a:solidFill>
-                  <a:schemeClr val="tx1"/>
-                </a:solidFill>
-                <a:latin typeface="Arial" panose="020B0604020202020204" pitchFamily="34" charset="0"/>
-                <a:cs typeface="Arial" panose="020B0604020202020204" pitchFamily="34" charset="0"/>
-              </a:defRPr>
-            </a:lvl3pPr>
-            <a:lvl4pPr marL="1600200" indent="-228600" algn="r" rtl="1">
-              <a:spcBef>
-                <a:spcPct val="20000"/>
-              </a:spcBef>
-              <a:buChar char="–"/>
-              <a:defRPr sz="2000">
-                <a:solidFill>
-                  <a:schemeClr val="tx1"/>
-                </a:solidFill>
-                <a:latin typeface="Arial" panose="020B0604020202020204" pitchFamily="34" charset="0"/>
-                <a:cs typeface="Arial" panose="020B0604020202020204" pitchFamily="34" charset="0"/>
-              </a:defRPr>
-            </a:lvl4pPr>
-            <a:lvl5pPr marL="2057400" indent="-228600" algn="r" rtl="1">
-              <a:spcBef>
-                <a:spcPct val="20000"/>
-              </a:spcBef>
-              <a:buChar char="»"/>
-              <a:defRPr sz="2000">
-                <a:solidFill>
-                  <a:schemeClr val="tx1"/>
-                </a:solidFill>
-                <a:latin typeface="Arial" panose="020B0604020202020204" pitchFamily="34" charset="0"/>
-                <a:cs typeface="Arial" panose="020B0604020202020204" pitchFamily="34" charset="0"/>
-              </a:defRPr>
-            </a:lvl5pPr>
-            <a:lvl6pPr marL="2514600" indent="-228600" algn="r" rtl="1" eaLnBrk="0" fontAlgn="base" hangingPunct="0">
-              <a:spcBef>
-                <a:spcPct val="20000"/>
-              </a:spcBef>
-              <a:spcAft>
-                <a:spcPct val="0"/>
-              </a:spcAft>
-              <a:buChar char="»"/>
-              <a:defRPr sz="2000">
-                <a:solidFill>
-                  <a:schemeClr val="tx1"/>
-                </a:solidFill>
-                <a:latin typeface="Arial" panose="020B0604020202020204" pitchFamily="34" charset="0"/>
-                <a:cs typeface="Arial" panose="020B0604020202020204" pitchFamily="34" charset="0"/>
-              </a:defRPr>
-            </a:lvl6pPr>
-            <a:lvl7pPr marL="2971800" indent="-228600" algn="r" rtl="1" eaLnBrk="0" fontAlgn="base" hangingPunct="0">
-              <a:spcBef>
-                <a:spcPct val="20000"/>
-              </a:spcBef>
-              <a:spcAft>
-                <a:spcPct val="0"/>
-              </a:spcAft>
-              <a:buChar char="»"/>
-              <a:defRPr sz="2000">
-                <a:solidFill>
-                  <a:schemeClr val="tx1"/>
-                </a:solidFill>
-                <a:latin typeface="Arial" panose="020B0604020202020204" pitchFamily="34" charset="0"/>
-                <a:cs typeface="Arial" panose="020B0604020202020204" pitchFamily="34" charset="0"/>
-              </a:defRPr>
-            </a:lvl7pPr>
-            <a:lvl8pPr marL="3429000" indent="-228600" algn="r" rtl="1" eaLnBrk="0" fontAlgn="base" hangingPunct="0">
-              <a:spcBef>
-                <a:spcPct val="20000"/>
-              </a:spcBef>
-              <a:spcAft>
-                <a:spcPct val="0"/>
-              </a:spcAft>
-              <a:buChar char="»"/>
-              <a:defRPr sz="2000">
-                <a:solidFill>
-                  <a:schemeClr val="tx1"/>
-                </a:solidFill>
-                <a:latin typeface="Arial" panose="020B0604020202020204" pitchFamily="34" charset="0"/>
-                <a:cs typeface="Arial" panose="020B0604020202020204" pitchFamily="34" charset="0"/>
-              </a:defRPr>
-            </a:lvl8pPr>
-            <a:lvl9pPr marL="3886200" indent="-228600" algn="r" rtl="1" eaLnBrk="0" fontAlgn="base" hangingPunct="0">
-              <a:spcBef>
-                <a:spcPct val="20000"/>
-              </a:spcBef>
-              <a:spcAft>
-                <a:spcPct val="0"/>
-              </a:spcAft>
-              <a:buChar char="»"/>
-              <a:defRPr sz="2000">
-                <a:solidFill>
-                  <a:schemeClr val="tx1"/>
-                </a:solidFill>
-                <a:latin typeface="Arial" panose="020B0604020202020204" pitchFamily="34" charset="0"/>
-                <a:cs typeface="Arial" panose="020B0604020202020204" pitchFamily="34" charset="0"/>
-              </a:defRPr>
-            </a:lvl9pPr>
-          </a:lstStyle>
-          <a:p>
-            <a:pPr algn="l" rtl="0" eaLnBrk="1" hangingPunct="1">
-              <a:spcBef>
-                <a:spcPct val="0"/>
-              </a:spcBef>
-              <a:buFontTx/>
-              <a:buNone/>
-            </a:pPr>
-            <a:r>
-              <a:rPr lang="en-US" altLang="en-US" sz="1800" b="1">
-                <a:solidFill>
-                  <a:srgbClr val="FF0000"/>
-                </a:solidFill>
-              </a:rPr>
-              <a:t>Integrated LEDs:</a:t>
-            </a:r>
-          </a:p>
-          <a:p>
-            <a:pPr algn="l" rtl="0" eaLnBrk="1" hangingPunct="1">
-              <a:spcBef>
-                <a:spcPct val="0"/>
-              </a:spcBef>
-              <a:buFontTx/>
-              <a:buNone/>
-            </a:pPr>
-            <a:r>
-              <a:rPr lang="en-US" altLang="en-US" sz="1800" b="1">
-                <a:solidFill>
-                  <a:srgbClr val="FF0000"/>
-                </a:solidFill>
-              </a:rPr>
-              <a:t>   Pin13</a:t>
-            </a:r>
-          </a:p>
-          <a:p>
-            <a:pPr algn="l" rtl="0" eaLnBrk="1" hangingPunct="1">
-              <a:spcBef>
-                <a:spcPct val="0"/>
-              </a:spcBef>
-              <a:buFontTx/>
-              <a:buNone/>
-            </a:pPr>
-            <a:r>
-              <a:rPr lang="en-US" altLang="en-US" sz="1800" b="1">
-                <a:solidFill>
-                  <a:srgbClr val="FF0000"/>
-                </a:solidFill>
-              </a:rPr>
-              <a:t>   TX</a:t>
-            </a:r>
-          </a:p>
-          <a:p>
-            <a:pPr algn="l" rtl="0" eaLnBrk="1" hangingPunct="1">
-              <a:spcBef>
-                <a:spcPct val="0"/>
-              </a:spcBef>
-              <a:buFontTx/>
-              <a:buNone/>
-            </a:pPr>
-            <a:r>
-              <a:rPr lang="en-US" altLang="en-US" sz="1800" b="1">
-                <a:solidFill>
-                  <a:srgbClr val="FF0000"/>
-                </a:solidFill>
-              </a:rPr>
-              <a:t>   RX</a:t>
-            </a:r>
-          </a:p>
-        </p:txBody>
-      </p:sp>
-    </p:spTree>
-  </p:cSld>
-  <p:clrMapOvr>
-    <a:masterClrMapping/>
-  </p:clrMapOvr>
-  <p:timing>
-    <p:tnLst>
-      <p:par>
-        <p:cTn id="1" dur="indefinite" restart="never" nodeType="tmRoot"/>
-      </p:par>
-    </p:tnLst>
-  </p:timing>
-</p:sld>
-</file>
-
-<file path=ppt/slides/slide26.xml><?xml version="1.0" encoding="utf-8"?>
-<p:sld xmlns:a="http://schemas.openxmlformats.org/drawingml/2006/main" xmlns:r="http://schemas.openxmlformats.org/officeDocument/2006/relationships" xmlns:p="http://schemas.openxmlformats.org/presentationml/2006/main">
-  <p:cSld>
-    <p:spTree>
-      <p:nvGrpSpPr>
-        <p:cNvPr id="1" name=""/>
-        <p:cNvGrpSpPr/>
-        <p:nvPr/>
-      </p:nvGrpSpPr>
-      <p:grpSpPr>
-        <a:xfrm>
-          <a:off x="0" y="0"/>
-          <a:ext cx="0" cy="0"/>
-          <a:chOff x="0" y="0"/>
-          <a:chExt cx="0" cy="0"/>
-        </a:xfrm>
-      </p:grpSpPr>
-      <p:sp>
-        <p:nvSpPr>
           <p:cNvPr id="39938" name="Title 1"/>
           <p:cNvSpPr>
             <a:spLocks noGrp="1"/>
@@ -16816,7 +14334,7 @@
 </p:sld>
 </file>
 
-<file path=ppt/slides/slide27.xml><?xml version="1.0" encoding="utf-8"?>
+<file path=ppt/slides/slide25.xml><?xml version="1.0" encoding="utf-8"?>
 <p:sld xmlns:a="http://schemas.openxmlformats.org/drawingml/2006/main" xmlns:r="http://schemas.openxmlformats.org/officeDocument/2006/relationships" xmlns:p="http://schemas.openxmlformats.org/presentationml/2006/main">
   <p:cSld>
     <p:spTree>
@@ -17241,7 +14759,7 @@
 </p:sld>
 </file>
 
-<file path=ppt/slides/slide28.xml><?xml version="1.0" encoding="utf-8"?>
+<file path=ppt/slides/slide26.xml><?xml version="1.0" encoding="utf-8"?>
 <p:sld xmlns:a="http://schemas.openxmlformats.org/drawingml/2006/main" xmlns:r="http://schemas.openxmlformats.org/officeDocument/2006/relationships" xmlns:p="http://schemas.openxmlformats.org/presentationml/2006/main">
   <p:cSld>
     <p:spTree>
@@ -17576,7 +15094,1160 @@
 </p:sld>
 </file>
 
-<file path=ppt/slides/slide29.xml><?xml version="1.0" encoding="utf-8"?>
+<file path=ppt/slides/slide27.xml><?xml version="1.0" encoding="utf-8"?>
+<p:sld xmlns:a="http://schemas.openxmlformats.org/drawingml/2006/main" xmlns:r="http://schemas.openxmlformats.org/officeDocument/2006/relationships" xmlns:p="http://schemas.openxmlformats.org/presentationml/2006/main">
+  <p:cSld>
+    <p:spTree>
+      <p:nvGrpSpPr>
+        <p:cNvPr id="1" name=""/>
+        <p:cNvGrpSpPr/>
+        <p:nvPr/>
+      </p:nvGrpSpPr>
+      <p:grpSpPr>
+        <a:xfrm>
+          <a:off x="0" y="0"/>
+          <a:ext cx="0" cy="0"/>
+          <a:chOff x="0" y="0"/>
+          <a:chExt cx="0" cy="0"/>
+        </a:xfrm>
+      </p:grpSpPr>
+      <p:sp>
+        <p:nvSpPr>
+          <p:cNvPr id="31746" name="AutoShape 5" descr="9k="/>
+          <p:cNvSpPr>
+            <a:spLocks noChangeAspect="1" noChangeArrowheads="1"/>
+          </p:cNvSpPr>
+          <p:nvPr/>
+        </p:nvSpPr>
+        <p:spPr bwMode="auto">
+          <a:xfrm>
+            <a:off x="4419600" y="3276600"/>
+            <a:ext cx="304800" cy="304800"/>
+          </a:xfrm>
+          <a:prstGeom prst="rect">
+            <a:avLst/>
+          </a:prstGeom>
+          <a:noFill/>
+          <a:ln>
+            <a:noFill/>
+          </a:ln>
+          <a:extLst>
+            <a:ext uri="{909E8E84-426E-40DD-AFC4-6F175D3DCCD1}">
+              <a14:hiddenFill xmlns:a14="http://schemas.microsoft.com/office/drawing/2010/main">
+                <a:solidFill>
+                  <a:srgbClr val="FFFFFF"/>
+                </a:solidFill>
+              </a14:hiddenFill>
+            </a:ext>
+            <a:ext uri="{91240B29-F687-4F45-9708-019B960494DF}">
+              <a14:hiddenLine xmlns:a14="http://schemas.microsoft.com/office/drawing/2010/main" w="9525">
+                <a:solidFill>
+                  <a:srgbClr val="000000"/>
+                </a:solidFill>
+                <a:miter lim="800000"/>
+                <a:headEnd/>
+                <a:tailEnd/>
+              </a14:hiddenLine>
+            </a:ext>
+          </a:extLst>
+        </p:spPr>
+        <p:txBody>
+          <a:bodyPr/>
+          <a:lstStyle>
+            <a:lvl1pPr algn="r" rtl="1">
+              <a:spcBef>
+                <a:spcPct val="20000"/>
+              </a:spcBef>
+              <a:buChar char="•"/>
+              <a:defRPr sz="3200">
+                <a:solidFill>
+                  <a:schemeClr val="tx1"/>
+                </a:solidFill>
+                <a:latin typeface="Arial" panose="020B0604020202020204" pitchFamily="34" charset="0"/>
+                <a:cs typeface="Arial" panose="020B0604020202020204" pitchFamily="34" charset="0"/>
+              </a:defRPr>
+            </a:lvl1pPr>
+            <a:lvl2pPr marL="742950" indent="-285750" algn="r" rtl="1">
+              <a:spcBef>
+                <a:spcPct val="20000"/>
+              </a:spcBef>
+              <a:buChar char="–"/>
+              <a:defRPr sz="2800">
+                <a:solidFill>
+                  <a:schemeClr val="tx1"/>
+                </a:solidFill>
+                <a:latin typeface="Arial" panose="020B0604020202020204" pitchFamily="34" charset="0"/>
+                <a:cs typeface="Arial" panose="020B0604020202020204" pitchFamily="34" charset="0"/>
+              </a:defRPr>
+            </a:lvl2pPr>
+            <a:lvl3pPr marL="1143000" indent="-228600" algn="r" rtl="1">
+              <a:spcBef>
+                <a:spcPct val="20000"/>
+              </a:spcBef>
+              <a:buChar char="•"/>
+              <a:defRPr sz="2400">
+                <a:solidFill>
+                  <a:schemeClr val="tx1"/>
+                </a:solidFill>
+                <a:latin typeface="Arial" panose="020B0604020202020204" pitchFamily="34" charset="0"/>
+                <a:cs typeface="Arial" panose="020B0604020202020204" pitchFamily="34" charset="0"/>
+              </a:defRPr>
+            </a:lvl3pPr>
+            <a:lvl4pPr marL="1600200" indent="-228600" algn="r" rtl="1">
+              <a:spcBef>
+                <a:spcPct val="20000"/>
+              </a:spcBef>
+              <a:buChar char="–"/>
+              <a:defRPr sz="2000">
+                <a:solidFill>
+                  <a:schemeClr val="tx1"/>
+                </a:solidFill>
+                <a:latin typeface="Arial" panose="020B0604020202020204" pitchFamily="34" charset="0"/>
+                <a:cs typeface="Arial" panose="020B0604020202020204" pitchFamily="34" charset="0"/>
+              </a:defRPr>
+            </a:lvl4pPr>
+            <a:lvl5pPr marL="2057400" indent="-228600" algn="r" rtl="1">
+              <a:spcBef>
+                <a:spcPct val="20000"/>
+              </a:spcBef>
+              <a:buChar char="»"/>
+              <a:defRPr sz="2000">
+                <a:solidFill>
+                  <a:schemeClr val="tx1"/>
+                </a:solidFill>
+                <a:latin typeface="Arial" panose="020B0604020202020204" pitchFamily="34" charset="0"/>
+                <a:cs typeface="Arial" panose="020B0604020202020204" pitchFamily="34" charset="0"/>
+              </a:defRPr>
+            </a:lvl5pPr>
+            <a:lvl6pPr marL="2514600" indent="-228600" algn="r" rtl="1" eaLnBrk="0" fontAlgn="base" hangingPunct="0">
+              <a:spcBef>
+                <a:spcPct val="20000"/>
+              </a:spcBef>
+              <a:spcAft>
+                <a:spcPct val="0"/>
+              </a:spcAft>
+              <a:buChar char="»"/>
+              <a:defRPr sz="2000">
+                <a:solidFill>
+                  <a:schemeClr val="tx1"/>
+                </a:solidFill>
+                <a:latin typeface="Arial" panose="020B0604020202020204" pitchFamily="34" charset="0"/>
+                <a:cs typeface="Arial" panose="020B0604020202020204" pitchFamily="34" charset="0"/>
+              </a:defRPr>
+            </a:lvl6pPr>
+            <a:lvl7pPr marL="2971800" indent="-228600" algn="r" rtl="1" eaLnBrk="0" fontAlgn="base" hangingPunct="0">
+              <a:spcBef>
+                <a:spcPct val="20000"/>
+              </a:spcBef>
+              <a:spcAft>
+                <a:spcPct val="0"/>
+              </a:spcAft>
+              <a:buChar char="»"/>
+              <a:defRPr sz="2000">
+                <a:solidFill>
+                  <a:schemeClr val="tx1"/>
+                </a:solidFill>
+                <a:latin typeface="Arial" panose="020B0604020202020204" pitchFamily="34" charset="0"/>
+                <a:cs typeface="Arial" panose="020B0604020202020204" pitchFamily="34" charset="0"/>
+              </a:defRPr>
+            </a:lvl7pPr>
+            <a:lvl8pPr marL="3429000" indent="-228600" algn="r" rtl="1" eaLnBrk="0" fontAlgn="base" hangingPunct="0">
+              <a:spcBef>
+                <a:spcPct val="20000"/>
+              </a:spcBef>
+              <a:spcAft>
+                <a:spcPct val="0"/>
+              </a:spcAft>
+              <a:buChar char="»"/>
+              <a:defRPr sz="2000">
+                <a:solidFill>
+                  <a:schemeClr val="tx1"/>
+                </a:solidFill>
+                <a:latin typeface="Arial" panose="020B0604020202020204" pitchFamily="34" charset="0"/>
+                <a:cs typeface="Arial" panose="020B0604020202020204" pitchFamily="34" charset="0"/>
+              </a:defRPr>
+            </a:lvl8pPr>
+            <a:lvl9pPr marL="3886200" indent="-228600" algn="r" rtl="1" eaLnBrk="0" fontAlgn="base" hangingPunct="0">
+              <a:spcBef>
+                <a:spcPct val="20000"/>
+              </a:spcBef>
+              <a:spcAft>
+                <a:spcPct val="0"/>
+              </a:spcAft>
+              <a:buChar char="»"/>
+              <a:defRPr sz="2000">
+                <a:solidFill>
+                  <a:schemeClr val="tx1"/>
+                </a:solidFill>
+                <a:latin typeface="Arial" panose="020B0604020202020204" pitchFamily="34" charset="0"/>
+                <a:cs typeface="Arial" panose="020B0604020202020204" pitchFamily="34" charset="0"/>
+              </a:defRPr>
+            </a:lvl9pPr>
+          </a:lstStyle>
+          <a:p>
+            <a:pPr algn="l" rtl="0" eaLnBrk="1" hangingPunct="1">
+              <a:spcBef>
+                <a:spcPct val="0"/>
+              </a:spcBef>
+              <a:buFontTx/>
+              <a:buNone/>
+            </a:pPr>
+            <a:endParaRPr lang="en-US" altLang="en-US" sz="16600"/>
+          </a:p>
+        </p:txBody>
+      </p:sp>
+      <p:sp>
+        <p:nvSpPr>
+          <p:cNvPr id="31747" name="AutoShape 7" descr="9k="/>
+          <p:cNvSpPr>
+            <a:spLocks noChangeAspect="1" noChangeArrowheads="1"/>
+          </p:cNvSpPr>
+          <p:nvPr/>
+        </p:nvSpPr>
+        <p:spPr bwMode="auto">
+          <a:xfrm>
+            <a:off x="4419600" y="3276600"/>
+            <a:ext cx="304800" cy="304800"/>
+          </a:xfrm>
+          <a:prstGeom prst="rect">
+            <a:avLst/>
+          </a:prstGeom>
+          <a:noFill/>
+          <a:ln>
+            <a:noFill/>
+          </a:ln>
+          <a:extLst>
+            <a:ext uri="{909E8E84-426E-40DD-AFC4-6F175D3DCCD1}">
+              <a14:hiddenFill xmlns:a14="http://schemas.microsoft.com/office/drawing/2010/main">
+                <a:solidFill>
+                  <a:srgbClr val="FFFFFF"/>
+                </a:solidFill>
+              </a14:hiddenFill>
+            </a:ext>
+            <a:ext uri="{91240B29-F687-4F45-9708-019B960494DF}">
+              <a14:hiddenLine xmlns:a14="http://schemas.microsoft.com/office/drawing/2010/main" w="9525">
+                <a:solidFill>
+                  <a:srgbClr val="000000"/>
+                </a:solidFill>
+                <a:miter lim="800000"/>
+                <a:headEnd/>
+                <a:tailEnd/>
+              </a14:hiddenLine>
+            </a:ext>
+          </a:extLst>
+        </p:spPr>
+        <p:txBody>
+          <a:bodyPr/>
+          <a:lstStyle>
+            <a:lvl1pPr algn="r" rtl="1">
+              <a:spcBef>
+                <a:spcPct val="20000"/>
+              </a:spcBef>
+              <a:buChar char="•"/>
+              <a:defRPr sz="3200">
+                <a:solidFill>
+                  <a:schemeClr val="tx1"/>
+                </a:solidFill>
+                <a:latin typeface="Arial" panose="020B0604020202020204" pitchFamily="34" charset="0"/>
+                <a:cs typeface="Arial" panose="020B0604020202020204" pitchFamily="34" charset="0"/>
+              </a:defRPr>
+            </a:lvl1pPr>
+            <a:lvl2pPr marL="742950" indent="-285750" algn="r" rtl="1">
+              <a:spcBef>
+                <a:spcPct val="20000"/>
+              </a:spcBef>
+              <a:buChar char="–"/>
+              <a:defRPr sz="2800">
+                <a:solidFill>
+                  <a:schemeClr val="tx1"/>
+                </a:solidFill>
+                <a:latin typeface="Arial" panose="020B0604020202020204" pitchFamily="34" charset="0"/>
+                <a:cs typeface="Arial" panose="020B0604020202020204" pitchFamily="34" charset="0"/>
+              </a:defRPr>
+            </a:lvl2pPr>
+            <a:lvl3pPr marL="1143000" indent="-228600" algn="r" rtl="1">
+              <a:spcBef>
+                <a:spcPct val="20000"/>
+              </a:spcBef>
+              <a:buChar char="•"/>
+              <a:defRPr sz="2400">
+                <a:solidFill>
+                  <a:schemeClr val="tx1"/>
+                </a:solidFill>
+                <a:latin typeface="Arial" panose="020B0604020202020204" pitchFamily="34" charset="0"/>
+                <a:cs typeface="Arial" panose="020B0604020202020204" pitchFamily="34" charset="0"/>
+              </a:defRPr>
+            </a:lvl3pPr>
+            <a:lvl4pPr marL="1600200" indent="-228600" algn="r" rtl="1">
+              <a:spcBef>
+                <a:spcPct val="20000"/>
+              </a:spcBef>
+              <a:buChar char="–"/>
+              <a:defRPr sz="2000">
+                <a:solidFill>
+                  <a:schemeClr val="tx1"/>
+                </a:solidFill>
+                <a:latin typeface="Arial" panose="020B0604020202020204" pitchFamily="34" charset="0"/>
+                <a:cs typeface="Arial" panose="020B0604020202020204" pitchFamily="34" charset="0"/>
+              </a:defRPr>
+            </a:lvl4pPr>
+            <a:lvl5pPr marL="2057400" indent="-228600" algn="r" rtl="1">
+              <a:spcBef>
+                <a:spcPct val="20000"/>
+              </a:spcBef>
+              <a:buChar char="»"/>
+              <a:defRPr sz="2000">
+                <a:solidFill>
+                  <a:schemeClr val="tx1"/>
+                </a:solidFill>
+                <a:latin typeface="Arial" panose="020B0604020202020204" pitchFamily="34" charset="0"/>
+                <a:cs typeface="Arial" panose="020B0604020202020204" pitchFamily="34" charset="0"/>
+              </a:defRPr>
+            </a:lvl5pPr>
+            <a:lvl6pPr marL="2514600" indent="-228600" algn="r" rtl="1" eaLnBrk="0" fontAlgn="base" hangingPunct="0">
+              <a:spcBef>
+                <a:spcPct val="20000"/>
+              </a:spcBef>
+              <a:spcAft>
+                <a:spcPct val="0"/>
+              </a:spcAft>
+              <a:buChar char="»"/>
+              <a:defRPr sz="2000">
+                <a:solidFill>
+                  <a:schemeClr val="tx1"/>
+                </a:solidFill>
+                <a:latin typeface="Arial" panose="020B0604020202020204" pitchFamily="34" charset="0"/>
+                <a:cs typeface="Arial" panose="020B0604020202020204" pitchFamily="34" charset="0"/>
+              </a:defRPr>
+            </a:lvl6pPr>
+            <a:lvl7pPr marL="2971800" indent="-228600" algn="r" rtl="1" eaLnBrk="0" fontAlgn="base" hangingPunct="0">
+              <a:spcBef>
+                <a:spcPct val="20000"/>
+              </a:spcBef>
+              <a:spcAft>
+                <a:spcPct val="0"/>
+              </a:spcAft>
+              <a:buChar char="»"/>
+              <a:defRPr sz="2000">
+                <a:solidFill>
+                  <a:schemeClr val="tx1"/>
+                </a:solidFill>
+                <a:latin typeface="Arial" panose="020B0604020202020204" pitchFamily="34" charset="0"/>
+                <a:cs typeface="Arial" panose="020B0604020202020204" pitchFamily="34" charset="0"/>
+              </a:defRPr>
+            </a:lvl7pPr>
+            <a:lvl8pPr marL="3429000" indent="-228600" algn="r" rtl="1" eaLnBrk="0" fontAlgn="base" hangingPunct="0">
+              <a:spcBef>
+                <a:spcPct val="20000"/>
+              </a:spcBef>
+              <a:spcAft>
+                <a:spcPct val="0"/>
+              </a:spcAft>
+              <a:buChar char="»"/>
+              <a:defRPr sz="2000">
+                <a:solidFill>
+                  <a:schemeClr val="tx1"/>
+                </a:solidFill>
+                <a:latin typeface="Arial" panose="020B0604020202020204" pitchFamily="34" charset="0"/>
+                <a:cs typeface="Arial" panose="020B0604020202020204" pitchFamily="34" charset="0"/>
+              </a:defRPr>
+            </a:lvl8pPr>
+            <a:lvl9pPr marL="3886200" indent="-228600" algn="r" rtl="1" eaLnBrk="0" fontAlgn="base" hangingPunct="0">
+              <a:spcBef>
+                <a:spcPct val="20000"/>
+              </a:spcBef>
+              <a:spcAft>
+                <a:spcPct val="0"/>
+              </a:spcAft>
+              <a:buChar char="»"/>
+              <a:defRPr sz="2000">
+                <a:solidFill>
+                  <a:schemeClr val="tx1"/>
+                </a:solidFill>
+                <a:latin typeface="Arial" panose="020B0604020202020204" pitchFamily="34" charset="0"/>
+                <a:cs typeface="Arial" panose="020B0604020202020204" pitchFamily="34" charset="0"/>
+              </a:defRPr>
+            </a:lvl9pPr>
+          </a:lstStyle>
+          <a:p>
+            <a:pPr algn="l" rtl="0" eaLnBrk="1" hangingPunct="1">
+              <a:spcBef>
+                <a:spcPct val="0"/>
+              </a:spcBef>
+              <a:buFontTx/>
+              <a:buNone/>
+            </a:pPr>
+            <a:endParaRPr lang="en-US" altLang="en-US" sz="1800"/>
+          </a:p>
+        </p:txBody>
+      </p:sp>
+      <p:sp>
+        <p:nvSpPr>
+          <p:cNvPr id="31748" name="AutoShape 9" descr="9k="/>
+          <p:cNvSpPr>
+            <a:spLocks noChangeAspect="1" noChangeArrowheads="1"/>
+          </p:cNvSpPr>
+          <p:nvPr/>
+        </p:nvSpPr>
+        <p:spPr bwMode="auto">
+          <a:xfrm>
+            <a:off x="4419600" y="3276600"/>
+            <a:ext cx="304800" cy="304800"/>
+          </a:xfrm>
+          <a:prstGeom prst="rect">
+            <a:avLst/>
+          </a:prstGeom>
+          <a:noFill/>
+          <a:ln>
+            <a:noFill/>
+          </a:ln>
+          <a:extLst>
+            <a:ext uri="{909E8E84-426E-40DD-AFC4-6F175D3DCCD1}">
+              <a14:hiddenFill xmlns:a14="http://schemas.microsoft.com/office/drawing/2010/main">
+                <a:solidFill>
+                  <a:srgbClr val="FFFFFF"/>
+                </a:solidFill>
+              </a14:hiddenFill>
+            </a:ext>
+            <a:ext uri="{91240B29-F687-4F45-9708-019B960494DF}">
+              <a14:hiddenLine xmlns:a14="http://schemas.microsoft.com/office/drawing/2010/main" w="9525">
+                <a:solidFill>
+                  <a:srgbClr val="000000"/>
+                </a:solidFill>
+                <a:miter lim="800000"/>
+                <a:headEnd/>
+                <a:tailEnd/>
+              </a14:hiddenLine>
+            </a:ext>
+          </a:extLst>
+        </p:spPr>
+        <p:txBody>
+          <a:bodyPr/>
+          <a:lstStyle>
+            <a:lvl1pPr algn="r" rtl="1">
+              <a:spcBef>
+                <a:spcPct val="20000"/>
+              </a:spcBef>
+              <a:buChar char="•"/>
+              <a:defRPr sz="3200">
+                <a:solidFill>
+                  <a:schemeClr val="tx1"/>
+                </a:solidFill>
+                <a:latin typeface="Arial" panose="020B0604020202020204" pitchFamily="34" charset="0"/>
+                <a:cs typeface="Arial" panose="020B0604020202020204" pitchFamily="34" charset="0"/>
+              </a:defRPr>
+            </a:lvl1pPr>
+            <a:lvl2pPr marL="742950" indent="-285750" algn="r" rtl="1">
+              <a:spcBef>
+                <a:spcPct val="20000"/>
+              </a:spcBef>
+              <a:buChar char="–"/>
+              <a:defRPr sz="2800">
+                <a:solidFill>
+                  <a:schemeClr val="tx1"/>
+                </a:solidFill>
+                <a:latin typeface="Arial" panose="020B0604020202020204" pitchFamily="34" charset="0"/>
+                <a:cs typeface="Arial" panose="020B0604020202020204" pitchFamily="34" charset="0"/>
+              </a:defRPr>
+            </a:lvl2pPr>
+            <a:lvl3pPr marL="1143000" indent="-228600" algn="r" rtl="1">
+              <a:spcBef>
+                <a:spcPct val="20000"/>
+              </a:spcBef>
+              <a:buChar char="•"/>
+              <a:defRPr sz="2400">
+                <a:solidFill>
+                  <a:schemeClr val="tx1"/>
+                </a:solidFill>
+                <a:latin typeface="Arial" panose="020B0604020202020204" pitchFamily="34" charset="0"/>
+                <a:cs typeface="Arial" panose="020B0604020202020204" pitchFamily="34" charset="0"/>
+              </a:defRPr>
+            </a:lvl3pPr>
+            <a:lvl4pPr marL="1600200" indent="-228600" algn="r" rtl="1">
+              <a:spcBef>
+                <a:spcPct val="20000"/>
+              </a:spcBef>
+              <a:buChar char="–"/>
+              <a:defRPr sz="2000">
+                <a:solidFill>
+                  <a:schemeClr val="tx1"/>
+                </a:solidFill>
+                <a:latin typeface="Arial" panose="020B0604020202020204" pitchFamily="34" charset="0"/>
+                <a:cs typeface="Arial" panose="020B0604020202020204" pitchFamily="34" charset="0"/>
+              </a:defRPr>
+            </a:lvl4pPr>
+            <a:lvl5pPr marL="2057400" indent="-228600" algn="r" rtl="1">
+              <a:spcBef>
+                <a:spcPct val="20000"/>
+              </a:spcBef>
+              <a:buChar char="»"/>
+              <a:defRPr sz="2000">
+                <a:solidFill>
+                  <a:schemeClr val="tx1"/>
+                </a:solidFill>
+                <a:latin typeface="Arial" panose="020B0604020202020204" pitchFamily="34" charset="0"/>
+                <a:cs typeface="Arial" panose="020B0604020202020204" pitchFamily="34" charset="0"/>
+              </a:defRPr>
+            </a:lvl5pPr>
+            <a:lvl6pPr marL="2514600" indent="-228600" algn="r" rtl="1" eaLnBrk="0" fontAlgn="base" hangingPunct="0">
+              <a:spcBef>
+                <a:spcPct val="20000"/>
+              </a:spcBef>
+              <a:spcAft>
+                <a:spcPct val="0"/>
+              </a:spcAft>
+              <a:buChar char="»"/>
+              <a:defRPr sz="2000">
+                <a:solidFill>
+                  <a:schemeClr val="tx1"/>
+                </a:solidFill>
+                <a:latin typeface="Arial" panose="020B0604020202020204" pitchFamily="34" charset="0"/>
+                <a:cs typeface="Arial" panose="020B0604020202020204" pitchFamily="34" charset="0"/>
+              </a:defRPr>
+            </a:lvl6pPr>
+            <a:lvl7pPr marL="2971800" indent="-228600" algn="r" rtl="1" eaLnBrk="0" fontAlgn="base" hangingPunct="0">
+              <a:spcBef>
+                <a:spcPct val="20000"/>
+              </a:spcBef>
+              <a:spcAft>
+                <a:spcPct val="0"/>
+              </a:spcAft>
+              <a:buChar char="»"/>
+              <a:defRPr sz="2000">
+                <a:solidFill>
+                  <a:schemeClr val="tx1"/>
+                </a:solidFill>
+                <a:latin typeface="Arial" panose="020B0604020202020204" pitchFamily="34" charset="0"/>
+                <a:cs typeface="Arial" panose="020B0604020202020204" pitchFamily="34" charset="0"/>
+              </a:defRPr>
+            </a:lvl7pPr>
+            <a:lvl8pPr marL="3429000" indent="-228600" algn="r" rtl="1" eaLnBrk="0" fontAlgn="base" hangingPunct="0">
+              <a:spcBef>
+                <a:spcPct val="20000"/>
+              </a:spcBef>
+              <a:spcAft>
+                <a:spcPct val="0"/>
+              </a:spcAft>
+              <a:buChar char="»"/>
+              <a:defRPr sz="2000">
+                <a:solidFill>
+                  <a:schemeClr val="tx1"/>
+                </a:solidFill>
+                <a:latin typeface="Arial" panose="020B0604020202020204" pitchFamily="34" charset="0"/>
+                <a:cs typeface="Arial" panose="020B0604020202020204" pitchFamily="34" charset="0"/>
+              </a:defRPr>
+            </a:lvl8pPr>
+            <a:lvl9pPr marL="3886200" indent="-228600" algn="r" rtl="1" eaLnBrk="0" fontAlgn="base" hangingPunct="0">
+              <a:spcBef>
+                <a:spcPct val="20000"/>
+              </a:spcBef>
+              <a:spcAft>
+                <a:spcPct val="0"/>
+              </a:spcAft>
+              <a:buChar char="»"/>
+              <a:defRPr sz="2000">
+                <a:solidFill>
+                  <a:schemeClr val="tx1"/>
+                </a:solidFill>
+                <a:latin typeface="Arial" panose="020B0604020202020204" pitchFamily="34" charset="0"/>
+                <a:cs typeface="Arial" panose="020B0604020202020204" pitchFamily="34" charset="0"/>
+              </a:defRPr>
+            </a:lvl9pPr>
+          </a:lstStyle>
+          <a:p>
+            <a:pPr algn="l" rtl="0" eaLnBrk="1" hangingPunct="1">
+              <a:spcBef>
+                <a:spcPct val="0"/>
+              </a:spcBef>
+              <a:buFontTx/>
+              <a:buNone/>
+            </a:pPr>
+            <a:endParaRPr lang="en-US" altLang="en-US" sz="1800"/>
+          </a:p>
+        </p:txBody>
+      </p:sp>
+      <p:sp>
+        <p:nvSpPr>
+          <p:cNvPr id="31749" name="Rectangle 24"/>
+          <p:cNvSpPr>
+            <a:spLocks noChangeArrowheads="1"/>
+          </p:cNvSpPr>
+          <p:nvPr/>
+        </p:nvSpPr>
+        <p:spPr bwMode="auto">
+          <a:xfrm>
+            <a:off x="-107950" y="431800"/>
+            <a:ext cx="7123113" cy="1125538"/>
+          </a:xfrm>
+          <a:prstGeom prst="rect">
+            <a:avLst/>
+          </a:prstGeom>
+          <a:noFill/>
+          <a:ln>
+            <a:noFill/>
+          </a:ln>
+          <a:extLst>
+            <a:ext uri="{909E8E84-426E-40DD-AFC4-6F175D3DCCD1}">
+              <a14:hiddenFill xmlns:a14="http://schemas.microsoft.com/office/drawing/2010/main">
+                <a:solidFill>
+                  <a:srgbClr val="FFFFFF"/>
+                </a:solidFill>
+              </a14:hiddenFill>
+            </a:ext>
+            <a:ext uri="{91240B29-F687-4F45-9708-019B960494DF}">
+              <a14:hiddenLine xmlns:a14="http://schemas.microsoft.com/office/drawing/2010/main" w="9525">
+                <a:solidFill>
+                  <a:srgbClr val="000000"/>
+                </a:solidFill>
+                <a:miter lim="800000"/>
+                <a:headEnd/>
+                <a:tailEnd/>
+              </a14:hiddenLine>
+            </a:ext>
+          </a:extLst>
+        </p:spPr>
+        <p:txBody>
+          <a:bodyPr anchor="ctr"/>
+          <a:lstStyle>
+            <a:lvl1pPr algn="r" rtl="1">
+              <a:spcBef>
+                <a:spcPct val="20000"/>
+              </a:spcBef>
+              <a:buChar char="•"/>
+              <a:defRPr sz="3200">
+                <a:solidFill>
+                  <a:schemeClr val="tx1"/>
+                </a:solidFill>
+                <a:latin typeface="Arial" panose="020B0604020202020204" pitchFamily="34" charset="0"/>
+                <a:cs typeface="Arial" panose="020B0604020202020204" pitchFamily="34" charset="0"/>
+              </a:defRPr>
+            </a:lvl1pPr>
+            <a:lvl2pPr marL="742950" indent="-285750" algn="r" rtl="1">
+              <a:spcBef>
+                <a:spcPct val="20000"/>
+              </a:spcBef>
+              <a:buChar char="–"/>
+              <a:defRPr sz="2800">
+                <a:solidFill>
+                  <a:schemeClr val="tx1"/>
+                </a:solidFill>
+                <a:latin typeface="Arial" panose="020B0604020202020204" pitchFamily="34" charset="0"/>
+                <a:cs typeface="Arial" panose="020B0604020202020204" pitchFamily="34" charset="0"/>
+              </a:defRPr>
+            </a:lvl2pPr>
+            <a:lvl3pPr marL="1143000" indent="-228600" algn="r" rtl="1">
+              <a:spcBef>
+                <a:spcPct val="20000"/>
+              </a:spcBef>
+              <a:buChar char="•"/>
+              <a:defRPr sz="2400">
+                <a:solidFill>
+                  <a:schemeClr val="tx1"/>
+                </a:solidFill>
+                <a:latin typeface="Arial" panose="020B0604020202020204" pitchFamily="34" charset="0"/>
+                <a:cs typeface="Arial" panose="020B0604020202020204" pitchFamily="34" charset="0"/>
+              </a:defRPr>
+            </a:lvl3pPr>
+            <a:lvl4pPr marL="1600200" indent="-228600" algn="r" rtl="1">
+              <a:spcBef>
+                <a:spcPct val="20000"/>
+              </a:spcBef>
+              <a:buChar char="–"/>
+              <a:defRPr sz="2000">
+                <a:solidFill>
+                  <a:schemeClr val="tx1"/>
+                </a:solidFill>
+                <a:latin typeface="Arial" panose="020B0604020202020204" pitchFamily="34" charset="0"/>
+                <a:cs typeface="Arial" panose="020B0604020202020204" pitchFamily="34" charset="0"/>
+              </a:defRPr>
+            </a:lvl4pPr>
+            <a:lvl5pPr marL="2057400" indent="-228600" algn="r" rtl="1">
+              <a:spcBef>
+                <a:spcPct val="20000"/>
+              </a:spcBef>
+              <a:buChar char="»"/>
+              <a:defRPr sz="2000">
+                <a:solidFill>
+                  <a:schemeClr val="tx1"/>
+                </a:solidFill>
+                <a:latin typeface="Arial" panose="020B0604020202020204" pitchFamily="34" charset="0"/>
+                <a:cs typeface="Arial" panose="020B0604020202020204" pitchFamily="34" charset="0"/>
+              </a:defRPr>
+            </a:lvl5pPr>
+            <a:lvl6pPr marL="2514600" indent="-228600" algn="r" rtl="1" eaLnBrk="0" fontAlgn="base" hangingPunct="0">
+              <a:spcBef>
+                <a:spcPct val="20000"/>
+              </a:spcBef>
+              <a:spcAft>
+                <a:spcPct val="0"/>
+              </a:spcAft>
+              <a:buChar char="»"/>
+              <a:defRPr sz="2000">
+                <a:solidFill>
+                  <a:schemeClr val="tx1"/>
+                </a:solidFill>
+                <a:latin typeface="Arial" panose="020B0604020202020204" pitchFamily="34" charset="0"/>
+                <a:cs typeface="Arial" panose="020B0604020202020204" pitchFamily="34" charset="0"/>
+              </a:defRPr>
+            </a:lvl6pPr>
+            <a:lvl7pPr marL="2971800" indent="-228600" algn="r" rtl="1" eaLnBrk="0" fontAlgn="base" hangingPunct="0">
+              <a:spcBef>
+                <a:spcPct val="20000"/>
+              </a:spcBef>
+              <a:spcAft>
+                <a:spcPct val="0"/>
+              </a:spcAft>
+              <a:buChar char="»"/>
+              <a:defRPr sz="2000">
+                <a:solidFill>
+                  <a:schemeClr val="tx1"/>
+                </a:solidFill>
+                <a:latin typeface="Arial" panose="020B0604020202020204" pitchFamily="34" charset="0"/>
+                <a:cs typeface="Arial" panose="020B0604020202020204" pitchFamily="34" charset="0"/>
+              </a:defRPr>
+            </a:lvl7pPr>
+            <a:lvl8pPr marL="3429000" indent="-228600" algn="r" rtl="1" eaLnBrk="0" fontAlgn="base" hangingPunct="0">
+              <a:spcBef>
+                <a:spcPct val="20000"/>
+              </a:spcBef>
+              <a:spcAft>
+                <a:spcPct val="0"/>
+              </a:spcAft>
+              <a:buChar char="»"/>
+              <a:defRPr sz="2000">
+                <a:solidFill>
+                  <a:schemeClr val="tx1"/>
+                </a:solidFill>
+                <a:latin typeface="Arial" panose="020B0604020202020204" pitchFamily="34" charset="0"/>
+                <a:cs typeface="Arial" panose="020B0604020202020204" pitchFamily="34" charset="0"/>
+              </a:defRPr>
+            </a:lvl8pPr>
+            <a:lvl9pPr marL="3886200" indent="-228600" algn="r" rtl="1" eaLnBrk="0" fontAlgn="base" hangingPunct="0">
+              <a:spcBef>
+                <a:spcPct val="20000"/>
+              </a:spcBef>
+              <a:spcAft>
+                <a:spcPct val="0"/>
+              </a:spcAft>
+              <a:buChar char="»"/>
+              <a:defRPr sz="2000">
+                <a:solidFill>
+                  <a:schemeClr val="tx1"/>
+                </a:solidFill>
+                <a:latin typeface="Arial" panose="020B0604020202020204" pitchFamily="34" charset="0"/>
+                <a:cs typeface="Arial" panose="020B0604020202020204" pitchFamily="34" charset="0"/>
+              </a:defRPr>
+            </a:lvl9pPr>
+          </a:lstStyle>
+          <a:p>
+            <a:pPr algn="ctr" rtl="0" eaLnBrk="1" hangingPunct="1">
+              <a:spcBef>
+                <a:spcPct val="0"/>
+              </a:spcBef>
+              <a:buFontTx/>
+              <a:buNone/>
+            </a:pPr>
+            <a:r>
+              <a:rPr lang="en-US" altLang="en-US" sz="4800">
+                <a:solidFill>
+                  <a:srgbClr val="0066FF"/>
+                </a:solidFill>
+                <a:latin typeface="Calibri" panose="020F0502020204030204" pitchFamily="34" charset="0"/>
+              </a:rPr>
+              <a:t>Next steps with Arduino – </a:t>
+            </a:r>
+          </a:p>
+          <a:p>
+            <a:pPr algn="ctr" rtl="0" eaLnBrk="1" hangingPunct="1">
+              <a:spcBef>
+                <a:spcPct val="0"/>
+              </a:spcBef>
+              <a:buFontTx/>
+              <a:buNone/>
+            </a:pPr>
+            <a:r>
+              <a:rPr lang="en-US" altLang="en-US" sz="4000">
+                <a:latin typeface="Calibri" panose="020F0502020204030204" pitchFamily="34" charset="0"/>
+              </a:rPr>
+              <a:t>Using Arduino for lab work</a:t>
+            </a:r>
+            <a:endParaRPr lang="en-US" altLang="en-US" sz="4000">
+              <a:solidFill>
+                <a:srgbClr val="0066FF"/>
+              </a:solidFill>
+              <a:latin typeface="Calibri" panose="020F0502020204030204" pitchFamily="34" charset="0"/>
+            </a:endParaRPr>
+          </a:p>
+        </p:txBody>
+      </p:sp>
+      <p:pic>
+        <p:nvPicPr>
+          <p:cNvPr id="31750" name="Picture 8" descr="ArduinoBoard"/>
+          <p:cNvPicPr>
+            <a:picLocks noChangeAspect="1" noChangeArrowheads="1"/>
+          </p:cNvPicPr>
+          <p:nvPr/>
+        </p:nvPicPr>
+        <p:blipFill>
+          <a:blip r:embed="rId3" cstate="print">
+            <a:extLst>
+              <a:ext uri="{28A0092B-C50C-407E-A947-70E740481C1C}">
+                <a14:useLocalDpi xmlns:a14="http://schemas.microsoft.com/office/drawing/2010/main" val="0"/>
+              </a:ext>
+            </a:extLst>
+          </a:blip>
+          <a:srcRect l="1242" r="-110" b="3995"/>
+          <a:stretch>
+            <a:fillRect/>
+          </a:stretch>
+        </p:blipFill>
+        <p:spPr bwMode="auto">
+          <a:xfrm>
+            <a:off x="6473825" y="1628775"/>
+            <a:ext cx="2346325" cy="1619250"/>
+          </a:xfrm>
+          <a:prstGeom prst="rect">
+            <a:avLst/>
+          </a:prstGeom>
+          <a:noFill/>
+          <a:ln>
+            <a:noFill/>
+          </a:ln>
+          <a:extLst>
+            <a:ext uri="{909E8E84-426E-40DD-AFC4-6F175D3DCCD1}">
+              <a14:hiddenFill xmlns:a14="http://schemas.microsoft.com/office/drawing/2010/main">
+                <a:solidFill>
+                  <a:srgbClr val="FFFFFF"/>
+                </a:solidFill>
+              </a14:hiddenFill>
+            </a:ext>
+            <a:ext uri="{91240B29-F687-4F45-9708-019B960494DF}">
+              <a14:hiddenLine xmlns:a14="http://schemas.microsoft.com/office/drawing/2010/main" w="9525">
+                <a:solidFill>
+                  <a:srgbClr val="000000"/>
+                </a:solidFill>
+                <a:miter lim="800000"/>
+                <a:headEnd/>
+                <a:tailEnd/>
+              </a14:hiddenLine>
+            </a:ext>
+          </a:extLst>
+        </p:spPr>
+      </p:pic>
+      <p:pic>
+        <p:nvPicPr>
+          <p:cNvPr id="31751" name="Picture 44"/>
+          <p:cNvPicPr>
+            <a:picLocks noChangeAspect="1" noChangeArrowheads="1"/>
+          </p:cNvPicPr>
+          <p:nvPr/>
+        </p:nvPicPr>
+        <p:blipFill>
+          <a:blip r:embed="rId4">
+            <a:extLst>
+              <a:ext uri="{28A0092B-C50C-407E-A947-70E740481C1C}">
+                <a14:useLocalDpi xmlns:a14="http://schemas.microsoft.com/office/drawing/2010/main" val="0"/>
+              </a:ext>
+            </a:extLst>
+          </a:blip>
+          <a:srcRect/>
+          <a:stretch>
+            <a:fillRect/>
+          </a:stretch>
+        </p:blipFill>
+        <p:spPr bwMode="auto">
+          <a:xfrm>
+            <a:off x="250825" y="3276600"/>
+            <a:ext cx="3635375" cy="2425700"/>
+          </a:xfrm>
+          <a:prstGeom prst="rect">
+            <a:avLst/>
+          </a:prstGeom>
+          <a:noFill/>
+          <a:ln>
+            <a:noFill/>
+          </a:ln>
+          <a:extLst>
+            <a:ext uri="{909E8E84-426E-40DD-AFC4-6F175D3DCCD1}">
+              <a14:hiddenFill xmlns:a14="http://schemas.microsoft.com/office/drawing/2010/main">
+                <a:solidFill>
+                  <a:srgbClr val="FFFFFF"/>
+                </a:solidFill>
+              </a14:hiddenFill>
+            </a:ext>
+            <a:ext uri="{91240B29-F687-4F45-9708-019B960494DF}">
+              <a14:hiddenLine xmlns:a14="http://schemas.microsoft.com/office/drawing/2010/main" w="9525">
+                <a:solidFill>
+                  <a:srgbClr val="000000"/>
+                </a:solidFill>
+                <a:miter lim="800000"/>
+                <a:headEnd/>
+                <a:tailEnd/>
+              </a14:hiddenLine>
+            </a:ext>
+          </a:extLst>
+        </p:spPr>
+      </p:pic>
+      <p:pic>
+        <p:nvPicPr>
+          <p:cNvPr id="31752" name="Picture 3" descr="C:\Documents and Settings\user\My Documents\My Dropbox\Arduino\WorkShop\photos\DSCN2641.JPG"/>
+          <p:cNvPicPr>
+            <a:picLocks noChangeAspect="1" noChangeArrowheads="1"/>
+          </p:cNvPicPr>
+          <p:nvPr/>
+        </p:nvPicPr>
+        <p:blipFill>
+          <a:blip r:embed="rId5">
+            <a:extLst>
+              <a:ext uri="{28A0092B-C50C-407E-A947-70E740481C1C}">
+                <a14:useLocalDpi xmlns:a14="http://schemas.microsoft.com/office/drawing/2010/main" val="0"/>
+              </a:ext>
+            </a:extLst>
+          </a:blip>
+          <a:srcRect l="8092" t="15176" b="8350"/>
+          <a:stretch>
+            <a:fillRect/>
+          </a:stretch>
+        </p:blipFill>
+        <p:spPr bwMode="auto">
+          <a:xfrm>
+            <a:off x="5143500" y="3581400"/>
+            <a:ext cx="3676650" cy="2295525"/>
+          </a:xfrm>
+          <a:prstGeom prst="rect">
+            <a:avLst/>
+          </a:prstGeom>
+          <a:noFill/>
+          <a:ln>
+            <a:noFill/>
+          </a:ln>
+          <a:extLst>
+            <a:ext uri="{909E8E84-426E-40DD-AFC4-6F175D3DCCD1}">
+              <a14:hiddenFill xmlns:a14="http://schemas.microsoft.com/office/drawing/2010/main">
+                <a:solidFill>
+                  <a:srgbClr val="FFFFFF"/>
+                </a:solidFill>
+              </a14:hiddenFill>
+            </a:ext>
+            <a:ext uri="{91240B29-F687-4F45-9708-019B960494DF}">
+              <a14:hiddenLine xmlns:a14="http://schemas.microsoft.com/office/drawing/2010/main" w="9525">
+                <a:solidFill>
+                  <a:srgbClr val="000000"/>
+                </a:solidFill>
+                <a:miter lim="800000"/>
+                <a:headEnd/>
+                <a:tailEnd/>
+              </a14:hiddenLine>
+            </a:ext>
+          </a:extLst>
+        </p:spPr>
+      </p:pic>
+      <p:sp>
+        <p:nvSpPr>
+          <p:cNvPr id="31753" name="Rectangle 1"/>
+          <p:cNvSpPr>
+            <a:spLocks noChangeArrowheads="1"/>
+          </p:cNvSpPr>
+          <p:nvPr/>
+        </p:nvSpPr>
+        <p:spPr bwMode="auto">
+          <a:xfrm>
+            <a:off x="3708400" y="1196975"/>
+            <a:ext cx="1887538" cy="3770313"/>
+          </a:xfrm>
+          <a:prstGeom prst="rect">
+            <a:avLst/>
+          </a:prstGeom>
+          <a:noFill/>
+          <a:ln>
+            <a:noFill/>
+          </a:ln>
+          <a:extLst>
+            <a:ext uri="{909E8E84-426E-40DD-AFC4-6F175D3DCCD1}">
+              <a14:hiddenFill xmlns:a14="http://schemas.microsoft.com/office/drawing/2010/main">
+                <a:solidFill>
+                  <a:srgbClr val="FFFFFF"/>
+                </a:solidFill>
+              </a14:hiddenFill>
+            </a:ext>
+            <a:ext uri="{91240B29-F687-4F45-9708-019B960494DF}">
+              <a14:hiddenLine xmlns:a14="http://schemas.microsoft.com/office/drawing/2010/main" w="9525">
+                <a:solidFill>
+                  <a:srgbClr val="000000"/>
+                </a:solidFill>
+                <a:miter lim="800000"/>
+                <a:headEnd/>
+                <a:tailEnd/>
+              </a14:hiddenLine>
+            </a:ext>
+          </a:extLst>
+        </p:spPr>
+        <p:txBody>
+          <a:bodyPr wrap="none">
+            <a:spAutoFit/>
+          </a:bodyPr>
+          <a:lstStyle>
+            <a:lvl1pPr algn="r" rtl="1">
+              <a:spcBef>
+                <a:spcPct val="20000"/>
+              </a:spcBef>
+              <a:buChar char="•"/>
+              <a:defRPr sz="3200">
+                <a:solidFill>
+                  <a:schemeClr val="tx1"/>
+                </a:solidFill>
+                <a:latin typeface="Arial" panose="020B0604020202020204" pitchFamily="34" charset="0"/>
+                <a:cs typeface="Arial" panose="020B0604020202020204" pitchFamily="34" charset="0"/>
+              </a:defRPr>
+            </a:lvl1pPr>
+            <a:lvl2pPr marL="742950" indent="-285750" algn="r" rtl="1">
+              <a:spcBef>
+                <a:spcPct val="20000"/>
+              </a:spcBef>
+              <a:buChar char="–"/>
+              <a:defRPr sz="2800">
+                <a:solidFill>
+                  <a:schemeClr val="tx1"/>
+                </a:solidFill>
+                <a:latin typeface="Arial" panose="020B0604020202020204" pitchFamily="34" charset="0"/>
+                <a:cs typeface="Arial" panose="020B0604020202020204" pitchFamily="34" charset="0"/>
+              </a:defRPr>
+            </a:lvl2pPr>
+            <a:lvl3pPr marL="1143000" indent="-228600" algn="r" rtl="1">
+              <a:spcBef>
+                <a:spcPct val="20000"/>
+              </a:spcBef>
+              <a:buChar char="•"/>
+              <a:defRPr sz="2400">
+                <a:solidFill>
+                  <a:schemeClr val="tx1"/>
+                </a:solidFill>
+                <a:latin typeface="Arial" panose="020B0604020202020204" pitchFamily="34" charset="0"/>
+                <a:cs typeface="Arial" panose="020B0604020202020204" pitchFamily="34" charset="0"/>
+              </a:defRPr>
+            </a:lvl3pPr>
+            <a:lvl4pPr marL="1600200" indent="-228600" algn="r" rtl="1">
+              <a:spcBef>
+                <a:spcPct val="20000"/>
+              </a:spcBef>
+              <a:buChar char="–"/>
+              <a:defRPr sz="2000">
+                <a:solidFill>
+                  <a:schemeClr val="tx1"/>
+                </a:solidFill>
+                <a:latin typeface="Arial" panose="020B0604020202020204" pitchFamily="34" charset="0"/>
+                <a:cs typeface="Arial" panose="020B0604020202020204" pitchFamily="34" charset="0"/>
+              </a:defRPr>
+            </a:lvl4pPr>
+            <a:lvl5pPr marL="2057400" indent="-228600" algn="r" rtl="1">
+              <a:spcBef>
+                <a:spcPct val="20000"/>
+              </a:spcBef>
+              <a:buChar char="»"/>
+              <a:defRPr sz="2000">
+                <a:solidFill>
+                  <a:schemeClr val="tx1"/>
+                </a:solidFill>
+                <a:latin typeface="Arial" panose="020B0604020202020204" pitchFamily="34" charset="0"/>
+                <a:cs typeface="Arial" panose="020B0604020202020204" pitchFamily="34" charset="0"/>
+              </a:defRPr>
+            </a:lvl5pPr>
+            <a:lvl6pPr marL="2514600" indent="-228600" algn="r" rtl="1" eaLnBrk="0" fontAlgn="base" hangingPunct="0">
+              <a:spcBef>
+                <a:spcPct val="20000"/>
+              </a:spcBef>
+              <a:spcAft>
+                <a:spcPct val="0"/>
+              </a:spcAft>
+              <a:buChar char="»"/>
+              <a:defRPr sz="2000">
+                <a:solidFill>
+                  <a:schemeClr val="tx1"/>
+                </a:solidFill>
+                <a:latin typeface="Arial" panose="020B0604020202020204" pitchFamily="34" charset="0"/>
+                <a:cs typeface="Arial" panose="020B0604020202020204" pitchFamily="34" charset="0"/>
+              </a:defRPr>
+            </a:lvl6pPr>
+            <a:lvl7pPr marL="2971800" indent="-228600" algn="r" rtl="1" eaLnBrk="0" fontAlgn="base" hangingPunct="0">
+              <a:spcBef>
+                <a:spcPct val="20000"/>
+              </a:spcBef>
+              <a:spcAft>
+                <a:spcPct val="0"/>
+              </a:spcAft>
+              <a:buChar char="»"/>
+              <a:defRPr sz="2000">
+                <a:solidFill>
+                  <a:schemeClr val="tx1"/>
+                </a:solidFill>
+                <a:latin typeface="Arial" panose="020B0604020202020204" pitchFamily="34" charset="0"/>
+                <a:cs typeface="Arial" panose="020B0604020202020204" pitchFamily="34" charset="0"/>
+              </a:defRPr>
+            </a:lvl7pPr>
+            <a:lvl8pPr marL="3429000" indent="-228600" algn="r" rtl="1" eaLnBrk="0" fontAlgn="base" hangingPunct="0">
+              <a:spcBef>
+                <a:spcPct val="20000"/>
+              </a:spcBef>
+              <a:spcAft>
+                <a:spcPct val="0"/>
+              </a:spcAft>
+              <a:buChar char="»"/>
+              <a:defRPr sz="2000">
+                <a:solidFill>
+                  <a:schemeClr val="tx1"/>
+                </a:solidFill>
+                <a:latin typeface="Arial" panose="020B0604020202020204" pitchFamily="34" charset="0"/>
+                <a:cs typeface="Arial" panose="020B0604020202020204" pitchFamily="34" charset="0"/>
+              </a:defRPr>
+            </a:lvl8pPr>
+            <a:lvl9pPr marL="3886200" indent="-228600" algn="r" rtl="1" eaLnBrk="0" fontAlgn="base" hangingPunct="0">
+              <a:spcBef>
+                <a:spcPct val="20000"/>
+              </a:spcBef>
+              <a:spcAft>
+                <a:spcPct val="0"/>
+              </a:spcAft>
+              <a:buChar char="»"/>
+              <a:defRPr sz="2000">
+                <a:solidFill>
+                  <a:schemeClr val="tx1"/>
+                </a:solidFill>
+                <a:latin typeface="Arial" panose="020B0604020202020204" pitchFamily="34" charset="0"/>
+                <a:cs typeface="Arial" panose="020B0604020202020204" pitchFamily="34" charset="0"/>
+              </a:defRPr>
+            </a:lvl9pPr>
+          </a:lstStyle>
+          <a:p>
+            <a:pPr algn="l" rtl="0" eaLnBrk="1" hangingPunct="1">
+              <a:spcBef>
+                <a:spcPct val="0"/>
+              </a:spcBef>
+              <a:buFontTx/>
+              <a:buNone/>
+            </a:pPr>
+            <a:r>
+              <a:rPr lang="en-US" altLang="en-US" sz="23900"/>
+              <a:t>?</a:t>
+            </a:r>
+          </a:p>
+        </p:txBody>
+      </p:sp>
+    </p:spTree>
+  </p:cSld>
+  <p:clrMapOvr>
+    <a:masterClrMapping/>
+  </p:clrMapOvr>
+  <p:timing>
+    <p:tnLst>
+      <p:par>
+        <p:cTn id="1" dur="indefinite" restart="never" nodeType="tmRoot"/>
+      </p:par>
+    </p:tnLst>
+  </p:timing>
+</p:sld>
+</file>
+
+<file path=ppt/slides/slide28.xml><?xml version="1.0" encoding="utf-8"?>
 <p:sld xmlns:a="http://schemas.openxmlformats.org/drawingml/2006/main" xmlns:r="http://schemas.openxmlformats.org/officeDocument/2006/relationships" xmlns:p="http://schemas.openxmlformats.org/presentationml/2006/main">
   <p:cSld>
     <p:spTree>
@@ -18388,7 +17059,7 @@
           <a:graphicData uri="http://schemas.openxmlformats.org/presentationml/2006/ole">
             <mc:AlternateContent xmlns:mc="http://schemas.openxmlformats.org/markup-compatibility/2006">
               <mc:Choice xmlns:v="urn:schemas-microsoft-com:vml" Requires="v">
-                <p:oleObj spid="_x0000_s43023" name="Equation" r:id="rId5" imgW="507780" imgH="355446" progId="Equation.3">
+                <p:oleObj spid="_x0000_s43025" name="Equation" r:id="rId5" imgW="507780" imgH="355446" progId="Equation.3">
                   <p:embed/>
                 </p:oleObj>
               </mc:Choice>
@@ -19105,287 +17776,7 @@
 </p:sld>
 </file>
 
-<file path=ppt/slides/slide3.xml><?xml version="1.0" encoding="utf-8"?>
-<p:sld xmlns:a="http://schemas.openxmlformats.org/drawingml/2006/main" xmlns:r="http://schemas.openxmlformats.org/officeDocument/2006/relationships" xmlns:p="http://schemas.openxmlformats.org/presentationml/2006/main">
-  <p:cSld>
-    <p:spTree>
-      <p:nvGrpSpPr>
-        <p:cNvPr id="1" name=""/>
-        <p:cNvGrpSpPr/>
-        <p:nvPr/>
-      </p:nvGrpSpPr>
-      <p:grpSpPr>
-        <a:xfrm>
-          <a:off x="0" y="0"/>
-          <a:ext cx="0" cy="0"/>
-          <a:chOff x="0" y="0"/>
-          <a:chExt cx="0" cy="0"/>
-        </a:xfrm>
-      </p:grpSpPr>
-      <p:sp>
-        <p:nvSpPr>
-          <p:cNvPr id="7170" name="Rectangle 2"/>
-          <p:cNvSpPr>
-            <a:spLocks noGrp="1" noChangeArrowheads="1"/>
-          </p:cNvSpPr>
-          <p:nvPr>
-            <p:ph type="body" idx="1"/>
-          </p:nvPr>
-        </p:nvSpPr>
-        <p:spPr>
-          <a:xfrm>
-            <a:off x="61913" y="1198563"/>
-            <a:ext cx="8686800" cy="4175125"/>
-          </a:xfrm>
-        </p:spPr>
-        <p:txBody>
-          <a:bodyPr/>
-          <a:lstStyle/>
-          <a:p>
-            <a:pPr lvl="1" algn="l" rtl="0" eaLnBrk="1" hangingPunct="1">
-              <a:buSzPct val="80000"/>
-              <a:buFont typeface="Wingdings" panose="05000000000000000000" pitchFamily="2" charset="2"/>
-              <a:buBlip>
-                <a:blip r:embed="rId2"/>
-              </a:buBlip>
-            </a:pPr>
-            <a:r>
-              <a:rPr lang="en-US" altLang="en-US" dirty="0" smtClean="0">
-                <a:latin typeface="Calibri" panose="020F0502020204030204" pitchFamily="34" charset="0"/>
-                <a:cs typeface="Courier New" panose="02070309020205020404" pitchFamily="49" charset="0"/>
-              </a:rPr>
-              <a:t>Basics – Review/Questions</a:t>
-            </a:r>
-          </a:p>
-          <a:p>
-            <a:pPr lvl="1" algn="l" rtl="0" eaLnBrk="1" hangingPunct="1">
-              <a:buSzPct val="80000"/>
-              <a:buFont typeface="Wingdings" panose="05000000000000000000" pitchFamily="2" charset="2"/>
-              <a:buBlip>
-                <a:blip r:embed="rId2"/>
-              </a:buBlip>
-            </a:pPr>
-            <a:r>
-              <a:rPr lang="en-US" altLang="en-US" dirty="0" smtClean="0">
-                <a:latin typeface="Calibri" panose="020F0502020204030204" pitchFamily="34" charset="0"/>
-                <a:cs typeface="Courier New" panose="02070309020205020404" pitchFamily="49" charset="0"/>
-              </a:rPr>
-              <a:t>Analog Vs. Digital</a:t>
-            </a:r>
-          </a:p>
-          <a:p>
-            <a:pPr lvl="1" algn="l" rtl="0" eaLnBrk="1" hangingPunct="1">
-              <a:buSzPct val="80000"/>
-              <a:buFontTx/>
-              <a:buBlip>
-                <a:blip r:embed="rId2"/>
-              </a:buBlip>
-            </a:pPr>
-            <a:r>
-              <a:rPr lang="en-US" altLang="en-US" dirty="0" smtClean="0">
-                <a:latin typeface="Calibri" panose="020F0502020204030204" pitchFamily="34" charset="0"/>
-                <a:cs typeface="Courier New" panose="02070309020205020404" pitchFamily="49" charset="0"/>
-              </a:rPr>
-              <a:t>Presenting data graphically </a:t>
-            </a:r>
-            <a:endParaRPr lang="en-US" altLang="en-US" dirty="0" smtClean="0">
-              <a:latin typeface="Calibri" panose="020F0502020204030204" pitchFamily="34" charset="0"/>
-              <a:cs typeface="Courier New" panose="02070309020205020404" pitchFamily="49" charset="0"/>
-            </a:endParaRPr>
-          </a:p>
-          <a:p>
-            <a:pPr lvl="1" algn="l" rtl="0" eaLnBrk="1" hangingPunct="1">
-              <a:buSzPct val="80000"/>
-              <a:buFontTx/>
-              <a:buBlip>
-                <a:blip r:embed="rId2"/>
-              </a:buBlip>
-            </a:pPr>
-            <a:r>
-              <a:rPr lang="en-GB" altLang="en-US" dirty="0" smtClean="0">
-                <a:latin typeface="Calibri" panose="020F0502020204030204" pitchFamily="34" charset="0"/>
-                <a:cs typeface="Courier New" panose="02070309020205020404" pitchFamily="49" charset="0"/>
-              </a:rPr>
-              <a:t>Data-Transfer protocols </a:t>
-            </a:r>
-            <a:endParaRPr lang="en-US" altLang="en-US" dirty="0" smtClean="0">
-              <a:latin typeface="Calibri" panose="020F0502020204030204" pitchFamily="34" charset="0"/>
-              <a:cs typeface="Courier New" panose="02070309020205020404" pitchFamily="49" charset="0"/>
-            </a:endParaRPr>
-          </a:p>
-          <a:p>
-            <a:pPr lvl="1" algn="l" rtl="0" eaLnBrk="1" hangingPunct="1">
-              <a:buSzPct val="80000"/>
-              <a:buFont typeface="Wingdings" panose="05000000000000000000" pitchFamily="2" charset="2"/>
-              <a:buBlip>
-                <a:blip r:embed="rId2"/>
-              </a:buBlip>
-            </a:pPr>
-            <a:r>
-              <a:rPr lang="en-US" altLang="en-US" dirty="0" smtClean="0">
-                <a:latin typeface="Calibri" panose="020F0502020204030204" pitchFamily="34" charset="0"/>
-                <a:cs typeface="Courier New" panose="02070309020205020404" pitchFamily="49" charset="0"/>
-              </a:rPr>
-              <a:t>Data-logging</a:t>
-            </a:r>
-          </a:p>
-          <a:p>
-            <a:pPr lvl="1" algn="l" rtl="0" eaLnBrk="1" hangingPunct="1">
-              <a:buSzPct val="80000"/>
-              <a:buFont typeface="Wingdings" panose="05000000000000000000" pitchFamily="2" charset="2"/>
-              <a:buBlip>
-                <a:blip r:embed="rId2"/>
-              </a:buBlip>
-            </a:pPr>
-            <a:r>
-              <a:rPr lang="en-US" altLang="en-US" dirty="0" smtClean="0">
-                <a:latin typeface="Calibri" panose="020F0502020204030204" pitchFamily="34" charset="0"/>
-                <a:cs typeface="Courier New" panose="02070309020205020404" pitchFamily="49" charset="0"/>
-              </a:rPr>
-              <a:t>Installing Libraries</a:t>
-            </a:r>
-          </a:p>
-          <a:p>
-            <a:pPr lvl="1" algn="l" rtl="0" eaLnBrk="1" hangingPunct="1">
-              <a:buSzPct val="80000"/>
-              <a:buFontTx/>
-              <a:buBlip>
-                <a:blip r:embed="rId2"/>
-              </a:buBlip>
-            </a:pPr>
-            <a:r>
-              <a:rPr lang="en-US" altLang="en-US" dirty="0" smtClean="0">
-                <a:latin typeface="Calibri" panose="020F0502020204030204" pitchFamily="34" charset="0"/>
-                <a:cs typeface="Courier New" panose="02070309020205020404" pitchFamily="49" charset="0"/>
-              </a:rPr>
-              <a:t>Communication methods</a:t>
-            </a:r>
-          </a:p>
-          <a:p>
-            <a:pPr marL="457200" lvl="1" indent="0" algn="l" rtl="0" eaLnBrk="1" hangingPunct="1">
-              <a:buSzPct val="80000"/>
-              <a:buNone/>
-            </a:pPr>
-            <a:endParaRPr lang="en-US" altLang="en-US" dirty="0" smtClean="0">
-              <a:latin typeface="Calibri" panose="020F0502020204030204" pitchFamily="34" charset="0"/>
-              <a:cs typeface="Courier New" panose="02070309020205020404" pitchFamily="49" charset="0"/>
-            </a:endParaRPr>
-          </a:p>
-          <a:p>
-            <a:pPr lvl="1" algn="l" rtl="0" eaLnBrk="1" hangingPunct="1">
-              <a:buSzPct val="80000"/>
-              <a:buFontTx/>
-              <a:buBlip>
-                <a:blip r:embed="rId2"/>
-              </a:buBlip>
-            </a:pPr>
-            <a:endParaRPr lang="en-US" altLang="en-US" dirty="0" smtClean="0">
-              <a:latin typeface="Calibri" panose="020F0502020204030204" pitchFamily="34" charset="0"/>
-              <a:cs typeface="Courier New" panose="02070309020205020404" pitchFamily="49" charset="0"/>
-            </a:endParaRPr>
-          </a:p>
-          <a:p>
-            <a:pPr lvl="1" algn="l" rtl="0" eaLnBrk="1" hangingPunct="1">
-              <a:buSzPct val="80000"/>
-              <a:buFontTx/>
-              <a:buBlip>
-                <a:blip r:embed="rId2"/>
-              </a:buBlip>
-            </a:pPr>
-            <a:endParaRPr lang="en-US" altLang="en-US" dirty="0" smtClean="0">
-              <a:latin typeface="Calibri" panose="020F0502020204030204" pitchFamily="34" charset="0"/>
-              <a:cs typeface="Courier New" panose="02070309020205020404" pitchFamily="49" charset="0"/>
-            </a:endParaRPr>
-          </a:p>
-          <a:p>
-            <a:pPr lvl="1" algn="l" rtl="0" eaLnBrk="1" hangingPunct="1">
-              <a:buSzPct val="80000"/>
-              <a:buFont typeface="Wingdings" panose="05000000000000000000" pitchFamily="2" charset="2"/>
-              <a:buBlip>
-                <a:blip r:embed="rId2"/>
-              </a:buBlip>
-            </a:pPr>
-            <a:endParaRPr lang="en-US" altLang="en-US" dirty="0" smtClean="0">
-              <a:latin typeface="Calibri" panose="020F0502020204030204" pitchFamily="34" charset="0"/>
-              <a:cs typeface="Courier New" panose="02070309020205020404" pitchFamily="49" charset="0"/>
-            </a:endParaRPr>
-          </a:p>
-        </p:txBody>
-      </p:sp>
-      <p:sp>
-        <p:nvSpPr>
-          <p:cNvPr id="7171" name="Rectangle 3"/>
-          <p:cNvSpPr>
-            <a:spLocks noGrp="1" noChangeArrowheads="1"/>
-          </p:cNvSpPr>
-          <p:nvPr>
-            <p:ph type="title"/>
-          </p:nvPr>
-        </p:nvSpPr>
-        <p:spPr>
-          <a:xfrm>
-            <a:off x="-107950" y="188913"/>
-            <a:ext cx="7632700" cy="574675"/>
-          </a:xfrm>
-        </p:spPr>
-        <p:txBody>
-          <a:bodyPr/>
-          <a:lstStyle/>
-          <a:p>
-            <a:pPr rtl="0" eaLnBrk="1" hangingPunct="1"/>
-            <a:r>
-              <a:rPr lang="en-US" altLang="en-US" sz="2800" b="1" smtClean="0">
-                <a:solidFill>
-                  <a:srgbClr val="0066FF"/>
-                </a:solidFill>
-                <a:latin typeface="Calibri" panose="020F0502020204030204" pitchFamily="34" charset="0"/>
-              </a:rPr>
-              <a:t>Agenda</a:t>
-            </a:r>
-            <a:r>
-              <a:rPr lang="en-US" altLang="en-US" sz="2800" smtClean="0">
-                <a:solidFill>
-                  <a:srgbClr val="0066FF"/>
-                </a:solidFill>
-                <a:latin typeface="Calibri" panose="020F0502020204030204" pitchFamily="34" charset="0"/>
-              </a:rPr>
-              <a:t> – </a:t>
-            </a:r>
-            <a:r>
-              <a:rPr lang="en-US" altLang="en-US" sz="2800" smtClean="0">
-                <a:solidFill>
-                  <a:srgbClr val="0066FF"/>
-                </a:solidFill>
-                <a:latin typeface="Calibri" panose="020F0502020204030204" pitchFamily="34" charset="0"/>
-                <a:cs typeface="Courier New" panose="02070309020205020404" pitchFamily="49" charset="0"/>
-              </a:rPr>
-              <a:t>Using Arduino for lab work</a:t>
-            </a:r>
-            <a:endParaRPr lang="en-US" altLang="en-US" sz="2800" smtClean="0">
-              <a:solidFill>
-                <a:srgbClr val="0066FF"/>
-              </a:solidFill>
-            </a:endParaRPr>
-          </a:p>
-        </p:txBody>
-      </p:sp>
-    </p:spTree>
-  </p:cSld>
-  <p:clrMapOvr>
-    <a:masterClrMapping/>
-  </p:clrMapOvr>
-  <p:transition/>
-  <p:timing>
-    <p:tnLst>
-      <p:par>
-        <p:cTn id="1" dur="indefinite" restart="never" nodeType="tmRoot"/>
-      </p:par>
-    </p:tnLst>
-  </p:timing>
-</p:sld>
-</file>
-
-<file path=ppt/slides/slide30.xml><?xml version="1.0" encoding="utf-8"?>
+<file path=ppt/slides/slide29.xml><?xml version="1.0" encoding="utf-8"?>
 <p:sld xmlns:a="http://schemas.openxmlformats.org/drawingml/2006/main" xmlns:r="http://schemas.openxmlformats.org/officeDocument/2006/relationships" xmlns:p="http://schemas.openxmlformats.org/presentationml/2006/main">
   <p:cSld>
     <p:spTree>
@@ -20061,7 +18452,7 @@
           <a:graphicData uri="http://schemas.openxmlformats.org/presentationml/2006/ole">
             <mc:AlternateContent xmlns:mc="http://schemas.openxmlformats.org/markup-compatibility/2006">
               <mc:Choice xmlns:v="urn:schemas-microsoft-com:vml" Requires="v">
-                <p:oleObj spid="_x0000_s44045" name="Equation" r:id="rId3" imgW="507780" imgH="355446" progId="Equation.3">
+                <p:oleObj spid="_x0000_s44047" name="Equation" r:id="rId3" imgW="507780" imgH="355446" progId="Equation.3">
                   <p:embed/>
                 </p:oleObj>
               </mc:Choice>
@@ -20758,6 +19149,282 @@
   <p:clrMapOvr>
     <a:masterClrMapping/>
   </p:clrMapOvr>
+  <p:timing>
+    <p:tnLst>
+      <p:par>
+        <p:cTn id="1" dur="indefinite" restart="never" nodeType="tmRoot"/>
+      </p:par>
+    </p:tnLst>
+  </p:timing>
+</p:sld>
+</file>
+
+<file path=ppt/slides/slide3.xml><?xml version="1.0" encoding="utf-8"?>
+<p:sld xmlns:a="http://schemas.openxmlformats.org/drawingml/2006/main" xmlns:r="http://schemas.openxmlformats.org/officeDocument/2006/relationships" xmlns:p="http://schemas.openxmlformats.org/presentationml/2006/main">
+  <p:cSld>
+    <p:spTree>
+      <p:nvGrpSpPr>
+        <p:cNvPr id="1" name=""/>
+        <p:cNvGrpSpPr/>
+        <p:nvPr/>
+      </p:nvGrpSpPr>
+      <p:grpSpPr>
+        <a:xfrm>
+          <a:off x="0" y="0"/>
+          <a:ext cx="0" cy="0"/>
+          <a:chOff x="0" y="0"/>
+          <a:chExt cx="0" cy="0"/>
+        </a:xfrm>
+      </p:grpSpPr>
+      <p:sp>
+        <p:nvSpPr>
+          <p:cNvPr id="7170" name="Rectangle 2"/>
+          <p:cNvSpPr>
+            <a:spLocks noGrp="1" noChangeArrowheads="1"/>
+          </p:cNvSpPr>
+          <p:nvPr>
+            <p:ph type="body" idx="1"/>
+          </p:nvPr>
+        </p:nvSpPr>
+        <p:spPr>
+          <a:xfrm>
+            <a:off x="61913" y="1198563"/>
+            <a:ext cx="8686800" cy="4175125"/>
+          </a:xfrm>
+        </p:spPr>
+        <p:txBody>
+          <a:bodyPr/>
+          <a:lstStyle/>
+          <a:p>
+            <a:pPr lvl="1" algn="l" rtl="0" eaLnBrk="1" hangingPunct="1">
+              <a:buSzPct val="80000"/>
+              <a:buFont typeface="Wingdings" panose="05000000000000000000" pitchFamily="2" charset="2"/>
+              <a:buBlip>
+                <a:blip r:embed="rId2"/>
+              </a:buBlip>
+            </a:pPr>
+            <a:r>
+              <a:rPr lang="en-US" altLang="en-US" dirty="0" smtClean="0">
+                <a:latin typeface="Calibri" panose="020F0502020204030204" pitchFamily="34" charset="0"/>
+                <a:cs typeface="Courier New" panose="02070309020205020404" pitchFamily="49" charset="0"/>
+              </a:rPr>
+              <a:t>Basics – Review/Questions</a:t>
+            </a:r>
+          </a:p>
+          <a:p>
+            <a:pPr lvl="1" algn="l" rtl="0" eaLnBrk="1" hangingPunct="1">
+              <a:buSzPct val="80000"/>
+              <a:buFont typeface="Wingdings" panose="05000000000000000000" pitchFamily="2" charset="2"/>
+              <a:buBlip>
+                <a:blip r:embed="rId2"/>
+              </a:buBlip>
+            </a:pPr>
+            <a:r>
+              <a:rPr lang="en-US" altLang="en-US" dirty="0" smtClean="0">
+                <a:latin typeface="Calibri" panose="020F0502020204030204" pitchFamily="34" charset="0"/>
+                <a:cs typeface="Courier New" panose="02070309020205020404" pitchFamily="49" charset="0"/>
+              </a:rPr>
+              <a:t>Analog Vs. Digital</a:t>
+            </a:r>
+          </a:p>
+          <a:p>
+            <a:pPr lvl="1" algn="l" rtl="0" eaLnBrk="1" hangingPunct="1">
+              <a:buSzPct val="80000"/>
+              <a:buFontTx/>
+              <a:buBlip>
+                <a:blip r:embed="rId2"/>
+              </a:buBlip>
+            </a:pPr>
+            <a:r>
+              <a:rPr lang="en-US" altLang="en-US" dirty="0" smtClean="0">
+                <a:latin typeface="Calibri" panose="020F0502020204030204" pitchFamily="34" charset="0"/>
+                <a:cs typeface="Courier New" panose="02070309020205020404" pitchFamily="49" charset="0"/>
+              </a:rPr>
+              <a:t>Presenting data graphically </a:t>
+            </a:r>
+          </a:p>
+          <a:p>
+            <a:pPr lvl="1" algn="l" rtl="0" eaLnBrk="1" hangingPunct="1">
+              <a:buSzPct val="80000"/>
+              <a:buFontTx/>
+              <a:buBlip>
+                <a:blip r:embed="rId2"/>
+              </a:buBlip>
+            </a:pPr>
+            <a:r>
+              <a:rPr lang="en-GB" altLang="en-US" dirty="0" smtClean="0">
+                <a:latin typeface="Calibri" panose="020F0502020204030204" pitchFamily="34" charset="0"/>
+                <a:cs typeface="Courier New" panose="02070309020205020404" pitchFamily="49" charset="0"/>
+              </a:rPr>
+              <a:t>Data-Transfer protocols </a:t>
+            </a:r>
+            <a:endParaRPr lang="en-US" altLang="en-US" dirty="0" smtClean="0">
+              <a:latin typeface="Calibri" panose="020F0502020204030204" pitchFamily="34" charset="0"/>
+              <a:cs typeface="Courier New" panose="02070309020205020404" pitchFamily="49" charset="0"/>
+            </a:endParaRPr>
+          </a:p>
+          <a:p>
+            <a:pPr lvl="1" algn="l" rtl="0" eaLnBrk="1" hangingPunct="1">
+              <a:buSzPct val="80000"/>
+              <a:buFont typeface="Wingdings" panose="05000000000000000000" pitchFamily="2" charset="2"/>
+              <a:buBlip>
+                <a:blip r:embed="rId2"/>
+              </a:buBlip>
+            </a:pPr>
+            <a:r>
+              <a:rPr lang="en-US" altLang="en-US" dirty="0" smtClean="0">
+                <a:latin typeface="Calibri" panose="020F0502020204030204" pitchFamily="34" charset="0"/>
+                <a:cs typeface="Courier New" panose="02070309020205020404" pitchFamily="49" charset="0"/>
+              </a:rPr>
+              <a:t>Data-logging</a:t>
+            </a:r>
+          </a:p>
+          <a:p>
+            <a:pPr lvl="1" algn="l" rtl="0" eaLnBrk="1" hangingPunct="1">
+              <a:buSzPct val="80000"/>
+              <a:buFont typeface="Wingdings" panose="05000000000000000000" pitchFamily="2" charset="2"/>
+              <a:buBlip>
+                <a:blip r:embed="rId2"/>
+              </a:buBlip>
+            </a:pPr>
+            <a:r>
+              <a:rPr lang="en-US" altLang="en-US" dirty="0" smtClean="0">
+                <a:latin typeface="Calibri" panose="020F0502020204030204" pitchFamily="34" charset="0"/>
+                <a:cs typeface="Courier New" panose="02070309020205020404" pitchFamily="49" charset="0"/>
+              </a:rPr>
+              <a:t>Installing Libraries</a:t>
+            </a:r>
+          </a:p>
+          <a:p>
+            <a:pPr lvl="1" algn="l" rtl="0" eaLnBrk="1" hangingPunct="1">
+              <a:buSzPct val="80000"/>
+              <a:buFontTx/>
+              <a:buBlip>
+                <a:blip r:embed="rId2"/>
+              </a:buBlip>
+            </a:pPr>
+            <a:r>
+              <a:rPr lang="en-US" altLang="en-US" dirty="0" smtClean="0">
+                <a:latin typeface="Calibri" panose="020F0502020204030204" pitchFamily="34" charset="0"/>
+                <a:cs typeface="Courier New" panose="02070309020205020404" pitchFamily="49" charset="0"/>
+              </a:rPr>
+              <a:t>Communication methods</a:t>
+            </a:r>
+          </a:p>
+          <a:p>
+            <a:pPr marL="457200" lvl="1" indent="0" algn="l" rtl="0" eaLnBrk="1" hangingPunct="1">
+              <a:buSzPct val="80000"/>
+              <a:buNone/>
+            </a:pPr>
+            <a:endParaRPr lang="en-US" altLang="en-US" dirty="0" smtClean="0">
+              <a:latin typeface="Calibri" panose="020F0502020204030204" pitchFamily="34" charset="0"/>
+              <a:cs typeface="Courier New" panose="02070309020205020404" pitchFamily="49" charset="0"/>
+            </a:endParaRPr>
+          </a:p>
+          <a:p>
+            <a:pPr lvl="1" algn="l" rtl="0" eaLnBrk="1" hangingPunct="1">
+              <a:buSzPct val="80000"/>
+              <a:buFontTx/>
+              <a:buBlip>
+                <a:blip r:embed="rId2"/>
+              </a:buBlip>
+            </a:pPr>
+            <a:endParaRPr lang="en-US" altLang="en-US" dirty="0" smtClean="0">
+              <a:latin typeface="Calibri" panose="020F0502020204030204" pitchFamily="34" charset="0"/>
+              <a:cs typeface="Courier New" panose="02070309020205020404" pitchFamily="49" charset="0"/>
+            </a:endParaRPr>
+          </a:p>
+          <a:p>
+            <a:pPr lvl="1" algn="l" rtl="0" eaLnBrk="1" hangingPunct="1">
+              <a:buSzPct val="80000"/>
+              <a:buFontTx/>
+              <a:buBlip>
+                <a:blip r:embed="rId2"/>
+              </a:buBlip>
+            </a:pPr>
+            <a:endParaRPr lang="en-US" altLang="en-US" dirty="0" smtClean="0">
+              <a:latin typeface="Calibri" panose="020F0502020204030204" pitchFamily="34" charset="0"/>
+              <a:cs typeface="Courier New" panose="02070309020205020404" pitchFamily="49" charset="0"/>
+            </a:endParaRPr>
+          </a:p>
+          <a:p>
+            <a:pPr lvl="1" algn="l" rtl="0" eaLnBrk="1" hangingPunct="1">
+              <a:buSzPct val="80000"/>
+              <a:buFont typeface="Wingdings" panose="05000000000000000000" pitchFamily="2" charset="2"/>
+              <a:buBlip>
+                <a:blip r:embed="rId2"/>
+              </a:buBlip>
+            </a:pPr>
+            <a:endParaRPr lang="en-US" altLang="en-US" dirty="0" smtClean="0">
+              <a:latin typeface="Calibri" panose="020F0502020204030204" pitchFamily="34" charset="0"/>
+              <a:cs typeface="Courier New" panose="02070309020205020404" pitchFamily="49" charset="0"/>
+            </a:endParaRPr>
+          </a:p>
+        </p:txBody>
+      </p:sp>
+      <p:sp>
+        <p:nvSpPr>
+          <p:cNvPr id="7171" name="Rectangle 3"/>
+          <p:cNvSpPr>
+            <a:spLocks noGrp="1" noChangeArrowheads="1"/>
+          </p:cNvSpPr>
+          <p:nvPr>
+            <p:ph type="title"/>
+          </p:nvPr>
+        </p:nvSpPr>
+        <p:spPr>
+          <a:xfrm>
+            <a:off x="-107950" y="188913"/>
+            <a:ext cx="7632700" cy="574675"/>
+          </a:xfrm>
+        </p:spPr>
+        <p:txBody>
+          <a:bodyPr/>
+          <a:lstStyle/>
+          <a:p>
+            <a:pPr rtl="0" eaLnBrk="1" hangingPunct="1"/>
+            <a:r>
+              <a:rPr lang="en-US" altLang="en-US" sz="2800" b="1" smtClean="0">
+                <a:solidFill>
+                  <a:srgbClr val="0066FF"/>
+                </a:solidFill>
+                <a:latin typeface="Calibri" panose="020F0502020204030204" pitchFamily="34" charset="0"/>
+              </a:rPr>
+              <a:t>Agenda</a:t>
+            </a:r>
+            <a:r>
+              <a:rPr lang="en-US" altLang="en-US" sz="2800" smtClean="0">
+                <a:solidFill>
+                  <a:srgbClr val="0066FF"/>
+                </a:solidFill>
+                <a:latin typeface="Calibri" panose="020F0502020204030204" pitchFamily="34" charset="0"/>
+              </a:rPr>
+              <a:t> – </a:t>
+            </a:r>
+            <a:r>
+              <a:rPr lang="en-US" altLang="en-US" sz="2800" smtClean="0">
+                <a:solidFill>
+                  <a:srgbClr val="0066FF"/>
+                </a:solidFill>
+                <a:latin typeface="Calibri" panose="020F0502020204030204" pitchFamily="34" charset="0"/>
+                <a:cs typeface="Courier New" panose="02070309020205020404" pitchFamily="49" charset="0"/>
+              </a:rPr>
+              <a:t>Using Arduino for lab work</a:t>
+            </a:r>
+            <a:endParaRPr lang="en-US" altLang="en-US" sz="2800" smtClean="0">
+              <a:solidFill>
+                <a:srgbClr val="0066FF"/>
+              </a:solidFill>
+            </a:endParaRPr>
+          </a:p>
+        </p:txBody>
+      </p:sp>
+    </p:spTree>
+  </p:cSld>
+  <p:clrMapOvr>
+    <a:masterClrMapping/>
+  </p:clrMapOvr>
+  <p:transition/>
   <p:timing>
     <p:tnLst>
       <p:par>
